--- a/Documents/AirflowSolution.pptx
+++ b/Documents/AirflowSolution.pptx
@@ -1,51 +1,52 @@
 
 <file path=ppt/presentation.xml><?xml version="1.0" encoding="utf-8"?>
-<p:presentation xmlns:a="http://schemas.openxmlformats.org/drawingml/2006/main" xmlns:r="http://schemas.openxmlformats.org/officeDocument/2006/relationships" xmlns:mc="http://schemas.openxmlformats.org/markup-compatibility/2006" xmlns:mv="urn:schemas-microsoft-com:mac:vml" xmlns:p="http://schemas.openxmlformats.org/presentationml/2006/main" xmlns:c="http://schemas.openxmlformats.org/drawingml/2006/chart" xmlns:dgm="http://schemas.openxmlformats.org/drawingml/2006/diagram" xmlns:o="urn:schemas-microsoft-com:office:office" xmlns:v="urn:schemas-microsoft-com:vml" xmlns:pvml="urn:schemas-microsoft-com:office:powerpoint" xmlns:com="http://schemas.openxmlformats.org/drawingml/2006/compatibility" xmlns:p14="http://schemas.microsoft.com/office/powerpoint/2010/main" xmlns:p15="http://schemas.microsoft.com/office/powerpoint/2012/main" xmlns:ahyp="http://schemas.microsoft.com/office/drawing/2018/hyperlinkcolor" autoCompressPictures="0" embedTrueTypeFonts="1" strictFirstAndLastChars="0" saveSubsetFonts="1">
+<p:presentation xmlns:a="http://schemas.openxmlformats.org/drawingml/2006/main" xmlns:r="http://schemas.openxmlformats.org/officeDocument/2006/relationships" xmlns:p="http://schemas.openxmlformats.org/presentationml/2006/main" strictFirstAndLastChars="0" embedTrueTypeFonts="1" saveSubsetFonts="1" autoCompressPictures="0">
   <p:sldMasterIdLst>
-    <p:sldMasterId id="2147483659" r:id="rId4"/>
+    <p:sldMasterId id="2147483659" r:id="rId1"/>
   </p:sldMasterIdLst>
   <p:notesMasterIdLst>
-    <p:notesMasterId r:id="rId5"/>
+    <p:notesMasterId r:id="rId20"/>
   </p:notesMasterIdLst>
   <p:sldIdLst>
-    <p:sldId id="256" r:id="rId6"/>
-    <p:sldId id="257" r:id="rId7"/>
-    <p:sldId id="258" r:id="rId8"/>
-    <p:sldId id="259" r:id="rId9"/>
-    <p:sldId id="260" r:id="rId10"/>
-    <p:sldId id="261" r:id="rId11"/>
-    <p:sldId id="262" r:id="rId12"/>
-    <p:sldId id="263" r:id="rId13"/>
-    <p:sldId id="264" r:id="rId14"/>
-    <p:sldId id="265" r:id="rId15"/>
-    <p:sldId id="266" r:id="rId16"/>
-    <p:sldId id="267" r:id="rId17"/>
-    <p:sldId id="268" r:id="rId18"/>
-    <p:sldId id="269" r:id="rId19"/>
-    <p:sldId id="270" r:id="rId20"/>
-    <p:sldId id="271" r:id="rId21"/>
-    <p:sldId id="272" r:id="rId22"/>
+    <p:sldId id="256" r:id="rId2"/>
+    <p:sldId id="257" r:id="rId3"/>
+    <p:sldId id="258" r:id="rId4"/>
+    <p:sldId id="259" r:id="rId5"/>
+    <p:sldId id="260" r:id="rId6"/>
+    <p:sldId id="261" r:id="rId7"/>
+    <p:sldId id="262" r:id="rId8"/>
+    <p:sldId id="263" r:id="rId9"/>
+    <p:sldId id="264" r:id="rId10"/>
+    <p:sldId id="265" r:id="rId11"/>
+    <p:sldId id="266" r:id="rId12"/>
+    <p:sldId id="267" r:id="rId13"/>
+    <p:sldId id="268" r:id="rId14"/>
+    <p:sldId id="269" r:id="rId15"/>
+    <p:sldId id="270" r:id="rId16"/>
+    <p:sldId id="273" r:id="rId17"/>
+    <p:sldId id="271" r:id="rId18"/>
+    <p:sldId id="272" r:id="rId19"/>
   </p:sldIdLst>
-  <p:sldSz cy="5143500" cx="9144000"/>
+  <p:sldSz cx="9144000" cy="5143500" type="screen16x9"/>
   <p:notesSz cx="6858000" cy="9144000"/>
   <p:embeddedFontLst>
     <p:embeddedFont>
-      <p:font typeface="Roboto"/>
-      <p:regular r:id="rId23"/>
-      <p:bold r:id="rId24"/>
-      <p:italic r:id="rId25"/>
-      <p:boldItalic r:id="rId26"/>
+      <p:font typeface="Open Sans" panose="020B0606030504020204" pitchFamily="34" charset="0"/>
+      <p:regular r:id="rId21"/>
+      <p:bold r:id="rId22"/>
+      <p:italic r:id="rId23"/>
+      <p:boldItalic r:id="rId24"/>
     </p:embeddedFont>
     <p:embeddedFont>
-      <p:font typeface="Open Sans"/>
-      <p:regular r:id="rId27"/>
-      <p:bold r:id="rId28"/>
-      <p:italic r:id="rId29"/>
-      <p:boldItalic r:id="rId30"/>
+      <p:font typeface="Roboto" panose="02000000000000000000" pitchFamily="2" charset="0"/>
+      <p:regular r:id="rId25"/>
+      <p:bold r:id="rId26"/>
+      <p:italic r:id="rId27"/>
+      <p:boldItalic r:id="rId28"/>
     </p:embeddedFont>
   </p:embeddedFontLst>
   <p:defaultTextStyle>
-    <a:defPPr lvl="0" marR="0" rtl="0" algn="l">
+    <a:defPPr marR="0" lvl="0" algn="l" rtl="0">
       <a:lnSpc>
         <a:spcPct val="100000"/>
       </a:lnSpc>
@@ -56,7 +57,7 @@
         <a:spcPts val="0"/>
       </a:spcAft>
     </a:defPPr>
-    <a:lvl1pPr lvl="0" marR="0" rtl="0" algn="l">
+    <a:lvl1pPr marR="0" lvl="0" algn="l" rtl="0">
       <a:lnSpc>
         <a:spcPct val="100000"/>
       </a:lnSpc>
@@ -70,7 +71,7 @@
         <a:srgbClr val="000000"/>
       </a:buClr>
       <a:buFont typeface="Arial"/>
-      <a:defRPr b="0" i="0" sz="1400" u="none" cap="none" strike="noStrike">
+      <a:defRPr sz="1400" b="0" i="0" u="none" strike="noStrike" cap="none">
         <a:solidFill>
           <a:srgbClr val="000000"/>
         </a:solidFill>
@@ -80,7 +81,7 @@
         <a:sym typeface="Arial"/>
       </a:defRPr>
     </a:lvl1pPr>
-    <a:lvl2pPr lvl="1" marR="0" rtl="0" algn="l">
+    <a:lvl2pPr marR="0" lvl="1" algn="l" rtl="0">
       <a:lnSpc>
         <a:spcPct val="100000"/>
       </a:lnSpc>
@@ -94,7 +95,7 @@
         <a:srgbClr val="000000"/>
       </a:buClr>
       <a:buFont typeface="Arial"/>
-      <a:defRPr b="0" i="0" sz="1400" u="none" cap="none" strike="noStrike">
+      <a:defRPr sz="1400" b="0" i="0" u="none" strike="noStrike" cap="none">
         <a:solidFill>
           <a:srgbClr val="000000"/>
         </a:solidFill>
@@ -104,7 +105,7 @@
         <a:sym typeface="Arial"/>
       </a:defRPr>
     </a:lvl2pPr>
-    <a:lvl3pPr lvl="2" marR="0" rtl="0" algn="l">
+    <a:lvl3pPr marR="0" lvl="2" algn="l" rtl="0">
       <a:lnSpc>
         <a:spcPct val="100000"/>
       </a:lnSpc>
@@ -118,7 +119,7 @@
         <a:srgbClr val="000000"/>
       </a:buClr>
       <a:buFont typeface="Arial"/>
-      <a:defRPr b="0" i="0" sz="1400" u="none" cap="none" strike="noStrike">
+      <a:defRPr sz="1400" b="0" i="0" u="none" strike="noStrike" cap="none">
         <a:solidFill>
           <a:srgbClr val="000000"/>
         </a:solidFill>
@@ -128,7 +129,7 @@
         <a:sym typeface="Arial"/>
       </a:defRPr>
     </a:lvl3pPr>
-    <a:lvl4pPr lvl="3" marR="0" rtl="0" algn="l">
+    <a:lvl4pPr marR="0" lvl="3" algn="l" rtl="0">
       <a:lnSpc>
         <a:spcPct val="100000"/>
       </a:lnSpc>
@@ -142,7 +143,7 @@
         <a:srgbClr val="000000"/>
       </a:buClr>
       <a:buFont typeface="Arial"/>
-      <a:defRPr b="0" i="0" sz="1400" u="none" cap="none" strike="noStrike">
+      <a:defRPr sz="1400" b="0" i="0" u="none" strike="noStrike" cap="none">
         <a:solidFill>
           <a:srgbClr val="000000"/>
         </a:solidFill>
@@ -152,7 +153,7 @@
         <a:sym typeface="Arial"/>
       </a:defRPr>
     </a:lvl4pPr>
-    <a:lvl5pPr lvl="4" marR="0" rtl="0" algn="l">
+    <a:lvl5pPr marR="0" lvl="4" algn="l" rtl="0">
       <a:lnSpc>
         <a:spcPct val="100000"/>
       </a:lnSpc>
@@ -166,7 +167,7 @@
         <a:srgbClr val="000000"/>
       </a:buClr>
       <a:buFont typeface="Arial"/>
-      <a:defRPr b="0" i="0" sz="1400" u="none" cap="none" strike="noStrike">
+      <a:defRPr sz="1400" b="0" i="0" u="none" strike="noStrike" cap="none">
         <a:solidFill>
           <a:srgbClr val="000000"/>
         </a:solidFill>
@@ -176,7 +177,7 @@
         <a:sym typeface="Arial"/>
       </a:defRPr>
     </a:lvl5pPr>
-    <a:lvl6pPr lvl="5" marR="0" rtl="0" algn="l">
+    <a:lvl6pPr marR="0" lvl="5" algn="l" rtl="0">
       <a:lnSpc>
         <a:spcPct val="100000"/>
       </a:lnSpc>
@@ -190,7 +191,7 @@
         <a:srgbClr val="000000"/>
       </a:buClr>
       <a:buFont typeface="Arial"/>
-      <a:defRPr b="0" i="0" sz="1400" u="none" cap="none" strike="noStrike">
+      <a:defRPr sz="1400" b="0" i="0" u="none" strike="noStrike" cap="none">
         <a:solidFill>
           <a:srgbClr val="000000"/>
         </a:solidFill>
@@ -200,7 +201,7 @@
         <a:sym typeface="Arial"/>
       </a:defRPr>
     </a:lvl6pPr>
-    <a:lvl7pPr lvl="6" marR="0" rtl="0" algn="l">
+    <a:lvl7pPr marR="0" lvl="6" algn="l" rtl="0">
       <a:lnSpc>
         <a:spcPct val="100000"/>
       </a:lnSpc>
@@ -214,7 +215,7 @@
         <a:srgbClr val="000000"/>
       </a:buClr>
       <a:buFont typeface="Arial"/>
-      <a:defRPr b="0" i="0" sz="1400" u="none" cap="none" strike="noStrike">
+      <a:defRPr sz="1400" b="0" i="0" u="none" strike="noStrike" cap="none">
         <a:solidFill>
           <a:srgbClr val="000000"/>
         </a:solidFill>
@@ -224,7 +225,7 @@
         <a:sym typeface="Arial"/>
       </a:defRPr>
     </a:lvl7pPr>
-    <a:lvl8pPr lvl="7" marR="0" rtl="0" algn="l">
+    <a:lvl8pPr marR="0" lvl="7" algn="l" rtl="0">
       <a:lnSpc>
         <a:spcPct val="100000"/>
       </a:lnSpc>
@@ -238,7 +239,7 @@
         <a:srgbClr val="000000"/>
       </a:buClr>
       <a:buFont typeface="Arial"/>
-      <a:defRPr b="0" i="0" sz="1400" u="none" cap="none" strike="noStrike">
+      <a:defRPr sz="1400" b="0" i="0" u="none" strike="noStrike" cap="none">
         <a:solidFill>
           <a:srgbClr val="000000"/>
         </a:solidFill>
@@ -248,7 +249,7 @@
         <a:sym typeface="Arial"/>
       </a:defRPr>
     </a:lvl8pPr>
-    <a:lvl9pPr lvl="8" marR="0" rtl="0" algn="l">
+    <a:lvl9pPr marR="0" lvl="8" algn="l" rtl="0">
       <a:lnSpc>
         <a:spcPct val="100000"/>
       </a:lnSpc>
@@ -262,7 +263,7 @@
         <a:srgbClr val="000000"/>
       </a:buClr>
       <a:buFont typeface="Arial"/>
-      <a:defRPr b="0" i="0" sz="1400" u="none" cap="none" strike="noStrike">
+      <a:defRPr sz="1400" b="0" i="0" u="none" strike="noStrike" cap="none">
         <a:solidFill>
           <a:srgbClr val="000000"/>
         </a:solidFill>
@@ -275,7 +276,7 @@
   </p:defaultTextStyle>
   <p:extLst>
     <p:ext uri="{EFAFB233-063F-42B5-8137-9DF3F51BA10A}">
-      <p15:sldGuideLst>
+      <p15:sldGuideLst xmlns:p15="http://schemas.microsoft.com/office/powerpoint/2012/main">
         <p15:guide id="1" orient="horz" pos="1620">
           <p15:clr>
             <a:srgbClr val="A4A3A4"/>
@@ -292,12 +293,36 @@
 </p:presentation>
 </file>
 
+<file path=ppt/commentAuthors.xml><?xml version="1.0" encoding="utf-8"?>
+<p:cmAuthorLst xmlns:a="http://schemas.openxmlformats.org/drawingml/2006/main" xmlns:r="http://schemas.openxmlformats.org/officeDocument/2006/relationships" xmlns:p="http://schemas.openxmlformats.org/presentationml/2006/main">
+  <p:cmAuthor id="0" name="Rishab Mehrotra" initials="" lastIdx="1" clrIdx="0"/>
+</p:cmAuthorLst>
+</file>
+
+<file path=ppt/comments/comment1.xml><?xml version="1.0" encoding="utf-8"?>
+<p:cmLst xmlns:a="http://schemas.openxmlformats.org/drawingml/2006/main" xmlns:r="http://schemas.openxmlformats.org/officeDocument/2006/relationships" xmlns:p="http://schemas.openxmlformats.org/presentationml/2006/main">
+  <p:cm authorId="0" dt="2021-11-17T10:16:34.396" idx="1">
+    <p:pos x="196" y="725"/>
+    <p:text>Add slides for
+1 default arguments
+2  why jinja templating
+3 Talk about the HTTP operator
+4 add image for flower ui</p:text>
+  </p:cm>
+</p:cmLst>
+</file>
+
 <file path=ppt/notesMasters/notesMaster1.xml><?xml version="1.0" encoding="utf-8"?>
-<p:notesMaster xmlns:a="http://schemas.openxmlformats.org/drawingml/2006/main" xmlns:r="http://schemas.openxmlformats.org/officeDocument/2006/relationships" xmlns:mc="http://schemas.openxmlformats.org/markup-compatibility/2006" xmlns:mv="urn:schemas-microsoft-com:mac:vml" xmlns:p="http://schemas.openxmlformats.org/presentationml/2006/main" xmlns:c="http://schemas.openxmlformats.org/drawingml/2006/chart" xmlns:dgm="http://schemas.openxmlformats.org/drawingml/2006/diagram" xmlns:o="urn:schemas-microsoft-com:office:office" xmlns:v="urn:schemas-microsoft-com:vml" xmlns:pvml="urn:schemas-microsoft-com:office:powerpoint" xmlns:com="http://schemas.openxmlformats.org/drawingml/2006/compatibility" xmlns:p14="http://schemas.microsoft.com/office/powerpoint/2010/main" xmlns:p15="http://schemas.microsoft.com/office/powerpoint/2012/main" xmlns:ahyp="http://schemas.microsoft.com/office/drawing/2018/hyperlinkcolor">
+<p:notesMaster xmlns:a="http://schemas.openxmlformats.org/drawingml/2006/main" xmlns:r="http://schemas.openxmlformats.org/officeDocument/2006/relationships" xmlns:p="http://schemas.openxmlformats.org/presentationml/2006/main">
   <p:cSld>
+    <p:bg>
+      <p:bgRef idx="1001">
+        <a:schemeClr val="bg1"/>
+      </p:bgRef>
+    </p:bg>
     <p:spTree>
       <p:nvGrpSpPr>
-        <p:cNvPr id="2" name="Shape 2"/>
+        <p:cNvPr id="1" name="Shape 2"/>
         <p:cNvGrpSpPr/>
         <p:nvPr/>
       </p:nvGrpSpPr>
@@ -312,9 +337,11 @@
       <p:sp>
         <p:nvSpPr>
           <p:cNvPr id="3" name="Google Shape;3;n"/>
-          <p:cNvSpPr/>
+          <p:cNvSpPr>
+            <a:spLocks noGrp="1" noRot="1" noChangeAspect="1"/>
+          </p:cNvSpPr>
           <p:nvPr>
-            <p:ph idx="2" type="sldImg"/>
+            <p:ph type="sldImg" idx="2"/>
           </p:nvPr>
         </p:nvSpPr>
         <p:spPr>
@@ -323,9 +350,13 @@
             <a:ext cx="6096075" cy="3429000"/>
           </a:xfrm>
           <a:custGeom>
-            <a:rect b="b" l="l" r="r" t="t"/>
+            <a:avLst/>
+            <a:gdLst/>
+            <a:ahLst/>
+            <a:cxnLst/>
+            <a:rect l="l" t="t" r="r" b="b"/>
             <a:pathLst>
-              <a:path extrusionOk="0" h="120000" w="120000">
+              <a:path w="120000" h="120000" extrusionOk="0">
                 <a:moveTo>
                   <a:pt x="0" y="0"/>
                 </a:moveTo>
@@ -343,23 +374,25 @@
             </a:pathLst>
           </a:custGeom>
           <a:noFill/>
-          <a:ln cap="flat" cmpd="sng" w="9525">
+          <a:ln w="9525" cap="flat" cmpd="sng">
             <a:solidFill>
               <a:srgbClr val="000000"/>
             </a:solidFill>
             <a:prstDash val="solid"/>
             <a:round/>
-            <a:headEnd len="sm" w="sm" type="none"/>
-            <a:tailEnd len="sm" w="sm" type="none"/>
+            <a:headEnd type="none" w="sm" len="sm"/>
+            <a:tailEnd type="none" w="sm" len="sm"/>
           </a:ln>
         </p:spPr>
       </p:sp>
       <p:sp>
         <p:nvSpPr>
           <p:cNvPr id="4" name="Google Shape;4;n"/>
-          <p:cNvSpPr txBox="1"/>
+          <p:cNvSpPr txBox="1">
+            <a:spLocks noGrp="1"/>
+          </p:cNvSpPr>
           <p:nvPr>
-            <p:ph idx="1" type="body"/>
+            <p:ph type="body" idx="1"/>
           </p:nvPr>
         </p:nvSpPr>
         <p:spPr>
@@ -376,11 +409,11 @@
           </a:ln>
         </p:spPr>
         <p:txBody>
-          <a:bodyPr anchorCtr="0" anchor="t" bIns="91425" lIns="91425" spcFirstLastPara="1" rIns="91425" wrap="square" tIns="91425">
+          <a:bodyPr spcFirstLastPara="1" wrap="square" lIns="91425" tIns="91425" rIns="91425" bIns="91425" anchor="t" anchorCtr="0">
             <a:noAutofit/>
           </a:bodyPr>
           <a:lstStyle>
-            <a:lvl1pPr indent="-298450" lvl="0" marL="457200">
+            <a:lvl1pPr marL="457200" lvl="0" indent="-298450">
               <a:spcBef>
                 <a:spcPts val="0"/>
               </a:spcBef>
@@ -391,7 +424,7 @@
               <a:buChar char="●"/>
               <a:defRPr sz="1100"/>
             </a:lvl1pPr>
-            <a:lvl2pPr indent="-298450" lvl="1" marL="914400">
+            <a:lvl2pPr marL="914400" lvl="1" indent="-298450">
               <a:spcBef>
                 <a:spcPts val="0"/>
               </a:spcBef>
@@ -402,7 +435,7 @@
               <a:buChar char="○"/>
               <a:defRPr sz="1100"/>
             </a:lvl2pPr>
-            <a:lvl3pPr indent="-298450" lvl="2" marL="1371600">
+            <a:lvl3pPr marL="1371600" lvl="2" indent="-298450">
               <a:spcBef>
                 <a:spcPts val="0"/>
               </a:spcBef>
@@ -413,7 +446,7 @@
               <a:buChar char="■"/>
               <a:defRPr sz="1100"/>
             </a:lvl3pPr>
-            <a:lvl4pPr indent="-298450" lvl="3" marL="1828800">
+            <a:lvl4pPr marL="1828800" lvl="3" indent="-298450">
               <a:spcBef>
                 <a:spcPts val="0"/>
               </a:spcBef>
@@ -424,7 +457,7 @@
               <a:buChar char="●"/>
               <a:defRPr sz="1100"/>
             </a:lvl4pPr>
-            <a:lvl5pPr indent="-298450" lvl="4" marL="2286000">
+            <a:lvl5pPr marL="2286000" lvl="4" indent="-298450">
               <a:spcBef>
                 <a:spcPts val="0"/>
               </a:spcBef>
@@ -435,7 +468,7 @@
               <a:buChar char="○"/>
               <a:defRPr sz="1100"/>
             </a:lvl5pPr>
-            <a:lvl6pPr indent="-298450" lvl="5" marL="2743200">
+            <a:lvl6pPr marL="2743200" lvl="5" indent="-298450">
               <a:spcBef>
                 <a:spcPts val="0"/>
               </a:spcBef>
@@ -446,7 +479,7 @@
               <a:buChar char="■"/>
               <a:defRPr sz="1100"/>
             </a:lvl6pPr>
-            <a:lvl7pPr indent="-298450" lvl="6" marL="3200400">
+            <a:lvl7pPr marL="3200400" lvl="6" indent="-298450">
               <a:spcBef>
                 <a:spcPts val="0"/>
               </a:spcBef>
@@ -457,7 +490,7 @@
               <a:buChar char="●"/>
               <a:defRPr sz="1100"/>
             </a:lvl7pPr>
-            <a:lvl8pPr indent="-298450" lvl="7" marL="3657600">
+            <a:lvl8pPr marL="3657600" lvl="7" indent="-298450">
               <a:spcBef>
                 <a:spcPts val="0"/>
               </a:spcBef>
@@ -468,7 +501,7 @@
               <a:buChar char="○"/>
               <a:defRPr sz="1100"/>
             </a:lvl8pPr>
-            <a:lvl9pPr indent="-298450" lvl="8" marL="4114800">
+            <a:lvl9pPr marL="4114800" lvl="8" indent="-298450">
               <a:spcBef>
                 <a:spcPts val="0"/>
               </a:spcBef>
@@ -480,14 +513,16 @@
               <a:defRPr sz="1100"/>
             </a:lvl9pPr>
           </a:lstStyle>
-          <a:p/>
+          <a:p>
+            <a:endParaRPr/>
+          </a:p>
         </p:txBody>
       </p:sp>
     </p:spTree>
   </p:cSld>
-  <p:clrMap accent1="accent1" accent2="accent2" accent3="accent3" accent4="accent4" accent5="accent5" accent6="accent6" bg1="lt1" bg2="dk2" tx1="dk1" tx2="lt2" folHlink="folHlink" hlink="hlink"/>
+  <p:clrMap bg1="lt1" tx1="dk1" bg2="dk2" tx2="lt2" accent1="accent1" accent2="accent2" accent3="accent3" accent4="accent4" accent5="accent5" accent6="accent6" hlink="hlink" folHlink="folHlink"/>
   <p:notesStyle>
-    <a:defPPr lvl="0" marR="0" rtl="0" algn="l">
+    <a:defPPr marR="0" lvl="0" algn="l" rtl="0">
       <a:lnSpc>
         <a:spcPct val="100000"/>
       </a:lnSpc>
@@ -498,7 +533,7 @@
         <a:spcPts val="0"/>
       </a:spcAft>
     </a:defPPr>
-    <a:lvl1pPr lvl="0" marR="0" rtl="0" algn="l">
+    <a:lvl1pPr marR="0" lvl="0" algn="l" rtl="0">
       <a:lnSpc>
         <a:spcPct val="100000"/>
       </a:lnSpc>
@@ -512,7 +547,7 @@
         <a:srgbClr val="000000"/>
       </a:buClr>
       <a:buFont typeface="Arial"/>
-      <a:defRPr b="0" i="0" sz="1400" u="none" cap="none" strike="noStrike">
+      <a:defRPr sz="1400" b="0" i="0" u="none" strike="noStrike" cap="none">
         <a:solidFill>
           <a:srgbClr val="000000"/>
         </a:solidFill>
@@ -522,7 +557,7 @@
         <a:sym typeface="Arial"/>
       </a:defRPr>
     </a:lvl1pPr>
-    <a:lvl2pPr lvl="1" marR="0" rtl="0" algn="l">
+    <a:lvl2pPr marR="0" lvl="1" algn="l" rtl="0">
       <a:lnSpc>
         <a:spcPct val="100000"/>
       </a:lnSpc>
@@ -536,7 +571,7 @@
         <a:srgbClr val="000000"/>
       </a:buClr>
       <a:buFont typeface="Arial"/>
-      <a:defRPr b="0" i="0" sz="1400" u="none" cap="none" strike="noStrike">
+      <a:defRPr sz="1400" b="0" i="0" u="none" strike="noStrike" cap="none">
         <a:solidFill>
           <a:srgbClr val="000000"/>
         </a:solidFill>
@@ -546,7 +581,7 @@
         <a:sym typeface="Arial"/>
       </a:defRPr>
     </a:lvl2pPr>
-    <a:lvl3pPr lvl="2" marR="0" rtl="0" algn="l">
+    <a:lvl3pPr marR="0" lvl="2" algn="l" rtl="0">
       <a:lnSpc>
         <a:spcPct val="100000"/>
       </a:lnSpc>
@@ -560,7 +595,7 @@
         <a:srgbClr val="000000"/>
       </a:buClr>
       <a:buFont typeface="Arial"/>
-      <a:defRPr b="0" i="0" sz="1400" u="none" cap="none" strike="noStrike">
+      <a:defRPr sz="1400" b="0" i="0" u="none" strike="noStrike" cap="none">
         <a:solidFill>
           <a:srgbClr val="000000"/>
         </a:solidFill>
@@ -570,7 +605,7 @@
         <a:sym typeface="Arial"/>
       </a:defRPr>
     </a:lvl3pPr>
-    <a:lvl4pPr lvl="3" marR="0" rtl="0" algn="l">
+    <a:lvl4pPr marR="0" lvl="3" algn="l" rtl="0">
       <a:lnSpc>
         <a:spcPct val="100000"/>
       </a:lnSpc>
@@ -584,7 +619,7 @@
         <a:srgbClr val="000000"/>
       </a:buClr>
       <a:buFont typeface="Arial"/>
-      <a:defRPr b="0" i="0" sz="1400" u="none" cap="none" strike="noStrike">
+      <a:defRPr sz="1400" b="0" i="0" u="none" strike="noStrike" cap="none">
         <a:solidFill>
           <a:srgbClr val="000000"/>
         </a:solidFill>
@@ -594,7 +629,7 @@
         <a:sym typeface="Arial"/>
       </a:defRPr>
     </a:lvl4pPr>
-    <a:lvl5pPr lvl="4" marR="0" rtl="0" algn="l">
+    <a:lvl5pPr marR="0" lvl="4" algn="l" rtl="0">
       <a:lnSpc>
         <a:spcPct val="100000"/>
       </a:lnSpc>
@@ -608,7 +643,7 @@
         <a:srgbClr val="000000"/>
       </a:buClr>
       <a:buFont typeface="Arial"/>
-      <a:defRPr b="0" i="0" sz="1400" u="none" cap="none" strike="noStrike">
+      <a:defRPr sz="1400" b="0" i="0" u="none" strike="noStrike" cap="none">
         <a:solidFill>
           <a:srgbClr val="000000"/>
         </a:solidFill>
@@ -618,7 +653,7 @@
         <a:sym typeface="Arial"/>
       </a:defRPr>
     </a:lvl5pPr>
-    <a:lvl6pPr lvl="5" marR="0" rtl="0" algn="l">
+    <a:lvl6pPr marR="0" lvl="5" algn="l" rtl="0">
       <a:lnSpc>
         <a:spcPct val="100000"/>
       </a:lnSpc>
@@ -632,7 +667,7 @@
         <a:srgbClr val="000000"/>
       </a:buClr>
       <a:buFont typeface="Arial"/>
-      <a:defRPr b="0" i="0" sz="1400" u="none" cap="none" strike="noStrike">
+      <a:defRPr sz="1400" b="0" i="0" u="none" strike="noStrike" cap="none">
         <a:solidFill>
           <a:srgbClr val="000000"/>
         </a:solidFill>
@@ -642,7 +677,7 @@
         <a:sym typeface="Arial"/>
       </a:defRPr>
     </a:lvl6pPr>
-    <a:lvl7pPr lvl="6" marR="0" rtl="0" algn="l">
+    <a:lvl7pPr marR="0" lvl="6" algn="l" rtl="0">
       <a:lnSpc>
         <a:spcPct val="100000"/>
       </a:lnSpc>
@@ -656,7 +691,7 @@
         <a:srgbClr val="000000"/>
       </a:buClr>
       <a:buFont typeface="Arial"/>
-      <a:defRPr b="0" i="0" sz="1400" u="none" cap="none" strike="noStrike">
+      <a:defRPr sz="1400" b="0" i="0" u="none" strike="noStrike" cap="none">
         <a:solidFill>
           <a:srgbClr val="000000"/>
         </a:solidFill>
@@ -666,7 +701,7 @@
         <a:sym typeface="Arial"/>
       </a:defRPr>
     </a:lvl7pPr>
-    <a:lvl8pPr lvl="7" marR="0" rtl="0" algn="l">
+    <a:lvl8pPr marR="0" lvl="7" algn="l" rtl="0">
       <a:lnSpc>
         <a:spcPct val="100000"/>
       </a:lnSpc>
@@ -680,7 +715,7 @@
         <a:srgbClr val="000000"/>
       </a:buClr>
       <a:buFont typeface="Arial"/>
-      <a:defRPr b="0" i="0" sz="1400" u="none" cap="none" strike="noStrike">
+      <a:defRPr sz="1400" b="0" i="0" u="none" strike="noStrike" cap="none">
         <a:solidFill>
           <a:srgbClr val="000000"/>
         </a:solidFill>
@@ -690,7 +725,7 @@
         <a:sym typeface="Arial"/>
       </a:defRPr>
     </a:lvl8pPr>
-    <a:lvl9pPr lvl="8" marR="0" rtl="0" algn="l">
+    <a:lvl9pPr marR="0" lvl="8" algn="l" rtl="0">
       <a:lnSpc>
         <a:spcPct val="100000"/>
       </a:lnSpc>
@@ -704,7 +739,7 @@
         <a:srgbClr val="000000"/>
       </a:buClr>
       <a:buFont typeface="Arial"/>
-      <a:defRPr b="0" i="0" sz="1400" u="none" cap="none" strike="noStrike">
+      <a:defRPr sz="1400" b="0" i="0" u="none" strike="noStrike" cap="none">
         <a:solidFill>
           <a:srgbClr val="000000"/>
         </a:solidFill>
@@ -719,11 +754,11 @@
 </file>
 
 <file path=ppt/notesSlides/notesSlide1.xml><?xml version="1.0" encoding="utf-8"?>
-<p:notes xmlns:a="http://schemas.openxmlformats.org/drawingml/2006/main" xmlns:r="http://schemas.openxmlformats.org/officeDocument/2006/relationships" xmlns:mc="http://schemas.openxmlformats.org/markup-compatibility/2006" xmlns:mv="urn:schemas-microsoft-com:mac:vml" xmlns:p="http://schemas.openxmlformats.org/presentationml/2006/main" xmlns:c="http://schemas.openxmlformats.org/drawingml/2006/chart" xmlns:dgm="http://schemas.openxmlformats.org/drawingml/2006/diagram" xmlns:o="urn:schemas-microsoft-com:office:office" xmlns:v="urn:schemas-microsoft-com:vml" xmlns:pvml="urn:schemas-microsoft-com:office:powerpoint" xmlns:com="http://schemas.openxmlformats.org/drawingml/2006/compatibility" xmlns:p14="http://schemas.microsoft.com/office/powerpoint/2010/main" xmlns:p15="http://schemas.microsoft.com/office/powerpoint/2012/main" xmlns:ahyp="http://schemas.microsoft.com/office/drawing/2018/hyperlinkcolor" showMasterPhAnim="0" showMasterSp="0">
+<p:notes xmlns:a="http://schemas.openxmlformats.org/drawingml/2006/main" xmlns:r="http://schemas.openxmlformats.org/officeDocument/2006/relationships" xmlns:p="http://schemas.openxmlformats.org/presentationml/2006/main" showMasterSp="0" showMasterPhAnim="0">
   <p:cSld>
     <p:spTree>
       <p:nvGrpSpPr>
-        <p:cNvPr id="50" name="Shape 50"/>
+        <p:cNvPr id="1" name="Shape 50"/>
         <p:cNvGrpSpPr/>
         <p:nvPr/>
       </p:nvGrpSpPr>
@@ -738,9 +773,11 @@
       <p:sp>
         <p:nvSpPr>
           <p:cNvPr id="51" name="Google Shape;51;p:notes"/>
-          <p:cNvSpPr/>
+          <p:cNvSpPr>
+            <a:spLocks noGrp="1" noRot="1" noChangeAspect="1"/>
+          </p:cNvSpPr>
           <p:nvPr>
-            <p:ph idx="2" type="sldImg"/>
+            <p:ph type="sldImg" idx="2"/>
           </p:nvPr>
         </p:nvSpPr>
         <p:spPr>
@@ -749,9 +786,13 @@
             <a:ext cx="6096075" cy="3429000"/>
           </a:xfrm>
           <a:custGeom>
-            <a:rect b="b" l="l" r="r" t="t"/>
+            <a:avLst/>
+            <a:gdLst/>
+            <a:ahLst/>
+            <a:cxnLst/>
+            <a:rect l="l" t="t" r="r" b="b"/>
             <a:pathLst>
-              <a:path extrusionOk="0" h="120000" w="120000">
+              <a:path w="120000" h="120000" extrusionOk="0">
                 <a:moveTo>
                   <a:pt x="0" y="0"/>
                 </a:moveTo>
@@ -773,9 +814,11 @@
       <p:sp>
         <p:nvSpPr>
           <p:cNvPr id="52" name="Google Shape;52;p:notes"/>
-          <p:cNvSpPr txBox="1"/>
+          <p:cNvSpPr txBox="1">
+            <a:spLocks noGrp="1"/>
+          </p:cNvSpPr>
           <p:nvPr>
-            <p:ph idx="1" type="body"/>
+            <p:ph type="body" idx="1"/>
           </p:nvPr>
         </p:nvSpPr>
         <p:spPr>
@@ -788,23 +831,20 @@
           </a:prstGeom>
         </p:spPr>
         <p:txBody>
-          <a:bodyPr anchorCtr="0" anchor="t" bIns="91425" lIns="91425" spcFirstLastPara="1" rIns="91425" wrap="square" tIns="91425">
+          <a:bodyPr spcFirstLastPara="1" wrap="square" lIns="91425" tIns="91425" rIns="91425" bIns="91425" anchor="t" anchorCtr="0">
             <a:noAutofit/>
           </a:bodyPr>
           <a:lstStyle/>
           <a:p>
-            <a:pPr indent="0" lvl="0" marL="0" rtl="0" algn="l">
-              <a:spcBef>
-                <a:spcPts val="0"/>
-              </a:spcBef>
-              <a:spcAft>
-                <a:spcPts val="0"/>
-              </a:spcAft>
-              <a:buNone/>
-            </a:pPr>
-            <a:r>
-              <a:t/>
-            </a:r>
+            <a:pPr marL="0" lvl="0" indent="0" algn="l" rtl="0">
+              <a:spcBef>
+                <a:spcPts val="0"/>
+              </a:spcBef>
+              <a:spcAft>
+                <a:spcPts val="0"/>
+              </a:spcAft>
+              <a:buNone/>
+            </a:pPr>
             <a:endParaRPr/>
           </a:p>
         </p:txBody>
@@ -818,11 +858,11 @@
 </file>
 
 <file path=ppt/notesSlides/notesSlide10.xml><?xml version="1.0" encoding="utf-8"?>
-<p:notes xmlns:a="http://schemas.openxmlformats.org/drawingml/2006/main" xmlns:r="http://schemas.openxmlformats.org/officeDocument/2006/relationships" xmlns:mc="http://schemas.openxmlformats.org/markup-compatibility/2006" xmlns:mv="urn:schemas-microsoft-com:mac:vml" xmlns:p="http://schemas.openxmlformats.org/presentationml/2006/main" xmlns:c="http://schemas.openxmlformats.org/drawingml/2006/chart" xmlns:dgm="http://schemas.openxmlformats.org/drawingml/2006/diagram" xmlns:o="urn:schemas-microsoft-com:office:office" xmlns:v="urn:schemas-microsoft-com:vml" xmlns:pvml="urn:schemas-microsoft-com:office:powerpoint" xmlns:com="http://schemas.openxmlformats.org/drawingml/2006/compatibility" xmlns:p14="http://schemas.microsoft.com/office/powerpoint/2010/main" xmlns:p15="http://schemas.microsoft.com/office/powerpoint/2012/main" xmlns:ahyp="http://schemas.microsoft.com/office/drawing/2018/hyperlinkcolor" showMasterPhAnim="0" showMasterSp="0">
+<p:notes xmlns:a="http://schemas.openxmlformats.org/drawingml/2006/main" xmlns:r="http://schemas.openxmlformats.org/officeDocument/2006/relationships" xmlns:p="http://schemas.openxmlformats.org/presentationml/2006/main" showMasterSp="0" showMasterPhAnim="0">
   <p:cSld>
     <p:spTree>
       <p:nvGrpSpPr>
-        <p:cNvPr id="116" name="Shape 116"/>
+        <p:cNvPr id="1" name="Shape 116"/>
         <p:cNvGrpSpPr/>
         <p:nvPr/>
       </p:nvGrpSpPr>
@@ -837,9 +877,11 @@
       <p:sp>
         <p:nvSpPr>
           <p:cNvPr id="117" name="Google Shape;117;gf76992ab28_0_52:notes"/>
-          <p:cNvSpPr/>
+          <p:cNvSpPr>
+            <a:spLocks noGrp="1" noRot="1" noChangeAspect="1"/>
+          </p:cNvSpPr>
           <p:nvPr>
-            <p:ph idx="2" type="sldImg"/>
+            <p:ph type="sldImg" idx="2"/>
           </p:nvPr>
         </p:nvSpPr>
         <p:spPr>
@@ -848,9 +890,13 @@
             <a:ext cx="6096000" cy="3429000"/>
           </a:xfrm>
           <a:custGeom>
-            <a:rect b="b" l="l" r="r" t="t"/>
+            <a:avLst/>
+            <a:gdLst/>
+            <a:ahLst/>
+            <a:cxnLst/>
+            <a:rect l="l" t="t" r="r" b="b"/>
             <a:pathLst>
-              <a:path extrusionOk="0" h="120000" w="120000">
+              <a:path w="120000" h="120000" extrusionOk="0">
                 <a:moveTo>
                   <a:pt x="0" y="0"/>
                 </a:moveTo>
@@ -872,9 +918,11 @@
       <p:sp>
         <p:nvSpPr>
           <p:cNvPr id="118" name="Google Shape;118;gf76992ab28_0_52:notes"/>
-          <p:cNvSpPr txBox="1"/>
+          <p:cNvSpPr txBox="1">
+            <a:spLocks noGrp="1"/>
+          </p:cNvSpPr>
           <p:nvPr>
-            <p:ph idx="1" type="body"/>
+            <p:ph type="body" idx="1"/>
           </p:nvPr>
         </p:nvSpPr>
         <p:spPr>
@@ -887,23 +935,20 @@
           </a:prstGeom>
         </p:spPr>
         <p:txBody>
-          <a:bodyPr anchorCtr="0" anchor="t" bIns="91425" lIns="91425" spcFirstLastPara="1" rIns="91425" wrap="square" tIns="91425">
+          <a:bodyPr spcFirstLastPara="1" wrap="square" lIns="91425" tIns="91425" rIns="91425" bIns="91425" anchor="t" anchorCtr="0">
             <a:noAutofit/>
           </a:bodyPr>
           <a:lstStyle/>
           <a:p>
-            <a:pPr indent="0" lvl="0" marL="0" rtl="0" algn="l">
-              <a:spcBef>
-                <a:spcPts val="0"/>
-              </a:spcBef>
-              <a:spcAft>
-                <a:spcPts val="0"/>
-              </a:spcAft>
-              <a:buNone/>
-            </a:pPr>
-            <a:r>
-              <a:t/>
-            </a:r>
+            <a:pPr marL="0" lvl="0" indent="0" algn="l" rtl="0">
+              <a:spcBef>
+                <a:spcPts val="0"/>
+              </a:spcBef>
+              <a:spcAft>
+                <a:spcPts val="0"/>
+              </a:spcAft>
+              <a:buNone/>
+            </a:pPr>
             <a:endParaRPr/>
           </a:p>
         </p:txBody>
@@ -917,11 +962,11 @@
 </file>
 
 <file path=ppt/notesSlides/notesSlide11.xml><?xml version="1.0" encoding="utf-8"?>
-<p:notes xmlns:a="http://schemas.openxmlformats.org/drawingml/2006/main" xmlns:r="http://schemas.openxmlformats.org/officeDocument/2006/relationships" xmlns:mc="http://schemas.openxmlformats.org/markup-compatibility/2006" xmlns:mv="urn:schemas-microsoft-com:mac:vml" xmlns:p="http://schemas.openxmlformats.org/presentationml/2006/main" xmlns:c="http://schemas.openxmlformats.org/drawingml/2006/chart" xmlns:dgm="http://schemas.openxmlformats.org/drawingml/2006/diagram" xmlns:o="urn:schemas-microsoft-com:office:office" xmlns:v="urn:schemas-microsoft-com:vml" xmlns:pvml="urn:schemas-microsoft-com:office:powerpoint" xmlns:com="http://schemas.openxmlformats.org/drawingml/2006/compatibility" xmlns:p14="http://schemas.microsoft.com/office/powerpoint/2010/main" xmlns:p15="http://schemas.microsoft.com/office/powerpoint/2012/main" xmlns:ahyp="http://schemas.microsoft.com/office/drawing/2018/hyperlinkcolor" showMasterPhAnim="0" showMasterSp="0">
+<p:notes xmlns:a="http://schemas.openxmlformats.org/drawingml/2006/main" xmlns:r="http://schemas.openxmlformats.org/officeDocument/2006/relationships" xmlns:p="http://schemas.openxmlformats.org/presentationml/2006/main" showMasterSp="0" showMasterPhAnim="0">
   <p:cSld>
     <p:spTree>
       <p:nvGrpSpPr>
-        <p:cNvPr id="123" name="Shape 123"/>
+        <p:cNvPr id="1" name="Shape 123"/>
         <p:cNvGrpSpPr/>
         <p:nvPr/>
       </p:nvGrpSpPr>
@@ -936,9 +981,11 @@
       <p:sp>
         <p:nvSpPr>
           <p:cNvPr id="124" name="Google Shape;124;gf76992ab28_0_60:notes"/>
-          <p:cNvSpPr/>
+          <p:cNvSpPr>
+            <a:spLocks noGrp="1" noRot="1" noChangeAspect="1"/>
+          </p:cNvSpPr>
           <p:nvPr>
-            <p:ph idx="2" type="sldImg"/>
+            <p:ph type="sldImg" idx="2"/>
           </p:nvPr>
         </p:nvSpPr>
         <p:spPr>
@@ -947,9 +994,13 @@
             <a:ext cx="6096000" cy="3429000"/>
           </a:xfrm>
           <a:custGeom>
-            <a:rect b="b" l="l" r="r" t="t"/>
+            <a:avLst/>
+            <a:gdLst/>
+            <a:ahLst/>
+            <a:cxnLst/>
+            <a:rect l="l" t="t" r="r" b="b"/>
             <a:pathLst>
-              <a:path extrusionOk="0" h="120000" w="120000">
+              <a:path w="120000" h="120000" extrusionOk="0">
                 <a:moveTo>
                   <a:pt x="0" y="0"/>
                 </a:moveTo>
@@ -971,9 +1022,11 @@
       <p:sp>
         <p:nvSpPr>
           <p:cNvPr id="125" name="Google Shape;125;gf76992ab28_0_60:notes"/>
-          <p:cNvSpPr txBox="1"/>
+          <p:cNvSpPr txBox="1">
+            <a:spLocks noGrp="1"/>
+          </p:cNvSpPr>
           <p:nvPr>
-            <p:ph idx="1" type="body"/>
+            <p:ph type="body" idx="1"/>
           </p:nvPr>
         </p:nvSpPr>
         <p:spPr>
@@ -986,23 +1039,20 @@
           </a:prstGeom>
         </p:spPr>
         <p:txBody>
-          <a:bodyPr anchorCtr="0" anchor="t" bIns="91425" lIns="91425" spcFirstLastPara="1" rIns="91425" wrap="square" tIns="91425">
+          <a:bodyPr spcFirstLastPara="1" wrap="square" lIns="91425" tIns="91425" rIns="91425" bIns="91425" anchor="t" anchorCtr="0">
             <a:noAutofit/>
           </a:bodyPr>
           <a:lstStyle/>
           <a:p>
-            <a:pPr indent="0" lvl="0" marL="0" rtl="0" algn="l">
-              <a:spcBef>
-                <a:spcPts val="0"/>
-              </a:spcBef>
-              <a:spcAft>
-                <a:spcPts val="0"/>
-              </a:spcAft>
-              <a:buNone/>
-            </a:pPr>
-            <a:r>
-              <a:t/>
-            </a:r>
+            <a:pPr marL="0" lvl="0" indent="0" algn="l" rtl="0">
+              <a:spcBef>
+                <a:spcPts val="0"/>
+              </a:spcBef>
+              <a:spcAft>
+                <a:spcPts val="0"/>
+              </a:spcAft>
+              <a:buNone/>
+            </a:pPr>
             <a:endParaRPr/>
           </a:p>
         </p:txBody>
@@ -1016,11 +1066,11 @@
 </file>
 
 <file path=ppt/notesSlides/notesSlide12.xml><?xml version="1.0" encoding="utf-8"?>
-<p:notes xmlns:a="http://schemas.openxmlformats.org/drawingml/2006/main" xmlns:r="http://schemas.openxmlformats.org/officeDocument/2006/relationships" xmlns:mc="http://schemas.openxmlformats.org/markup-compatibility/2006" xmlns:mv="urn:schemas-microsoft-com:mac:vml" xmlns:p="http://schemas.openxmlformats.org/presentationml/2006/main" xmlns:c="http://schemas.openxmlformats.org/drawingml/2006/chart" xmlns:dgm="http://schemas.openxmlformats.org/drawingml/2006/diagram" xmlns:o="urn:schemas-microsoft-com:office:office" xmlns:v="urn:schemas-microsoft-com:vml" xmlns:pvml="urn:schemas-microsoft-com:office:powerpoint" xmlns:com="http://schemas.openxmlformats.org/drawingml/2006/compatibility" xmlns:p14="http://schemas.microsoft.com/office/powerpoint/2010/main" xmlns:p15="http://schemas.microsoft.com/office/powerpoint/2012/main" xmlns:ahyp="http://schemas.microsoft.com/office/drawing/2018/hyperlinkcolor" showMasterPhAnim="0" showMasterSp="0">
+<p:notes xmlns:a="http://schemas.openxmlformats.org/drawingml/2006/main" xmlns:r="http://schemas.openxmlformats.org/officeDocument/2006/relationships" xmlns:p="http://schemas.openxmlformats.org/presentationml/2006/main" showMasterSp="0" showMasterPhAnim="0">
   <p:cSld>
     <p:spTree>
       <p:nvGrpSpPr>
-        <p:cNvPr id="130" name="Shape 130"/>
+        <p:cNvPr id="1" name="Shape 130"/>
         <p:cNvGrpSpPr/>
         <p:nvPr/>
       </p:nvGrpSpPr>
@@ -1035,20 +1085,26 @@
       <p:sp>
         <p:nvSpPr>
           <p:cNvPr id="131" name="Google Shape;131;gfac1723670_0_8:notes"/>
-          <p:cNvSpPr/>
+          <p:cNvSpPr>
+            <a:spLocks noGrp="1" noRot="1" noChangeAspect="1"/>
+          </p:cNvSpPr>
           <p:nvPr>
-            <p:ph idx="2" type="sldImg"/>
+            <p:ph type="sldImg" idx="2"/>
           </p:nvPr>
         </p:nvSpPr>
         <p:spPr>
           <a:xfrm>
-            <a:off x="381300" y="685800"/>
+            <a:off x="381000" y="685800"/>
             <a:ext cx="6096000" cy="3429000"/>
           </a:xfrm>
           <a:custGeom>
-            <a:rect b="b" l="l" r="r" t="t"/>
+            <a:avLst/>
+            <a:gdLst/>
+            <a:ahLst/>
+            <a:cxnLst/>
+            <a:rect l="l" t="t" r="r" b="b"/>
             <a:pathLst>
-              <a:path extrusionOk="0" h="120000" w="120000">
+              <a:path w="120000" h="120000" extrusionOk="0">
                 <a:moveTo>
                   <a:pt x="0" y="0"/>
                 </a:moveTo>
@@ -1070,9 +1126,11 @@
       <p:sp>
         <p:nvSpPr>
           <p:cNvPr id="132" name="Google Shape;132;gfac1723670_0_8:notes"/>
-          <p:cNvSpPr txBox="1"/>
+          <p:cNvSpPr txBox="1">
+            <a:spLocks noGrp="1"/>
+          </p:cNvSpPr>
           <p:nvPr>
-            <p:ph idx="1" type="body"/>
+            <p:ph type="body" idx="1"/>
           </p:nvPr>
         </p:nvSpPr>
         <p:spPr>
@@ -1085,23 +1143,20 @@
           </a:prstGeom>
         </p:spPr>
         <p:txBody>
-          <a:bodyPr anchorCtr="0" anchor="t" bIns="91425" lIns="91425" spcFirstLastPara="1" rIns="91425" wrap="square" tIns="91425">
+          <a:bodyPr spcFirstLastPara="1" wrap="square" lIns="91425" tIns="91425" rIns="91425" bIns="91425" anchor="t" anchorCtr="0">
             <a:noAutofit/>
           </a:bodyPr>
           <a:lstStyle/>
           <a:p>
-            <a:pPr indent="0" lvl="0" marL="0" rtl="0" algn="l">
-              <a:spcBef>
-                <a:spcPts val="0"/>
-              </a:spcBef>
-              <a:spcAft>
-                <a:spcPts val="0"/>
-              </a:spcAft>
-              <a:buNone/>
-            </a:pPr>
-            <a:r>
-              <a:t/>
-            </a:r>
+            <a:pPr marL="0" lvl="0" indent="0" algn="l" rtl="0">
+              <a:spcBef>
+                <a:spcPts val="0"/>
+              </a:spcBef>
+              <a:spcAft>
+                <a:spcPts val="0"/>
+              </a:spcAft>
+              <a:buNone/>
+            </a:pPr>
             <a:endParaRPr/>
           </a:p>
         </p:txBody>
@@ -1115,11 +1170,11 @@
 </file>
 
 <file path=ppt/notesSlides/notesSlide13.xml><?xml version="1.0" encoding="utf-8"?>
-<p:notes xmlns:a="http://schemas.openxmlformats.org/drawingml/2006/main" xmlns:r="http://schemas.openxmlformats.org/officeDocument/2006/relationships" xmlns:mc="http://schemas.openxmlformats.org/markup-compatibility/2006" xmlns:mv="urn:schemas-microsoft-com:mac:vml" xmlns:p="http://schemas.openxmlformats.org/presentationml/2006/main" xmlns:c="http://schemas.openxmlformats.org/drawingml/2006/chart" xmlns:dgm="http://schemas.openxmlformats.org/drawingml/2006/diagram" xmlns:o="urn:schemas-microsoft-com:office:office" xmlns:v="urn:schemas-microsoft-com:vml" xmlns:pvml="urn:schemas-microsoft-com:office:powerpoint" xmlns:com="http://schemas.openxmlformats.org/drawingml/2006/compatibility" xmlns:p14="http://schemas.microsoft.com/office/powerpoint/2010/main" xmlns:p15="http://schemas.microsoft.com/office/powerpoint/2012/main" xmlns:ahyp="http://schemas.microsoft.com/office/drawing/2018/hyperlinkcolor" showMasterPhAnim="0" showMasterSp="0">
+<p:notes xmlns:a="http://schemas.openxmlformats.org/drawingml/2006/main" xmlns:r="http://schemas.openxmlformats.org/officeDocument/2006/relationships" xmlns:p="http://schemas.openxmlformats.org/presentationml/2006/main" showMasterSp="0" showMasterPhAnim="0">
   <p:cSld>
     <p:spTree>
       <p:nvGrpSpPr>
-        <p:cNvPr id="140" name="Shape 140"/>
+        <p:cNvPr id="1" name="Shape 140"/>
         <p:cNvGrpSpPr/>
         <p:nvPr/>
       </p:nvGrpSpPr>
@@ -1134,9 +1189,11 @@
       <p:sp>
         <p:nvSpPr>
           <p:cNvPr id="141" name="Google Shape;141;gfac1723670_0_15:notes"/>
-          <p:cNvSpPr/>
+          <p:cNvSpPr>
+            <a:spLocks noGrp="1" noRot="1" noChangeAspect="1"/>
+          </p:cNvSpPr>
           <p:nvPr>
-            <p:ph idx="2" type="sldImg"/>
+            <p:ph type="sldImg" idx="2"/>
           </p:nvPr>
         </p:nvSpPr>
         <p:spPr>
@@ -1145,9 +1202,13 @@
             <a:ext cx="6096000" cy="3429000"/>
           </a:xfrm>
           <a:custGeom>
-            <a:rect b="b" l="l" r="r" t="t"/>
+            <a:avLst/>
+            <a:gdLst/>
+            <a:ahLst/>
+            <a:cxnLst/>
+            <a:rect l="l" t="t" r="r" b="b"/>
             <a:pathLst>
-              <a:path extrusionOk="0" h="120000" w="120000">
+              <a:path w="120000" h="120000" extrusionOk="0">
                 <a:moveTo>
                   <a:pt x="0" y="0"/>
                 </a:moveTo>
@@ -1169,9 +1230,11 @@
       <p:sp>
         <p:nvSpPr>
           <p:cNvPr id="142" name="Google Shape;142;gfac1723670_0_15:notes"/>
-          <p:cNvSpPr txBox="1"/>
+          <p:cNvSpPr txBox="1">
+            <a:spLocks noGrp="1"/>
+          </p:cNvSpPr>
           <p:nvPr>
-            <p:ph idx="1" type="body"/>
+            <p:ph type="body" idx="1"/>
           </p:nvPr>
         </p:nvSpPr>
         <p:spPr>
@@ -1184,23 +1247,20 @@
           </a:prstGeom>
         </p:spPr>
         <p:txBody>
-          <a:bodyPr anchorCtr="0" anchor="t" bIns="91425" lIns="91425" spcFirstLastPara="1" rIns="91425" wrap="square" tIns="91425">
+          <a:bodyPr spcFirstLastPara="1" wrap="square" lIns="91425" tIns="91425" rIns="91425" bIns="91425" anchor="t" anchorCtr="0">
             <a:noAutofit/>
           </a:bodyPr>
           <a:lstStyle/>
           <a:p>
-            <a:pPr indent="0" lvl="0" marL="0" rtl="0" algn="l">
-              <a:spcBef>
-                <a:spcPts val="0"/>
-              </a:spcBef>
-              <a:spcAft>
-                <a:spcPts val="0"/>
-              </a:spcAft>
-              <a:buNone/>
-            </a:pPr>
-            <a:r>
-              <a:t/>
-            </a:r>
+            <a:pPr marL="0" lvl="0" indent="0" algn="l" rtl="0">
+              <a:spcBef>
+                <a:spcPts val="0"/>
+              </a:spcBef>
+              <a:spcAft>
+                <a:spcPts val="0"/>
+              </a:spcAft>
+              <a:buNone/>
+            </a:pPr>
             <a:endParaRPr/>
           </a:p>
         </p:txBody>
@@ -1214,11 +1274,11 @@
 </file>
 
 <file path=ppt/notesSlides/notesSlide14.xml><?xml version="1.0" encoding="utf-8"?>
-<p:notes xmlns:a="http://schemas.openxmlformats.org/drawingml/2006/main" xmlns:r="http://schemas.openxmlformats.org/officeDocument/2006/relationships" xmlns:mc="http://schemas.openxmlformats.org/markup-compatibility/2006" xmlns:mv="urn:schemas-microsoft-com:mac:vml" xmlns:p="http://schemas.openxmlformats.org/presentationml/2006/main" xmlns:c="http://schemas.openxmlformats.org/drawingml/2006/chart" xmlns:dgm="http://schemas.openxmlformats.org/drawingml/2006/diagram" xmlns:o="urn:schemas-microsoft-com:office:office" xmlns:v="urn:schemas-microsoft-com:vml" xmlns:pvml="urn:schemas-microsoft-com:office:powerpoint" xmlns:com="http://schemas.openxmlformats.org/drawingml/2006/compatibility" xmlns:p14="http://schemas.microsoft.com/office/powerpoint/2010/main" xmlns:p15="http://schemas.microsoft.com/office/powerpoint/2012/main" xmlns:ahyp="http://schemas.microsoft.com/office/drawing/2018/hyperlinkcolor" showMasterPhAnim="0" showMasterSp="0">
+<p:notes xmlns:a="http://schemas.openxmlformats.org/drawingml/2006/main" xmlns:r="http://schemas.openxmlformats.org/officeDocument/2006/relationships" xmlns:p="http://schemas.openxmlformats.org/presentationml/2006/main" showMasterSp="0" showMasterPhAnim="0">
   <p:cSld>
     <p:spTree>
       <p:nvGrpSpPr>
-        <p:cNvPr id="147" name="Shape 147"/>
+        <p:cNvPr id="1" name="Shape 147"/>
         <p:cNvGrpSpPr/>
         <p:nvPr/>
       </p:nvGrpSpPr>
@@ -1233,9 +1293,11 @@
       <p:sp>
         <p:nvSpPr>
           <p:cNvPr id="148" name="Google Shape;148;gf83a040178_0_0:notes"/>
-          <p:cNvSpPr/>
+          <p:cNvSpPr>
+            <a:spLocks noGrp="1" noRot="1" noChangeAspect="1"/>
+          </p:cNvSpPr>
           <p:nvPr>
-            <p:ph idx="2" type="sldImg"/>
+            <p:ph type="sldImg" idx="2"/>
           </p:nvPr>
         </p:nvSpPr>
         <p:spPr>
@@ -1244,9 +1306,13 @@
             <a:ext cx="6096000" cy="3429000"/>
           </a:xfrm>
           <a:custGeom>
-            <a:rect b="b" l="l" r="r" t="t"/>
+            <a:avLst/>
+            <a:gdLst/>
+            <a:ahLst/>
+            <a:cxnLst/>
+            <a:rect l="l" t="t" r="r" b="b"/>
             <a:pathLst>
-              <a:path extrusionOk="0" h="120000" w="120000">
+              <a:path w="120000" h="120000" extrusionOk="0">
                 <a:moveTo>
                   <a:pt x="0" y="0"/>
                 </a:moveTo>
@@ -1268,9 +1334,11 @@
       <p:sp>
         <p:nvSpPr>
           <p:cNvPr id="149" name="Google Shape;149;gf83a040178_0_0:notes"/>
-          <p:cNvSpPr txBox="1"/>
+          <p:cNvSpPr txBox="1">
+            <a:spLocks noGrp="1"/>
+          </p:cNvSpPr>
           <p:nvPr>
-            <p:ph idx="1" type="body"/>
+            <p:ph type="body" idx="1"/>
           </p:nvPr>
         </p:nvSpPr>
         <p:spPr>
@@ -1283,23 +1351,20 @@
           </a:prstGeom>
         </p:spPr>
         <p:txBody>
-          <a:bodyPr anchorCtr="0" anchor="t" bIns="91425" lIns="91425" spcFirstLastPara="1" rIns="91425" wrap="square" tIns="91425">
+          <a:bodyPr spcFirstLastPara="1" wrap="square" lIns="91425" tIns="91425" rIns="91425" bIns="91425" anchor="t" anchorCtr="0">
             <a:noAutofit/>
           </a:bodyPr>
           <a:lstStyle/>
           <a:p>
-            <a:pPr indent="0" lvl="0" marL="0" rtl="0" algn="l">
-              <a:spcBef>
-                <a:spcPts val="0"/>
-              </a:spcBef>
-              <a:spcAft>
-                <a:spcPts val="0"/>
-              </a:spcAft>
-              <a:buNone/>
-            </a:pPr>
-            <a:r>
-              <a:t/>
-            </a:r>
+            <a:pPr marL="0" lvl="0" indent="0" algn="l" rtl="0">
+              <a:spcBef>
+                <a:spcPts val="0"/>
+              </a:spcBef>
+              <a:spcAft>
+                <a:spcPts val="0"/>
+              </a:spcAft>
+              <a:buNone/>
+            </a:pPr>
             <a:endParaRPr/>
           </a:p>
         </p:txBody>
@@ -1313,11 +1378,11 @@
 </file>
 
 <file path=ppt/notesSlides/notesSlide15.xml><?xml version="1.0" encoding="utf-8"?>
-<p:notes xmlns:a="http://schemas.openxmlformats.org/drawingml/2006/main" xmlns:r="http://schemas.openxmlformats.org/officeDocument/2006/relationships" xmlns:mc="http://schemas.openxmlformats.org/markup-compatibility/2006" xmlns:mv="urn:schemas-microsoft-com:mac:vml" xmlns:p="http://schemas.openxmlformats.org/presentationml/2006/main" xmlns:c="http://schemas.openxmlformats.org/drawingml/2006/chart" xmlns:dgm="http://schemas.openxmlformats.org/drawingml/2006/diagram" xmlns:o="urn:schemas-microsoft-com:office:office" xmlns:v="urn:schemas-microsoft-com:vml" xmlns:pvml="urn:schemas-microsoft-com:office:powerpoint" xmlns:com="http://schemas.openxmlformats.org/drawingml/2006/compatibility" xmlns:p14="http://schemas.microsoft.com/office/powerpoint/2010/main" xmlns:p15="http://schemas.microsoft.com/office/powerpoint/2012/main" xmlns:ahyp="http://schemas.microsoft.com/office/drawing/2018/hyperlinkcolor" showMasterPhAnim="0" showMasterSp="0">
+<p:notes xmlns:a="http://schemas.openxmlformats.org/drawingml/2006/main" xmlns:r="http://schemas.openxmlformats.org/officeDocument/2006/relationships" xmlns:p="http://schemas.openxmlformats.org/presentationml/2006/main" showMasterSp="0" showMasterPhAnim="0">
   <p:cSld>
     <p:spTree>
       <p:nvGrpSpPr>
-        <p:cNvPr id="154" name="Shape 154"/>
+        <p:cNvPr id="1" name="Shape 154"/>
         <p:cNvGrpSpPr/>
         <p:nvPr/>
       </p:nvGrpSpPr>
@@ -1332,20 +1397,26 @@
       <p:sp>
         <p:nvSpPr>
           <p:cNvPr id="155" name="Google Shape;155;gf83a040178_0_7:notes"/>
-          <p:cNvSpPr/>
+          <p:cNvSpPr>
+            <a:spLocks noGrp="1" noRot="1" noChangeAspect="1"/>
+          </p:cNvSpPr>
           <p:nvPr>
-            <p:ph idx="2" type="sldImg"/>
+            <p:ph type="sldImg" idx="2"/>
           </p:nvPr>
         </p:nvSpPr>
         <p:spPr>
           <a:xfrm>
-            <a:off x="381300" y="685800"/>
+            <a:off x="381000" y="685800"/>
             <a:ext cx="6096000" cy="3429000"/>
           </a:xfrm>
           <a:custGeom>
-            <a:rect b="b" l="l" r="r" t="t"/>
+            <a:avLst/>
+            <a:gdLst/>
+            <a:ahLst/>
+            <a:cxnLst/>
+            <a:rect l="l" t="t" r="r" b="b"/>
             <a:pathLst>
-              <a:path extrusionOk="0" h="120000" w="120000">
+              <a:path w="120000" h="120000" extrusionOk="0">
                 <a:moveTo>
                   <a:pt x="0" y="0"/>
                 </a:moveTo>
@@ -1367,9 +1438,11 @@
       <p:sp>
         <p:nvSpPr>
           <p:cNvPr id="156" name="Google Shape;156;gf83a040178_0_7:notes"/>
-          <p:cNvSpPr txBox="1"/>
+          <p:cNvSpPr txBox="1">
+            <a:spLocks noGrp="1"/>
+          </p:cNvSpPr>
           <p:nvPr>
-            <p:ph idx="1" type="body"/>
+            <p:ph type="body" idx="1"/>
           </p:nvPr>
         </p:nvSpPr>
         <p:spPr>
@@ -1382,23 +1455,20 @@
           </a:prstGeom>
         </p:spPr>
         <p:txBody>
-          <a:bodyPr anchorCtr="0" anchor="t" bIns="91425" lIns="91425" spcFirstLastPara="1" rIns="91425" wrap="square" tIns="91425">
+          <a:bodyPr spcFirstLastPara="1" wrap="square" lIns="91425" tIns="91425" rIns="91425" bIns="91425" anchor="t" anchorCtr="0">
             <a:noAutofit/>
           </a:bodyPr>
           <a:lstStyle/>
           <a:p>
-            <a:pPr indent="0" lvl="0" marL="0" rtl="0" algn="l">
-              <a:spcBef>
-                <a:spcPts val="0"/>
-              </a:spcBef>
-              <a:spcAft>
-                <a:spcPts val="0"/>
-              </a:spcAft>
-              <a:buNone/>
-            </a:pPr>
-            <a:r>
-              <a:t/>
-            </a:r>
+            <a:pPr marL="0" lvl="0" indent="0" algn="l" rtl="0">
+              <a:spcBef>
+                <a:spcPts val="0"/>
+              </a:spcBef>
+              <a:spcAft>
+                <a:spcPts val="0"/>
+              </a:spcAft>
+              <a:buNone/>
+            </a:pPr>
             <a:endParaRPr/>
           </a:p>
         </p:txBody>
@@ -1412,11 +1482,11 @@
 </file>
 
 <file path=ppt/notesSlides/notesSlide16.xml><?xml version="1.0" encoding="utf-8"?>
-<p:notes xmlns:a="http://schemas.openxmlformats.org/drawingml/2006/main" xmlns:r="http://schemas.openxmlformats.org/officeDocument/2006/relationships" xmlns:mc="http://schemas.openxmlformats.org/markup-compatibility/2006" xmlns:mv="urn:schemas-microsoft-com:mac:vml" xmlns:p="http://schemas.openxmlformats.org/presentationml/2006/main" xmlns:c="http://schemas.openxmlformats.org/drawingml/2006/chart" xmlns:dgm="http://schemas.openxmlformats.org/drawingml/2006/diagram" xmlns:o="urn:schemas-microsoft-com:office:office" xmlns:v="urn:schemas-microsoft-com:vml" xmlns:pvml="urn:schemas-microsoft-com:office:powerpoint" xmlns:com="http://schemas.openxmlformats.org/drawingml/2006/compatibility" xmlns:p14="http://schemas.microsoft.com/office/powerpoint/2010/main" xmlns:p15="http://schemas.microsoft.com/office/powerpoint/2012/main" xmlns:ahyp="http://schemas.microsoft.com/office/drawing/2018/hyperlinkcolor" showMasterPhAnim="0" showMasterSp="0">
+<p:notes xmlns:a="http://schemas.openxmlformats.org/drawingml/2006/main" xmlns:r="http://schemas.openxmlformats.org/officeDocument/2006/relationships" xmlns:p="http://schemas.openxmlformats.org/presentationml/2006/main" showMasterSp="0" showMasterPhAnim="0">
   <p:cSld>
     <p:spTree>
       <p:nvGrpSpPr>
-        <p:cNvPr id="160" name="Shape 160"/>
+        <p:cNvPr id="1" name="Shape 160"/>
         <p:cNvGrpSpPr/>
         <p:nvPr/>
       </p:nvGrpSpPr>
@@ -1431,20 +1501,26 @@
       <p:sp>
         <p:nvSpPr>
           <p:cNvPr id="161" name="Google Shape;161;g100c20433bc_0_0:notes"/>
-          <p:cNvSpPr/>
+          <p:cNvSpPr>
+            <a:spLocks noGrp="1" noRot="1" noChangeAspect="1"/>
+          </p:cNvSpPr>
           <p:nvPr>
-            <p:ph idx="2" type="sldImg"/>
+            <p:ph type="sldImg" idx="2"/>
           </p:nvPr>
         </p:nvSpPr>
         <p:spPr>
           <a:xfrm>
-            <a:off x="381300" y="685800"/>
+            <a:off x="381000" y="685800"/>
             <a:ext cx="6096000" cy="3429000"/>
           </a:xfrm>
           <a:custGeom>
-            <a:rect b="b" l="l" r="r" t="t"/>
+            <a:avLst/>
+            <a:gdLst/>
+            <a:ahLst/>
+            <a:cxnLst/>
+            <a:rect l="l" t="t" r="r" b="b"/>
             <a:pathLst>
-              <a:path extrusionOk="0" h="120000" w="120000">
+              <a:path w="120000" h="120000" extrusionOk="0">
                 <a:moveTo>
                   <a:pt x="0" y="0"/>
                 </a:moveTo>
@@ -1466,9 +1542,11 @@
       <p:sp>
         <p:nvSpPr>
           <p:cNvPr id="162" name="Google Shape;162;g100c20433bc_0_0:notes"/>
-          <p:cNvSpPr txBox="1"/>
+          <p:cNvSpPr txBox="1">
+            <a:spLocks noGrp="1"/>
+          </p:cNvSpPr>
           <p:nvPr>
-            <p:ph idx="1" type="body"/>
+            <p:ph type="body" idx="1"/>
           </p:nvPr>
         </p:nvSpPr>
         <p:spPr>
@@ -1481,23 +1559,20 @@
           </a:prstGeom>
         </p:spPr>
         <p:txBody>
-          <a:bodyPr anchorCtr="0" anchor="t" bIns="91425" lIns="91425" spcFirstLastPara="1" rIns="91425" wrap="square" tIns="91425">
+          <a:bodyPr spcFirstLastPara="1" wrap="square" lIns="91425" tIns="91425" rIns="91425" bIns="91425" anchor="t" anchorCtr="0">
             <a:noAutofit/>
           </a:bodyPr>
           <a:lstStyle/>
           <a:p>
-            <a:pPr indent="0" lvl="0" marL="0" rtl="0" algn="l">
-              <a:spcBef>
-                <a:spcPts val="0"/>
-              </a:spcBef>
-              <a:spcAft>
-                <a:spcPts val="0"/>
-              </a:spcAft>
-              <a:buNone/>
-            </a:pPr>
-            <a:r>
-              <a:t/>
-            </a:r>
+            <a:pPr marL="0" lvl="0" indent="0" algn="l" rtl="0">
+              <a:spcBef>
+                <a:spcPts val="0"/>
+              </a:spcBef>
+              <a:spcAft>
+                <a:spcPts val="0"/>
+              </a:spcAft>
+              <a:buNone/>
+            </a:pPr>
             <a:endParaRPr/>
           </a:p>
         </p:txBody>
@@ -1511,11 +1586,11 @@
 </file>
 
 <file path=ppt/notesSlides/notesSlide17.xml><?xml version="1.0" encoding="utf-8"?>
-<p:notes xmlns:a="http://schemas.openxmlformats.org/drawingml/2006/main" xmlns:r="http://schemas.openxmlformats.org/officeDocument/2006/relationships" xmlns:mc="http://schemas.openxmlformats.org/markup-compatibility/2006" xmlns:mv="urn:schemas-microsoft-com:mac:vml" xmlns:p="http://schemas.openxmlformats.org/presentationml/2006/main" xmlns:c="http://schemas.openxmlformats.org/drawingml/2006/chart" xmlns:dgm="http://schemas.openxmlformats.org/drawingml/2006/diagram" xmlns:o="urn:schemas-microsoft-com:office:office" xmlns:v="urn:schemas-microsoft-com:vml" xmlns:pvml="urn:schemas-microsoft-com:office:powerpoint" xmlns:com="http://schemas.openxmlformats.org/drawingml/2006/compatibility" xmlns:p14="http://schemas.microsoft.com/office/powerpoint/2010/main" xmlns:p15="http://schemas.microsoft.com/office/powerpoint/2012/main" xmlns:ahyp="http://schemas.microsoft.com/office/drawing/2018/hyperlinkcolor" showMasterPhAnim="0" showMasterSp="0">
+<p:notes xmlns:a="http://schemas.openxmlformats.org/drawingml/2006/main" xmlns:r="http://schemas.openxmlformats.org/officeDocument/2006/relationships" xmlns:p="http://schemas.openxmlformats.org/presentationml/2006/main" showMasterSp="0" showMasterPhAnim="0">
   <p:cSld>
     <p:spTree>
       <p:nvGrpSpPr>
-        <p:cNvPr id="167" name="Shape 167"/>
+        <p:cNvPr id="1" name="Shape 167"/>
         <p:cNvGrpSpPr/>
         <p:nvPr/>
       </p:nvGrpSpPr>
@@ -1530,9 +1605,11 @@
       <p:sp>
         <p:nvSpPr>
           <p:cNvPr id="168" name="Google Shape;168;g100c20433bc_0_7:notes"/>
-          <p:cNvSpPr/>
+          <p:cNvSpPr>
+            <a:spLocks noGrp="1" noRot="1" noChangeAspect="1"/>
+          </p:cNvSpPr>
           <p:nvPr>
-            <p:ph idx="2" type="sldImg"/>
+            <p:ph type="sldImg" idx="2"/>
           </p:nvPr>
         </p:nvSpPr>
         <p:spPr>
@@ -1541,9 +1618,13 @@
             <a:ext cx="6096000" cy="3429000"/>
           </a:xfrm>
           <a:custGeom>
-            <a:rect b="b" l="l" r="r" t="t"/>
+            <a:avLst/>
+            <a:gdLst/>
+            <a:ahLst/>
+            <a:cxnLst/>
+            <a:rect l="l" t="t" r="r" b="b"/>
             <a:pathLst>
-              <a:path extrusionOk="0" h="120000" w="120000">
+              <a:path w="120000" h="120000" extrusionOk="0">
                 <a:moveTo>
                   <a:pt x="0" y="0"/>
                 </a:moveTo>
@@ -1565,9 +1646,11 @@
       <p:sp>
         <p:nvSpPr>
           <p:cNvPr id="169" name="Google Shape;169;g100c20433bc_0_7:notes"/>
-          <p:cNvSpPr txBox="1"/>
+          <p:cNvSpPr txBox="1">
+            <a:spLocks noGrp="1"/>
+          </p:cNvSpPr>
           <p:nvPr>
-            <p:ph idx="1" type="body"/>
+            <p:ph type="body" idx="1"/>
           </p:nvPr>
         </p:nvSpPr>
         <p:spPr>
@@ -1580,23 +1663,20 @@
           </a:prstGeom>
         </p:spPr>
         <p:txBody>
-          <a:bodyPr anchorCtr="0" anchor="t" bIns="91425" lIns="91425" spcFirstLastPara="1" rIns="91425" wrap="square" tIns="91425">
+          <a:bodyPr spcFirstLastPara="1" wrap="square" lIns="91425" tIns="91425" rIns="91425" bIns="91425" anchor="t" anchorCtr="0">
             <a:noAutofit/>
           </a:bodyPr>
           <a:lstStyle/>
           <a:p>
-            <a:pPr indent="0" lvl="0" marL="0" rtl="0" algn="l">
-              <a:spcBef>
-                <a:spcPts val="0"/>
-              </a:spcBef>
-              <a:spcAft>
-                <a:spcPts val="0"/>
-              </a:spcAft>
-              <a:buNone/>
-            </a:pPr>
-            <a:r>
-              <a:t/>
-            </a:r>
+            <a:pPr marL="0" lvl="0" indent="0" algn="l" rtl="0">
+              <a:spcBef>
+                <a:spcPts val="0"/>
+              </a:spcBef>
+              <a:spcAft>
+                <a:spcPts val="0"/>
+              </a:spcAft>
+              <a:buNone/>
+            </a:pPr>
             <a:endParaRPr/>
           </a:p>
         </p:txBody>
@@ -1610,11 +1690,11 @@
 </file>
 
 <file path=ppt/notesSlides/notesSlide2.xml><?xml version="1.0" encoding="utf-8"?>
-<p:notes xmlns:a="http://schemas.openxmlformats.org/drawingml/2006/main" xmlns:r="http://schemas.openxmlformats.org/officeDocument/2006/relationships" xmlns:mc="http://schemas.openxmlformats.org/markup-compatibility/2006" xmlns:mv="urn:schemas-microsoft-com:mac:vml" xmlns:p="http://schemas.openxmlformats.org/presentationml/2006/main" xmlns:c="http://schemas.openxmlformats.org/drawingml/2006/chart" xmlns:dgm="http://schemas.openxmlformats.org/drawingml/2006/diagram" xmlns:o="urn:schemas-microsoft-com:office:office" xmlns:v="urn:schemas-microsoft-com:vml" xmlns:pvml="urn:schemas-microsoft-com:office:powerpoint" xmlns:com="http://schemas.openxmlformats.org/drawingml/2006/compatibility" xmlns:p14="http://schemas.microsoft.com/office/powerpoint/2010/main" xmlns:p15="http://schemas.microsoft.com/office/powerpoint/2012/main" xmlns:ahyp="http://schemas.microsoft.com/office/drawing/2018/hyperlinkcolor" showMasterPhAnim="0" showMasterSp="0">
+<p:notes xmlns:a="http://schemas.openxmlformats.org/drawingml/2006/main" xmlns:r="http://schemas.openxmlformats.org/officeDocument/2006/relationships" xmlns:p="http://schemas.openxmlformats.org/presentationml/2006/main" showMasterSp="0" showMasterPhAnim="0">
   <p:cSld>
     <p:spTree>
       <p:nvGrpSpPr>
-        <p:cNvPr id="57" name="Shape 57"/>
+        <p:cNvPr id="1" name="Shape 57"/>
         <p:cNvGrpSpPr/>
         <p:nvPr/>
       </p:nvGrpSpPr>
@@ -1629,20 +1709,26 @@
       <p:sp>
         <p:nvSpPr>
           <p:cNvPr id="58" name="Google Shape;58;gfabbc9420a_0_3:notes"/>
-          <p:cNvSpPr/>
+          <p:cNvSpPr>
+            <a:spLocks noGrp="1" noRot="1" noChangeAspect="1"/>
+          </p:cNvSpPr>
           <p:nvPr>
-            <p:ph idx="2" type="sldImg"/>
+            <p:ph type="sldImg" idx="2"/>
           </p:nvPr>
         </p:nvSpPr>
         <p:spPr>
           <a:xfrm>
-            <a:off x="381300" y="685800"/>
+            <a:off x="381000" y="685800"/>
             <a:ext cx="6096000" cy="3429000"/>
           </a:xfrm>
           <a:custGeom>
-            <a:rect b="b" l="l" r="r" t="t"/>
+            <a:avLst/>
+            <a:gdLst/>
+            <a:ahLst/>
+            <a:cxnLst/>
+            <a:rect l="l" t="t" r="r" b="b"/>
             <a:pathLst>
-              <a:path extrusionOk="0" h="120000" w="120000">
+              <a:path w="120000" h="120000" extrusionOk="0">
                 <a:moveTo>
                   <a:pt x="0" y="0"/>
                 </a:moveTo>
@@ -1664,9 +1750,11 @@
       <p:sp>
         <p:nvSpPr>
           <p:cNvPr id="59" name="Google Shape;59;gfabbc9420a_0_3:notes"/>
-          <p:cNvSpPr txBox="1"/>
+          <p:cNvSpPr txBox="1">
+            <a:spLocks noGrp="1"/>
+          </p:cNvSpPr>
           <p:nvPr>
-            <p:ph idx="1" type="body"/>
+            <p:ph type="body" idx="1"/>
           </p:nvPr>
         </p:nvSpPr>
         <p:spPr>
@@ -1679,23 +1767,20 @@
           </a:prstGeom>
         </p:spPr>
         <p:txBody>
-          <a:bodyPr anchorCtr="0" anchor="t" bIns="91425" lIns="91425" spcFirstLastPara="1" rIns="91425" wrap="square" tIns="91425">
+          <a:bodyPr spcFirstLastPara="1" wrap="square" lIns="91425" tIns="91425" rIns="91425" bIns="91425" anchor="t" anchorCtr="0">
             <a:noAutofit/>
           </a:bodyPr>
           <a:lstStyle/>
           <a:p>
-            <a:pPr indent="0" lvl="0" marL="0" rtl="0" algn="l">
-              <a:spcBef>
-                <a:spcPts val="0"/>
-              </a:spcBef>
-              <a:spcAft>
-                <a:spcPts val="0"/>
-              </a:spcAft>
-              <a:buNone/>
-            </a:pPr>
-            <a:r>
-              <a:t/>
-            </a:r>
+            <a:pPr marL="0" lvl="0" indent="0" algn="l" rtl="0">
+              <a:spcBef>
+                <a:spcPts val="0"/>
+              </a:spcBef>
+              <a:spcAft>
+                <a:spcPts val="0"/>
+              </a:spcAft>
+              <a:buNone/>
+            </a:pPr>
             <a:endParaRPr/>
           </a:p>
         </p:txBody>
@@ -1709,11 +1794,11 @@
 </file>
 
 <file path=ppt/notesSlides/notesSlide3.xml><?xml version="1.0" encoding="utf-8"?>
-<p:notes xmlns:a="http://schemas.openxmlformats.org/drawingml/2006/main" xmlns:r="http://schemas.openxmlformats.org/officeDocument/2006/relationships" xmlns:mc="http://schemas.openxmlformats.org/markup-compatibility/2006" xmlns:mv="urn:schemas-microsoft-com:mac:vml" xmlns:p="http://schemas.openxmlformats.org/presentationml/2006/main" xmlns:c="http://schemas.openxmlformats.org/drawingml/2006/chart" xmlns:dgm="http://schemas.openxmlformats.org/drawingml/2006/diagram" xmlns:o="urn:schemas-microsoft-com:office:office" xmlns:v="urn:schemas-microsoft-com:vml" xmlns:pvml="urn:schemas-microsoft-com:office:powerpoint" xmlns:com="http://schemas.openxmlformats.org/drawingml/2006/compatibility" xmlns:p14="http://schemas.microsoft.com/office/powerpoint/2010/main" xmlns:p15="http://schemas.microsoft.com/office/powerpoint/2012/main" xmlns:ahyp="http://schemas.microsoft.com/office/drawing/2018/hyperlinkcolor" showMasterPhAnim="0" showMasterSp="0">
+<p:notes xmlns:a="http://schemas.openxmlformats.org/drawingml/2006/main" xmlns:r="http://schemas.openxmlformats.org/officeDocument/2006/relationships" xmlns:p="http://schemas.openxmlformats.org/presentationml/2006/main" showMasterSp="0" showMasterPhAnim="0">
   <p:cSld>
     <p:spTree>
       <p:nvGrpSpPr>
-        <p:cNvPr id="63" name="Shape 63"/>
+        <p:cNvPr id="1" name="Shape 63"/>
         <p:cNvGrpSpPr/>
         <p:nvPr/>
       </p:nvGrpSpPr>
@@ -1728,9 +1813,11 @@
       <p:sp>
         <p:nvSpPr>
           <p:cNvPr id="64" name="Google Shape;64;gfabbc9420a_0_8:notes"/>
-          <p:cNvSpPr/>
+          <p:cNvSpPr>
+            <a:spLocks noGrp="1" noRot="1" noChangeAspect="1"/>
+          </p:cNvSpPr>
           <p:nvPr>
-            <p:ph idx="2" type="sldImg"/>
+            <p:ph type="sldImg" idx="2"/>
           </p:nvPr>
         </p:nvSpPr>
         <p:spPr>
@@ -1739,9 +1826,13 @@
             <a:ext cx="6096000" cy="3429000"/>
           </a:xfrm>
           <a:custGeom>
-            <a:rect b="b" l="l" r="r" t="t"/>
+            <a:avLst/>
+            <a:gdLst/>
+            <a:ahLst/>
+            <a:cxnLst/>
+            <a:rect l="l" t="t" r="r" b="b"/>
             <a:pathLst>
-              <a:path extrusionOk="0" h="120000" w="120000">
+              <a:path w="120000" h="120000" extrusionOk="0">
                 <a:moveTo>
                   <a:pt x="0" y="0"/>
                 </a:moveTo>
@@ -1763,9 +1854,11 @@
       <p:sp>
         <p:nvSpPr>
           <p:cNvPr id="65" name="Google Shape;65;gfabbc9420a_0_8:notes"/>
-          <p:cNvSpPr txBox="1"/>
+          <p:cNvSpPr txBox="1">
+            <a:spLocks noGrp="1"/>
+          </p:cNvSpPr>
           <p:nvPr>
-            <p:ph idx="1" type="body"/>
+            <p:ph type="body" idx="1"/>
           </p:nvPr>
         </p:nvSpPr>
         <p:spPr>
@@ -1778,23 +1871,20 @@
           </a:prstGeom>
         </p:spPr>
         <p:txBody>
-          <a:bodyPr anchorCtr="0" anchor="t" bIns="91425" lIns="91425" spcFirstLastPara="1" rIns="91425" wrap="square" tIns="91425">
+          <a:bodyPr spcFirstLastPara="1" wrap="square" lIns="91425" tIns="91425" rIns="91425" bIns="91425" anchor="t" anchorCtr="0">
             <a:noAutofit/>
           </a:bodyPr>
           <a:lstStyle/>
           <a:p>
-            <a:pPr indent="0" lvl="0" marL="0" rtl="0" algn="l">
-              <a:spcBef>
-                <a:spcPts val="0"/>
-              </a:spcBef>
-              <a:spcAft>
-                <a:spcPts val="0"/>
-              </a:spcAft>
-              <a:buNone/>
-            </a:pPr>
-            <a:r>
-              <a:t/>
-            </a:r>
+            <a:pPr marL="0" lvl="0" indent="0" algn="l" rtl="0">
+              <a:spcBef>
+                <a:spcPts val="0"/>
+              </a:spcBef>
+              <a:spcAft>
+                <a:spcPts val="0"/>
+              </a:spcAft>
+              <a:buNone/>
+            </a:pPr>
             <a:endParaRPr/>
           </a:p>
         </p:txBody>
@@ -1808,11 +1898,11 @@
 </file>
 
 <file path=ppt/notesSlides/notesSlide4.xml><?xml version="1.0" encoding="utf-8"?>
-<p:notes xmlns:a="http://schemas.openxmlformats.org/drawingml/2006/main" xmlns:r="http://schemas.openxmlformats.org/officeDocument/2006/relationships" xmlns:mc="http://schemas.openxmlformats.org/markup-compatibility/2006" xmlns:mv="urn:schemas-microsoft-com:mac:vml" xmlns:p="http://schemas.openxmlformats.org/presentationml/2006/main" xmlns:c="http://schemas.openxmlformats.org/drawingml/2006/chart" xmlns:dgm="http://schemas.openxmlformats.org/drawingml/2006/diagram" xmlns:o="urn:schemas-microsoft-com:office:office" xmlns:v="urn:schemas-microsoft-com:vml" xmlns:pvml="urn:schemas-microsoft-com:office:powerpoint" xmlns:com="http://schemas.openxmlformats.org/drawingml/2006/compatibility" xmlns:p14="http://schemas.microsoft.com/office/powerpoint/2010/main" xmlns:p15="http://schemas.microsoft.com/office/powerpoint/2012/main" xmlns:ahyp="http://schemas.microsoft.com/office/drawing/2018/hyperlinkcolor" showMasterPhAnim="0" showMasterSp="0">
+<p:notes xmlns:a="http://schemas.openxmlformats.org/drawingml/2006/main" xmlns:r="http://schemas.openxmlformats.org/officeDocument/2006/relationships" xmlns:p="http://schemas.openxmlformats.org/presentationml/2006/main" showMasterSp="0" showMasterPhAnim="0">
   <p:cSld>
     <p:spTree>
       <p:nvGrpSpPr>
-        <p:cNvPr id="71" name="Shape 71"/>
+        <p:cNvPr id="1" name="Shape 71"/>
         <p:cNvGrpSpPr/>
         <p:nvPr/>
       </p:nvGrpSpPr>
@@ -1827,9 +1917,11 @@
       <p:sp>
         <p:nvSpPr>
           <p:cNvPr id="72" name="Google Shape;72;gfabbc9420a_0_18:notes"/>
-          <p:cNvSpPr/>
+          <p:cNvSpPr>
+            <a:spLocks noGrp="1" noRot="1" noChangeAspect="1"/>
+          </p:cNvSpPr>
           <p:nvPr>
-            <p:ph idx="2" type="sldImg"/>
+            <p:ph type="sldImg" idx="2"/>
           </p:nvPr>
         </p:nvSpPr>
         <p:spPr>
@@ -1838,9 +1930,13 @@
             <a:ext cx="6096000" cy="3429000"/>
           </a:xfrm>
           <a:custGeom>
-            <a:rect b="b" l="l" r="r" t="t"/>
+            <a:avLst/>
+            <a:gdLst/>
+            <a:ahLst/>
+            <a:cxnLst/>
+            <a:rect l="l" t="t" r="r" b="b"/>
             <a:pathLst>
-              <a:path extrusionOk="0" h="120000" w="120000">
+              <a:path w="120000" h="120000" extrusionOk="0">
                 <a:moveTo>
                   <a:pt x="0" y="0"/>
                 </a:moveTo>
@@ -1862,9 +1958,11 @@
       <p:sp>
         <p:nvSpPr>
           <p:cNvPr id="73" name="Google Shape;73;gfabbc9420a_0_18:notes"/>
-          <p:cNvSpPr txBox="1"/>
+          <p:cNvSpPr txBox="1">
+            <a:spLocks noGrp="1"/>
+          </p:cNvSpPr>
           <p:nvPr>
-            <p:ph idx="1" type="body"/>
+            <p:ph type="body" idx="1"/>
           </p:nvPr>
         </p:nvSpPr>
         <p:spPr>
@@ -1877,23 +1975,20 @@
           </a:prstGeom>
         </p:spPr>
         <p:txBody>
-          <a:bodyPr anchorCtr="0" anchor="t" bIns="91425" lIns="91425" spcFirstLastPara="1" rIns="91425" wrap="square" tIns="91425">
+          <a:bodyPr spcFirstLastPara="1" wrap="square" lIns="91425" tIns="91425" rIns="91425" bIns="91425" anchor="t" anchorCtr="0">
             <a:noAutofit/>
           </a:bodyPr>
           <a:lstStyle/>
           <a:p>
-            <a:pPr indent="0" lvl="0" marL="0" rtl="0" algn="l">
-              <a:spcBef>
-                <a:spcPts val="0"/>
-              </a:spcBef>
-              <a:spcAft>
-                <a:spcPts val="0"/>
-              </a:spcAft>
-              <a:buNone/>
-            </a:pPr>
-            <a:r>
-              <a:t/>
-            </a:r>
+            <a:pPr marL="0" lvl="0" indent="0" algn="l" rtl="0">
+              <a:spcBef>
+                <a:spcPts val="0"/>
+              </a:spcBef>
+              <a:spcAft>
+                <a:spcPts val="0"/>
+              </a:spcAft>
+              <a:buNone/>
+            </a:pPr>
             <a:endParaRPr/>
           </a:p>
         </p:txBody>
@@ -1907,11 +2002,11 @@
 </file>
 
 <file path=ppt/notesSlides/notesSlide5.xml><?xml version="1.0" encoding="utf-8"?>
-<p:notes xmlns:a="http://schemas.openxmlformats.org/drawingml/2006/main" xmlns:r="http://schemas.openxmlformats.org/officeDocument/2006/relationships" xmlns:mc="http://schemas.openxmlformats.org/markup-compatibility/2006" xmlns:mv="urn:schemas-microsoft-com:mac:vml" xmlns:p="http://schemas.openxmlformats.org/presentationml/2006/main" xmlns:c="http://schemas.openxmlformats.org/drawingml/2006/chart" xmlns:dgm="http://schemas.openxmlformats.org/drawingml/2006/diagram" xmlns:o="urn:schemas-microsoft-com:office:office" xmlns:v="urn:schemas-microsoft-com:vml" xmlns:pvml="urn:schemas-microsoft-com:office:powerpoint" xmlns:com="http://schemas.openxmlformats.org/drawingml/2006/compatibility" xmlns:p14="http://schemas.microsoft.com/office/powerpoint/2010/main" xmlns:p15="http://schemas.microsoft.com/office/powerpoint/2012/main" xmlns:ahyp="http://schemas.microsoft.com/office/drawing/2018/hyperlinkcolor" showMasterPhAnim="0" showMasterSp="0">
+<p:notes xmlns:a="http://schemas.openxmlformats.org/drawingml/2006/main" xmlns:r="http://schemas.openxmlformats.org/officeDocument/2006/relationships" xmlns:p="http://schemas.openxmlformats.org/presentationml/2006/main" showMasterSp="0" showMasterPhAnim="0">
   <p:cSld>
     <p:spTree>
       <p:nvGrpSpPr>
-        <p:cNvPr id="78" name="Shape 78"/>
+        <p:cNvPr id="1" name="Shape 78"/>
         <p:cNvGrpSpPr/>
         <p:nvPr/>
       </p:nvGrpSpPr>
@@ -1926,9 +2021,11 @@
       <p:sp>
         <p:nvSpPr>
           <p:cNvPr id="79" name="Google Shape;79;gfabbc9420a_0_25:notes"/>
-          <p:cNvSpPr/>
+          <p:cNvSpPr>
+            <a:spLocks noGrp="1" noRot="1" noChangeAspect="1"/>
+          </p:cNvSpPr>
           <p:nvPr>
-            <p:ph idx="2" type="sldImg"/>
+            <p:ph type="sldImg" idx="2"/>
           </p:nvPr>
         </p:nvSpPr>
         <p:spPr>
@@ -1937,9 +2034,13 @@
             <a:ext cx="6096000" cy="3429000"/>
           </a:xfrm>
           <a:custGeom>
-            <a:rect b="b" l="l" r="r" t="t"/>
+            <a:avLst/>
+            <a:gdLst/>
+            <a:ahLst/>
+            <a:cxnLst/>
+            <a:rect l="l" t="t" r="r" b="b"/>
             <a:pathLst>
-              <a:path extrusionOk="0" h="120000" w="120000">
+              <a:path w="120000" h="120000" extrusionOk="0">
                 <a:moveTo>
                   <a:pt x="0" y="0"/>
                 </a:moveTo>
@@ -1961,9 +2062,11 @@
       <p:sp>
         <p:nvSpPr>
           <p:cNvPr id="80" name="Google Shape;80;gfabbc9420a_0_25:notes"/>
-          <p:cNvSpPr txBox="1"/>
+          <p:cNvSpPr txBox="1">
+            <a:spLocks noGrp="1"/>
+          </p:cNvSpPr>
           <p:nvPr>
-            <p:ph idx="1" type="body"/>
+            <p:ph type="body" idx="1"/>
           </p:nvPr>
         </p:nvSpPr>
         <p:spPr>
@@ -1976,23 +2079,20 @@
           </a:prstGeom>
         </p:spPr>
         <p:txBody>
-          <a:bodyPr anchorCtr="0" anchor="t" bIns="91425" lIns="91425" spcFirstLastPara="1" rIns="91425" wrap="square" tIns="91425">
+          <a:bodyPr spcFirstLastPara="1" wrap="square" lIns="91425" tIns="91425" rIns="91425" bIns="91425" anchor="t" anchorCtr="0">
             <a:noAutofit/>
           </a:bodyPr>
           <a:lstStyle/>
           <a:p>
-            <a:pPr indent="0" lvl="0" marL="0" rtl="0" algn="l">
-              <a:spcBef>
-                <a:spcPts val="0"/>
-              </a:spcBef>
-              <a:spcAft>
-                <a:spcPts val="0"/>
-              </a:spcAft>
-              <a:buNone/>
-            </a:pPr>
-            <a:r>
-              <a:t/>
-            </a:r>
+            <a:pPr marL="0" lvl="0" indent="0" algn="l" rtl="0">
+              <a:spcBef>
+                <a:spcPts val="0"/>
+              </a:spcBef>
+              <a:spcAft>
+                <a:spcPts val="0"/>
+              </a:spcAft>
+              <a:buNone/>
+            </a:pPr>
             <a:endParaRPr/>
           </a:p>
         </p:txBody>
@@ -2006,11 +2106,11 @@
 </file>
 
 <file path=ppt/notesSlides/notesSlide6.xml><?xml version="1.0" encoding="utf-8"?>
-<p:notes xmlns:a="http://schemas.openxmlformats.org/drawingml/2006/main" xmlns:r="http://schemas.openxmlformats.org/officeDocument/2006/relationships" xmlns:mc="http://schemas.openxmlformats.org/markup-compatibility/2006" xmlns:mv="urn:schemas-microsoft-com:mac:vml" xmlns:p="http://schemas.openxmlformats.org/presentationml/2006/main" xmlns:c="http://schemas.openxmlformats.org/drawingml/2006/chart" xmlns:dgm="http://schemas.openxmlformats.org/drawingml/2006/diagram" xmlns:o="urn:schemas-microsoft-com:office:office" xmlns:v="urn:schemas-microsoft-com:vml" xmlns:pvml="urn:schemas-microsoft-com:office:powerpoint" xmlns:com="http://schemas.openxmlformats.org/drawingml/2006/compatibility" xmlns:p14="http://schemas.microsoft.com/office/powerpoint/2010/main" xmlns:p15="http://schemas.microsoft.com/office/powerpoint/2012/main" xmlns:ahyp="http://schemas.microsoft.com/office/drawing/2018/hyperlinkcolor" showMasterPhAnim="0" showMasterSp="0">
+<p:notes xmlns:a="http://schemas.openxmlformats.org/drawingml/2006/main" xmlns:r="http://schemas.openxmlformats.org/officeDocument/2006/relationships" xmlns:p="http://schemas.openxmlformats.org/presentationml/2006/main" showMasterSp="0" showMasterPhAnim="0">
   <p:cSld>
     <p:spTree>
       <p:nvGrpSpPr>
-        <p:cNvPr id="85" name="Shape 85"/>
+        <p:cNvPr id="1" name="Shape 85"/>
         <p:cNvGrpSpPr/>
         <p:nvPr/>
       </p:nvGrpSpPr>
@@ -2025,20 +2125,26 @@
       <p:sp>
         <p:nvSpPr>
           <p:cNvPr id="86" name="Google Shape;86;gf76992ab28_0_2:notes"/>
-          <p:cNvSpPr/>
+          <p:cNvSpPr>
+            <a:spLocks noGrp="1" noRot="1" noChangeAspect="1"/>
+          </p:cNvSpPr>
           <p:nvPr>
-            <p:ph idx="2" type="sldImg"/>
+            <p:ph type="sldImg" idx="2"/>
           </p:nvPr>
         </p:nvSpPr>
         <p:spPr>
           <a:xfrm>
-            <a:off x="381300" y="685800"/>
+            <a:off x="381000" y="685800"/>
             <a:ext cx="6096000" cy="3429000"/>
           </a:xfrm>
           <a:custGeom>
-            <a:rect b="b" l="l" r="r" t="t"/>
+            <a:avLst/>
+            <a:gdLst/>
+            <a:ahLst/>
+            <a:cxnLst/>
+            <a:rect l="l" t="t" r="r" b="b"/>
             <a:pathLst>
-              <a:path extrusionOk="0" h="120000" w="120000">
+              <a:path w="120000" h="120000" extrusionOk="0">
                 <a:moveTo>
                   <a:pt x="0" y="0"/>
                 </a:moveTo>
@@ -2060,9 +2166,11 @@
       <p:sp>
         <p:nvSpPr>
           <p:cNvPr id="87" name="Google Shape;87;gf76992ab28_0_2:notes"/>
-          <p:cNvSpPr txBox="1"/>
+          <p:cNvSpPr txBox="1">
+            <a:spLocks noGrp="1"/>
+          </p:cNvSpPr>
           <p:nvPr>
-            <p:ph idx="1" type="body"/>
+            <p:ph type="body" idx="1"/>
           </p:nvPr>
         </p:nvSpPr>
         <p:spPr>
@@ -2075,23 +2183,20 @@
           </a:prstGeom>
         </p:spPr>
         <p:txBody>
-          <a:bodyPr anchorCtr="0" anchor="t" bIns="91425" lIns="91425" spcFirstLastPara="1" rIns="91425" wrap="square" tIns="91425">
+          <a:bodyPr spcFirstLastPara="1" wrap="square" lIns="91425" tIns="91425" rIns="91425" bIns="91425" anchor="t" anchorCtr="0">
             <a:noAutofit/>
           </a:bodyPr>
           <a:lstStyle/>
           <a:p>
-            <a:pPr indent="0" lvl="0" marL="0" rtl="0" algn="l">
-              <a:spcBef>
-                <a:spcPts val="0"/>
-              </a:spcBef>
-              <a:spcAft>
-                <a:spcPts val="0"/>
-              </a:spcAft>
-              <a:buNone/>
-            </a:pPr>
-            <a:r>
-              <a:t/>
-            </a:r>
+            <a:pPr marL="0" lvl="0" indent="0" algn="l" rtl="0">
+              <a:spcBef>
+                <a:spcPts val="0"/>
+              </a:spcBef>
+              <a:spcAft>
+                <a:spcPts val="0"/>
+              </a:spcAft>
+              <a:buNone/>
+            </a:pPr>
             <a:endParaRPr/>
           </a:p>
         </p:txBody>
@@ -2105,11 +2210,11 @@
 </file>
 
 <file path=ppt/notesSlides/notesSlide7.xml><?xml version="1.0" encoding="utf-8"?>
-<p:notes xmlns:a="http://schemas.openxmlformats.org/drawingml/2006/main" xmlns:r="http://schemas.openxmlformats.org/officeDocument/2006/relationships" xmlns:mc="http://schemas.openxmlformats.org/markup-compatibility/2006" xmlns:mv="urn:schemas-microsoft-com:mac:vml" xmlns:p="http://schemas.openxmlformats.org/presentationml/2006/main" xmlns:c="http://schemas.openxmlformats.org/drawingml/2006/chart" xmlns:dgm="http://schemas.openxmlformats.org/drawingml/2006/diagram" xmlns:o="urn:schemas-microsoft-com:office:office" xmlns:v="urn:schemas-microsoft-com:vml" xmlns:pvml="urn:schemas-microsoft-com:office:powerpoint" xmlns:com="http://schemas.openxmlformats.org/drawingml/2006/compatibility" xmlns:p14="http://schemas.microsoft.com/office/powerpoint/2010/main" xmlns:p15="http://schemas.microsoft.com/office/powerpoint/2012/main" xmlns:ahyp="http://schemas.microsoft.com/office/drawing/2018/hyperlinkcolor" showMasterPhAnim="0" showMasterSp="0">
+<p:notes xmlns:a="http://schemas.openxmlformats.org/drawingml/2006/main" xmlns:r="http://schemas.openxmlformats.org/officeDocument/2006/relationships" xmlns:p="http://schemas.openxmlformats.org/presentationml/2006/main" showMasterSp="0" showMasterPhAnim="0">
   <p:cSld>
     <p:spTree>
       <p:nvGrpSpPr>
-        <p:cNvPr id="92" name="Shape 92"/>
+        <p:cNvPr id="1" name="Shape 92"/>
         <p:cNvGrpSpPr/>
         <p:nvPr/>
       </p:nvGrpSpPr>
@@ -2124,9 +2229,11 @@
       <p:sp>
         <p:nvSpPr>
           <p:cNvPr id="93" name="Google Shape;93;gf76992ab28_0_16:notes"/>
-          <p:cNvSpPr/>
+          <p:cNvSpPr>
+            <a:spLocks noGrp="1" noRot="1" noChangeAspect="1"/>
+          </p:cNvSpPr>
           <p:nvPr>
-            <p:ph idx="2" type="sldImg"/>
+            <p:ph type="sldImg" idx="2"/>
           </p:nvPr>
         </p:nvSpPr>
         <p:spPr>
@@ -2135,9 +2242,13 @@
             <a:ext cx="6096000" cy="3429000"/>
           </a:xfrm>
           <a:custGeom>
-            <a:rect b="b" l="l" r="r" t="t"/>
+            <a:avLst/>
+            <a:gdLst/>
+            <a:ahLst/>
+            <a:cxnLst/>
+            <a:rect l="l" t="t" r="r" b="b"/>
             <a:pathLst>
-              <a:path extrusionOk="0" h="120000" w="120000">
+              <a:path w="120000" h="120000" extrusionOk="0">
                 <a:moveTo>
                   <a:pt x="0" y="0"/>
                 </a:moveTo>
@@ -2159,9 +2270,11 @@
       <p:sp>
         <p:nvSpPr>
           <p:cNvPr id="94" name="Google Shape;94;gf76992ab28_0_16:notes"/>
-          <p:cNvSpPr txBox="1"/>
+          <p:cNvSpPr txBox="1">
+            <a:spLocks noGrp="1"/>
+          </p:cNvSpPr>
           <p:nvPr>
-            <p:ph idx="1" type="body"/>
+            <p:ph type="body" idx="1"/>
           </p:nvPr>
         </p:nvSpPr>
         <p:spPr>
@@ -2174,23 +2287,20 @@
           </a:prstGeom>
         </p:spPr>
         <p:txBody>
-          <a:bodyPr anchorCtr="0" anchor="t" bIns="91425" lIns="91425" spcFirstLastPara="1" rIns="91425" wrap="square" tIns="91425">
+          <a:bodyPr spcFirstLastPara="1" wrap="square" lIns="91425" tIns="91425" rIns="91425" bIns="91425" anchor="t" anchorCtr="0">
             <a:noAutofit/>
           </a:bodyPr>
           <a:lstStyle/>
           <a:p>
-            <a:pPr indent="0" lvl="0" marL="0" rtl="0" algn="l">
-              <a:spcBef>
-                <a:spcPts val="0"/>
-              </a:spcBef>
-              <a:spcAft>
-                <a:spcPts val="0"/>
-              </a:spcAft>
-              <a:buNone/>
-            </a:pPr>
-            <a:r>
-              <a:t/>
-            </a:r>
+            <a:pPr marL="0" lvl="0" indent="0" algn="l" rtl="0">
+              <a:spcBef>
+                <a:spcPts val="0"/>
+              </a:spcBef>
+              <a:spcAft>
+                <a:spcPts val="0"/>
+              </a:spcAft>
+              <a:buNone/>
+            </a:pPr>
             <a:endParaRPr/>
           </a:p>
         </p:txBody>
@@ -2204,11 +2314,11 @@
 </file>
 
 <file path=ppt/notesSlides/notesSlide8.xml><?xml version="1.0" encoding="utf-8"?>
-<p:notes xmlns:a="http://schemas.openxmlformats.org/drawingml/2006/main" xmlns:r="http://schemas.openxmlformats.org/officeDocument/2006/relationships" xmlns:mc="http://schemas.openxmlformats.org/markup-compatibility/2006" xmlns:mv="urn:schemas-microsoft-com:mac:vml" xmlns:p="http://schemas.openxmlformats.org/presentationml/2006/main" xmlns:c="http://schemas.openxmlformats.org/drawingml/2006/chart" xmlns:dgm="http://schemas.openxmlformats.org/drawingml/2006/diagram" xmlns:o="urn:schemas-microsoft-com:office:office" xmlns:v="urn:schemas-microsoft-com:vml" xmlns:pvml="urn:schemas-microsoft-com:office:powerpoint" xmlns:com="http://schemas.openxmlformats.org/drawingml/2006/compatibility" xmlns:p14="http://schemas.microsoft.com/office/powerpoint/2010/main" xmlns:p15="http://schemas.microsoft.com/office/powerpoint/2012/main" xmlns:ahyp="http://schemas.microsoft.com/office/drawing/2018/hyperlinkcolor" showMasterPhAnim="0" showMasterSp="0">
+<p:notes xmlns:a="http://schemas.openxmlformats.org/drawingml/2006/main" xmlns:r="http://schemas.openxmlformats.org/officeDocument/2006/relationships" xmlns:p="http://schemas.openxmlformats.org/presentationml/2006/main" showMasterSp="0" showMasterPhAnim="0">
   <p:cSld>
     <p:spTree>
       <p:nvGrpSpPr>
-        <p:cNvPr id="99" name="Shape 99"/>
+        <p:cNvPr id="1" name="Shape 99"/>
         <p:cNvGrpSpPr/>
         <p:nvPr/>
       </p:nvGrpSpPr>
@@ -2223,9 +2333,11 @@
       <p:sp>
         <p:nvSpPr>
           <p:cNvPr id="100" name="Google Shape;100;gf76992ab28_0_26:notes"/>
-          <p:cNvSpPr/>
+          <p:cNvSpPr>
+            <a:spLocks noGrp="1" noRot="1" noChangeAspect="1"/>
+          </p:cNvSpPr>
           <p:nvPr>
-            <p:ph idx="2" type="sldImg"/>
+            <p:ph type="sldImg" idx="2"/>
           </p:nvPr>
         </p:nvSpPr>
         <p:spPr>
@@ -2234,9 +2346,13 @@
             <a:ext cx="6096000" cy="3429000"/>
           </a:xfrm>
           <a:custGeom>
-            <a:rect b="b" l="l" r="r" t="t"/>
+            <a:avLst/>
+            <a:gdLst/>
+            <a:ahLst/>
+            <a:cxnLst/>
+            <a:rect l="l" t="t" r="r" b="b"/>
             <a:pathLst>
-              <a:path extrusionOk="0" h="120000" w="120000">
+              <a:path w="120000" h="120000" extrusionOk="0">
                 <a:moveTo>
                   <a:pt x="0" y="0"/>
                 </a:moveTo>
@@ -2258,9 +2374,11 @@
       <p:sp>
         <p:nvSpPr>
           <p:cNvPr id="101" name="Google Shape;101;gf76992ab28_0_26:notes"/>
-          <p:cNvSpPr txBox="1"/>
+          <p:cNvSpPr txBox="1">
+            <a:spLocks noGrp="1"/>
+          </p:cNvSpPr>
           <p:nvPr>
-            <p:ph idx="1" type="body"/>
+            <p:ph type="body" idx="1"/>
           </p:nvPr>
         </p:nvSpPr>
         <p:spPr>
@@ -2273,23 +2391,20 @@
           </a:prstGeom>
         </p:spPr>
         <p:txBody>
-          <a:bodyPr anchorCtr="0" anchor="t" bIns="91425" lIns="91425" spcFirstLastPara="1" rIns="91425" wrap="square" tIns="91425">
+          <a:bodyPr spcFirstLastPara="1" wrap="square" lIns="91425" tIns="91425" rIns="91425" bIns="91425" anchor="t" anchorCtr="0">
             <a:noAutofit/>
           </a:bodyPr>
           <a:lstStyle/>
           <a:p>
-            <a:pPr indent="0" lvl="0" marL="0" rtl="0" algn="l">
-              <a:spcBef>
-                <a:spcPts val="0"/>
-              </a:spcBef>
-              <a:spcAft>
-                <a:spcPts val="0"/>
-              </a:spcAft>
-              <a:buNone/>
-            </a:pPr>
-            <a:r>
-              <a:t/>
-            </a:r>
+            <a:pPr marL="0" lvl="0" indent="0" algn="l" rtl="0">
+              <a:spcBef>
+                <a:spcPts val="0"/>
+              </a:spcBef>
+              <a:spcAft>
+                <a:spcPts val="0"/>
+              </a:spcAft>
+              <a:buNone/>
+            </a:pPr>
             <a:endParaRPr/>
           </a:p>
         </p:txBody>
@@ -2303,11 +2418,11 @@
 </file>
 
 <file path=ppt/notesSlides/notesSlide9.xml><?xml version="1.0" encoding="utf-8"?>
-<p:notes xmlns:a="http://schemas.openxmlformats.org/drawingml/2006/main" xmlns:r="http://schemas.openxmlformats.org/officeDocument/2006/relationships" xmlns:mc="http://schemas.openxmlformats.org/markup-compatibility/2006" xmlns:mv="urn:schemas-microsoft-com:mac:vml" xmlns:p="http://schemas.openxmlformats.org/presentationml/2006/main" xmlns:c="http://schemas.openxmlformats.org/drawingml/2006/chart" xmlns:dgm="http://schemas.openxmlformats.org/drawingml/2006/diagram" xmlns:o="urn:schemas-microsoft-com:office:office" xmlns:v="urn:schemas-microsoft-com:vml" xmlns:pvml="urn:schemas-microsoft-com:office:powerpoint" xmlns:com="http://schemas.openxmlformats.org/drawingml/2006/compatibility" xmlns:p14="http://schemas.microsoft.com/office/powerpoint/2010/main" xmlns:p15="http://schemas.microsoft.com/office/powerpoint/2012/main" xmlns:ahyp="http://schemas.microsoft.com/office/drawing/2018/hyperlinkcolor" showMasterPhAnim="0" showMasterSp="0">
+<p:notes xmlns:a="http://schemas.openxmlformats.org/drawingml/2006/main" xmlns:r="http://schemas.openxmlformats.org/officeDocument/2006/relationships" xmlns:p="http://schemas.openxmlformats.org/presentationml/2006/main" showMasterSp="0" showMasterPhAnim="0">
   <p:cSld>
     <p:spTree>
       <p:nvGrpSpPr>
-        <p:cNvPr id="107" name="Shape 107"/>
+        <p:cNvPr id="1" name="Shape 107"/>
         <p:cNvGrpSpPr/>
         <p:nvPr/>
       </p:nvGrpSpPr>
@@ -2322,20 +2437,26 @@
       <p:sp>
         <p:nvSpPr>
           <p:cNvPr id="108" name="Google Shape;108;gf76992ab28_0_42:notes"/>
-          <p:cNvSpPr/>
+          <p:cNvSpPr>
+            <a:spLocks noGrp="1" noRot="1" noChangeAspect="1"/>
+          </p:cNvSpPr>
           <p:nvPr>
-            <p:ph idx="2" type="sldImg"/>
+            <p:ph type="sldImg" idx="2"/>
           </p:nvPr>
         </p:nvSpPr>
         <p:spPr>
           <a:xfrm>
-            <a:off x="381300" y="685800"/>
+            <a:off x="381000" y="685800"/>
             <a:ext cx="6096000" cy="3429000"/>
           </a:xfrm>
           <a:custGeom>
-            <a:rect b="b" l="l" r="r" t="t"/>
+            <a:avLst/>
+            <a:gdLst/>
+            <a:ahLst/>
+            <a:cxnLst/>
+            <a:rect l="l" t="t" r="r" b="b"/>
             <a:pathLst>
-              <a:path extrusionOk="0" h="120000" w="120000">
+              <a:path w="120000" h="120000" extrusionOk="0">
                 <a:moveTo>
                   <a:pt x="0" y="0"/>
                 </a:moveTo>
@@ -2357,9 +2478,11 @@
       <p:sp>
         <p:nvSpPr>
           <p:cNvPr id="109" name="Google Shape;109;gf76992ab28_0_42:notes"/>
-          <p:cNvSpPr txBox="1"/>
+          <p:cNvSpPr txBox="1">
+            <a:spLocks noGrp="1"/>
+          </p:cNvSpPr>
           <p:nvPr>
-            <p:ph idx="1" type="body"/>
+            <p:ph type="body" idx="1"/>
           </p:nvPr>
         </p:nvSpPr>
         <p:spPr>
@@ -2372,23 +2495,20 @@
           </a:prstGeom>
         </p:spPr>
         <p:txBody>
-          <a:bodyPr anchorCtr="0" anchor="t" bIns="91425" lIns="91425" spcFirstLastPara="1" rIns="91425" wrap="square" tIns="91425">
+          <a:bodyPr spcFirstLastPara="1" wrap="square" lIns="91425" tIns="91425" rIns="91425" bIns="91425" anchor="t" anchorCtr="0">
             <a:noAutofit/>
           </a:bodyPr>
           <a:lstStyle/>
           <a:p>
-            <a:pPr indent="0" lvl="0" marL="0" rtl="0" algn="l">
-              <a:spcBef>
-                <a:spcPts val="0"/>
-              </a:spcBef>
-              <a:spcAft>
-                <a:spcPts val="0"/>
-              </a:spcAft>
-              <a:buNone/>
-            </a:pPr>
-            <a:r>
-              <a:t/>
-            </a:r>
+            <a:pPr marL="0" lvl="0" indent="0" algn="l" rtl="0">
+              <a:spcBef>
+                <a:spcPts val="0"/>
+              </a:spcBef>
+              <a:spcAft>
+                <a:spcPts val="0"/>
+              </a:spcAft>
+              <a:buNone/>
+            </a:pPr>
             <a:endParaRPr/>
           </a:p>
         </p:txBody>
@@ -2402,11 +2522,11 @@
 </file>
 
 <file path=ppt/slideLayouts/slideLayout1.xml><?xml version="1.0" encoding="utf-8"?>
-<p:sldLayout xmlns:a="http://schemas.openxmlformats.org/drawingml/2006/main" xmlns:r="http://schemas.openxmlformats.org/officeDocument/2006/relationships" xmlns:mc="http://schemas.openxmlformats.org/markup-compatibility/2006" xmlns:mv="urn:schemas-microsoft-com:mac:vml" xmlns:p="http://schemas.openxmlformats.org/presentationml/2006/main" xmlns:c="http://schemas.openxmlformats.org/drawingml/2006/chart" xmlns:dgm="http://schemas.openxmlformats.org/drawingml/2006/diagram" xmlns:o="urn:schemas-microsoft-com:office:office" xmlns:v="urn:schemas-microsoft-com:vml" xmlns:pvml="urn:schemas-microsoft-com:office:powerpoint" xmlns:com="http://schemas.openxmlformats.org/drawingml/2006/compatibility" xmlns:p14="http://schemas.microsoft.com/office/powerpoint/2010/main" xmlns:p15="http://schemas.microsoft.com/office/powerpoint/2012/main" xmlns:ahyp="http://schemas.microsoft.com/office/drawing/2018/hyperlinkcolor" matchingName="Title slide" type="title">
+<p:sldLayout xmlns:a="http://schemas.openxmlformats.org/drawingml/2006/main" xmlns:r="http://schemas.openxmlformats.org/officeDocument/2006/relationships" xmlns:p="http://schemas.openxmlformats.org/presentationml/2006/main" matchingName="Title slide" type="title">
   <p:cSld name="TITLE">
     <p:spTree>
       <p:nvGrpSpPr>
-        <p:cNvPr id="9" name="Shape 9"/>
+        <p:cNvPr id="1" name="Shape 9"/>
         <p:cNvGrpSpPr/>
         <p:nvPr/>
       </p:nvGrpSpPr>
@@ -2421,7 +2541,9 @@
       <p:sp>
         <p:nvSpPr>
           <p:cNvPr id="10" name="Google Shape;10;p2"/>
-          <p:cNvSpPr txBox="1"/>
+          <p:cNvSpPr txBox="1">
+            <a:spLocks noGrp="1"/>
+          </p:cNvSpPr>
           <p:nvPr>
             <p:ph type="ctrTitle"/>
           </p:nvPr>
@@ -2436,7 +2558,7 @@
           </a:prstGeom>
         </p:spPr>
         <p:txBody>
-          <a:bodyPr anchorCtr="0" anchor="b" bIns="91425" lIns="91425" spcFirstLastPara="1" rIns="91425" wrap="square" tIns="91425">
+          <a:bodyPr spcFirstLastPara="1" wrap="square" lIns="91425" tIns="91425" rIns="91425" bIns="91425" anchor="b" anchorCtr="0">
             <a:normAutofit/>
           </a:bodyPr>
           <a:lstStyle>
@@ -2540,15 +2662,19 @@
               <a:defRPr sz="5200"/>
             </a:lvl9pPr>
           </a:lstStyle>
-          <a:p/>
+          <a:p>
+            <a:endParaRPr/>
+          </a:p>
         </p:txBody>
       </p:sp>
       <p:sp>
         <p:nvSpPr>
           <p:cNvPr id="11" name="Google Shape;11;p2"/>
-          <p:cNvSpPr txBox="1"/>
+          <p:cNvSpPr txBox="1">
+            <a:spLocks noGrp="1"/>
+          </p:cNvSpPr>
           <p:nvPr>
-            <p:ph idx="1" type="subTitle"/>
+            <p:ph type="subTitle" idx="1"/>
           </p:nvPr>
         </p:nvSpPr>
         <p:spPr>
@@ -2561,7 +2687,7 @@
           </a:prstGeom>
         </p:spPr>
         <p:txBody>
-          <a:bodyPr anchorCtr="0" anchor="t" bIns="91425" lIns="91425" spcFirstLastPara="1" rIns="91425" wrap="square" tIns="91425">
+          <a:bodyPr spcFirstLastPara="1" wrap="square" lIns="91425" tIns="91425" rIns="91425" bIns="91425" anchor="t" anchorCtr="0">
             <a:normAutofit/>
           </a:bodyPr>
           <a:lstStyle>
@@ -2692,15 +2818,19 @@
               <a:defRPr sz="2800"/>
             </a:lvl9pPr>
           </a:lstStyle>
-          <a:p/>
+          <a:p>
+            <a:endParaRPr/>
+          </a:p>
         </p:txBody>
       </p:sp>
       <p:sp>
         <p:nvSpPr>
           <p:cNvPr id="12" name="Google Shape;12;p2"/>
-          <p:cNvSpPr txBox="1"/>
+          <p:cNvSpPr txBox="1">
+            <a:spLocks noGrp="1"/>
+          </p:cNvSpPr>
           <p:nvPr>
-            <p:ph idx="12" type="sldNum"/>
+            <p:ph type="sldNum" idx="12"/>
           </p:nvPr>
         </p:nvSpPr>
         <p:spPr>
@@ -2713,7 +2843,7 @@
           </a:prstGeom>
         </p:spPr>
         <p:txBody>
-          <a:bodyPr anchorCtr="0" anchor="ctr" bIns="91425" lIns="91425" spcFirstLastPara="1" rIns="91425" wrap="square" tIns="91425">
+          <a:bodyPr spcFirstLastPara="1" wrap="square" lIns="91425" tIns="91425" rIns="91425" bIns="91425" anchor="ctr" anchorCtr="0">
             <a:normAutofit/>
           </a:bodyPr>
           <a:lstStyle>
@@ -2755,7 +2885,7 @@
             </a:lvl9pPr>
           </a:lstStyle>
           <a:p>
-            <a:pPr indent="0" lvl="0" marL="0" rtl="0" algn="r">
+            <a:pPr marL="0" lvl="0" indent="0" algn="r" rtl="0">
               <a:spcBef>
                 <a:spcPts val="0"/>
               </a:spcBef>
@@ -2781,11 +2911,11 @@
 </file>
 
 <file path=ppt/slideLayouts/slideLayout10.xml><?xml version="1.0" encoding="utf-8"?>
-<p:sldLayout xmlns:a="http://schemas.openxmlformats.org/drawingml/2006/main" xmlns:r="http://schemas.openxmlformats.org/officeDocument/2006/relationships" xmlns:mc="http://schemas.openxmlformats.org/markup-compatibility/2006" xmlns:mv="urn:schemas-microsoft-com:mac:vml" xmlns:p="http://schemas.openxmlformats.org/presentationml/2006/main" xmlns:c="http://schemas.openxmlformats.org/drawingml/2006/chart" xmlns:dgm="http://schemas.openxmlformats.org/drawingml/2006/diagram" xmlns:o="urn:schemas-microsoft-com:office:office" xmlns:v="urn:schemas-microsoft-com:vml" xmlns:pvml="urn:schemas-microsoft-com:office:powerpoint" xmlns:com="http://schemas.openxmlformats.org/drawingml/2006/compatibility" xmlns:p14="http://schemas.microsoft.com/office/powerpoint/2010/main" xmlns:p15="http://schemas.microsoft.com/office/powerpoint/2012/main" xmlns:ahyp="http://schemas.microsoft.com/office/drawing/2018/hyperlinkcolor" matchingName="Big number">
+<p:sldLayout xmlns:a="http://schemas.openxmlformats.org/drawingml/2006/main" xmlns:r="http://schemas.openxmlformats.org/officeDocument/2006/relationships" xmlns:p="http://schemas.openxmlformats.org/presentationml/2006/main" matchingName="Big number">
   <p:cSld name="BIG_NUMBER">
     <p:spTree>
       <p:nvGrpSpPr>
-        <p:cNvPr id="44" name="Shape 44"/>
+        <p:cNvPr id="1" name="Shape 44"/>
         <p:cNvGrpSpPr/>
         <p:nvPr/>
       </p:nvGrpSpPr>
@@ -2800,9 +2930,11 @@
       <p:sp>
         <p:nvSpPr>
           <p:cNvPr id="45" name="Google Shape;45;p11"/>
-          <p:cNvSpPr txBox="1"/>
+          <p:cNvSpPr txBox="1">
+            <a:spLocks noGrp="1"/>
+          </p:cNvSpPr>
           <p:nvPr>
-            <p:ph hasCustomPrompt="1" type="title"/>
+            <p:ph type="title" hasCustomPrompt="1"/>
           </p:nvPr>
         </p:nvSpPr>
         <p:spPr>
@@ -2815,7 +2947,7 @@
           </a:prstGeom>
         </p:spPr>
         <p:txBody>
-          <a:bodyPr anchorCtr="0" anchor="b" bIns="91425" lIns="91425" spcFirstLastPara="1" rIns="91425" wrap="square" tIns="91425">
+          <a:bodyPr spcFirstLastPara="1" wrap="square" lIns="91425" tIns="91425" rIns="91425" bIns="91425" anchor="b" anchorCtr="0">
             <a:normAutofit/>
           </a:bodyPr>
           <a:lstStyle>
@@ -2929,9 +3061,11 @@
       <p:sp>
         <p:nvSpPr>
           <p:cNvPr id="46" name="Google Shape;46;p11"/>
-          <p:cNvSpPr txBox="1"/>
+          <p:cNvSpPr txBox="1">
+            <a:spLocks noGrp="1"/>
+          </p:cNvSpPr>
           <p:nvPr>
-            <p:ph idx="1" type="body"/>
+            <p:ph type="body" idx="1"/>
           </p:nvPr>
         </p:nvSpPr>
         <p:spPr>
@@ -2944,11 +3078,11 @@
           </a:prstGeom>
         </p:spPr>
         <p:txBody>
-          <a:bodyPr anchorCtr="0" anchor="t" bIns="91425" lIns="91425" spcFirstLastPara="1" rIns="91425" wrap="square" tIns="91425">
+          <a:bodyPr spcFirstLastPara="1" wrap="square" lIns="91425" tIns="91425" rIns="91425" bIns="91425" anchor="t" anchorCtr="0">
             <a:normAutofit/>
           </a:bodyPr>
           <a:lstStyle>
-            <a:lvl1pPr indent="-342900" lvl="0" marL="457200" algn="ctr">
+            <a:lvl1pPr marL="457200" lvl="0" indent="-342900" algn="ctr">
               <a:spcBef>
                 <a:spcPts val="0"/>
               </a:spcBef>
@@ -2959,7 +3093,7 @@
               <a:buChar char="●"/>
               <a:defRPr/>
             </a:lvl1pPr>
-            <a:lvl2pPr indent="-317500" lvl="1" marL="914400" algn="ctr">
+            <a:lvl2pPr marL="914400" lvl="1" indent="-317500" algn="ctr">
               <a:spcBef>
                 <a:spcPts val="0"/>
               </a:spcBef>
@@ -2970,7 +3104,7 @@
               <a:buChar char="○"/>
               <a:defRPr/>
             </a:lvl2pPr>
-            <a:lvl3pPr indent="-317500" lvl="2" marL="1371600" algn="ctr">
+            <a:lvl3pPr marL="1371600" lvl="2" indent="-317500" algn="ctr">
               <a:spcBef>
                 <a:spcPts val="0"/>
               </a:spcBef>
@@ -2981,7 +3115,7 @@
               <a:buChar char="■"/>
               <a:defRPr/>
             </a:lvl3pPr>
-            <a:lvl4pPr indent="-317500" lvl="3" marL="1828800" algn="ctr">
+            <a:lvl4pPr marL="1828800" lvl="3" indent="-317500" algn="ctr">
               <a:spcBef>
                 <a:spcPts val="0"/>
               </a:spcBef>
@@ -2992,7 +3126,7 @@
               <a:buChar char="●"/>
               <a:defRPr/>
             </a:lvl4pPr>
-            <a:lvl5pPr indent="-317500" lvl="4" marL="2286000" algn="ctr">
+            <a:lvl5pPr marL="2286000" lvl="4" indent="-317500" algn="ctr">
               <a:spcBef>
                 <a:spcPts val="0"/>
               </a:spcBef>
@@ -3003,7 +3137,7 @@
               <a:buChar char="○"/>
               <a:defRPr/>
             </a:lvl5pPr>
-            <a:lvl6pPr indent="-317500" lvl="5" marL="2743200" algn="ctr">
+            <a:lvl6pPr marL="2743200" lvl="5" indent="-317500" algn="ctr">
               <a:spcBef>
                 <a:spcPts val="0"/>
               </a:spcBef>
@@ -3014,7 +3148,7 @@
               <a:buChar char="■"/>
               <a:defRPr/>
             </a:lvl6pPr>
-            <a:lvl7pPr indent="-317500" lvl="6" marL="3200400" algn="ctr">
+            <a:lvl7pPr marL="3200400" lvl="6" indent="-317500" algn="ctr">
               <a:spcBef>
                 <a:spcPts val="0"/>
               </a:spcBef>
@@ -3025,7 +3159,7 @@
               <a:buChar char="●"/>
               <a:defRPr/>
             </a:lvl7pPr>
-            <a:lvl8pPr indent="-317500" lvl="7" marL="3657600" algn="ctr">
+            <a:lvl8pPr marL="3657600" lvl="7" indent="-317500" algn="ctr">
               <a:spcBef>
                 <a:spcPts val="0"/>
               </a:spcBef>
@@ -3036,7 +3170,7 @@
               <a:buChar char="○"/>
               <a:defRPr/>
             </a:lvl8pPr>
-            <a:lvl9pPr indent="-317500" lvl="8" marL="4114800" algn="ctr">
+            <a:lvl9pPr marL="4114800" lvl="8" indent="-317500" algn="ctr">
               <a:spcBef>
                 <a:spcPts val="0"/>
               </a:spcBef>
@@ -3048,15 +3182,19 @@
               <a:defRPr/>
             </a:lvl9pPr>
           </a:lstStyle>
-          <a:p/>
+          <a:p>
+            <a:endParaRPr/>
+          </a:p>
         </p:txBody>
       </p:sp>
       <p:sp>
         <p:nvSpPr>
           <p:cNvPr id="47" name="Google Shape;47;p11"/>
-          <p:cNvSpPr txBox="1"/>
+          <p:cNvSpPr txBox="1">
+            <a:spLocks noGrp="1"/>
+          </p:cNvSpPr>
           <p:nvPr>
-            <p:ph idx="12" type="sldNum"/>
+            <p:ph type="sldNum" idx="12"/>
           </p:nvPr>
         </p:nvSpPr>
         <p:spPr>
@@ -3069,7 +3207,7 @@
           </a:prstGeom>
         </p:spPr>
         <p:txBody>
-          <a:bodyPr anchorCtr="0" anchor="ctr" bIns="91425" lIns="91425" spcFirstLastPara="1" rIns="91425" wrap="square" tIns="91425">
+          <a:bodyPr spcFirstLastPara="1" wrap="square" lIns="91425" tIns="91425" rIns="91425" bIns="91425" anchor="ctr" anchorCtr="0">
             <a:normAutofit/>
           </a:bodyPr>
           <a:lstStyle>
@@ -3111,7 +3249,7 @@
             </a:lvl9pPr>
           </a:lstStyle>
           <a:p>
-            <a:pPr indent="0" lvl="0" marL="0" rtl="0" algn="r">
+            <a:pPr marL="0" lvl="0" indent="0" algn="r" rtl="0">
               <a:spcBef>
                 <a:spcPts val="0"/>
               </a:spcBef>
@@ -3137,11 +3275,11 @@
 </file>
 
 <file path=ppt/slideLayouts/slideLayout11.xml><?xml version="1.0" encoding="utf-8"?>
-<p:sldLayout xmlns:a="http://schemas.openxmlformats.org/drawingml/2006/main" xmlns:r="http://schemas.openxmlformats.org/officeDocument/2006/relationships" xmlns:mc="http://schemas.openxmlformats.org/markup-compatibility/2006" xmlns:mv="urn:schemas-microsoft-com:mac:vml" xmlns:p="http://schemas.openxmlformats.org/presentationml/2006/main" xmlns:c="http://schemas.openxmlformats.org/drawingml/2006/chart" xmlns:dgm="http://schemas.openxmlformats.org/drawingml/2006/diagram" xmlns:o="urn:schemas-microsoft-com:office:office" xmlns:v="urn:schemas-microsoft-com:vml" xmlns:pvml="urn:schemas-microsoft-com:office:powerpoint" xmlns:com="http://schemas.openxmlformats.org/drawingml/2006/compatibility" xmlns:p14="http://schemas.microsoft.com/office/powerpoint/2010/main" xmlns:p15="http://schemas.microsoft.com/office/powerpoint/2012/main" xmlns:ahyp="http://schemas.microsoft.com/office/drawing/2018/hyperlinkcolor" matchingName="Blank" type="blank">
+<p:sldLayout xmlns:a="http://schemas.openxmlformats.org/drawingml/2006/main" xmlns:r="http://schemas.openxmlformats.org/officeDocument/2006/relationships" xmlns:p="http://schemas.openxmlformats.org/presentationml/2006/main" matchingName="Blank" type="blank">
   <p:cSld name="BLANK">
     <p:spTree>
       <p:nvGrpSpPr>
-        <p:cNvPr id="48" name="Shape 48"/>
+        <p:cNvPr id="1" name="Shape 48"/>
         <p:cNvGrpSpPr/>
         <p:nvPr/>
       </p:nvGrpSpPr>
@@ -3156,9 +3294,11 @@
       <p:sp>
         <p:nvSpPr>
           <p:cNvPr id="49" name="Google Shape;49;p12"/>
-          <p:cNvSpPr txBox="1"/>
+          <p:cNvSpPr txBox="1">
+            <a:spLocks noGrp="1"/>
+          </p:cNvSpPr>
           <p:nvPr>
-            <p:ph idx="12" type="sldNum"/>
+            <p:ph type="sldNum" idx="12"/>
           </p:nvPr>
         </p:nvSpPr>
         <p:spPr>
@@ -3171,7 +3311,7 @@
           </a:prstGeom>
         </p:spPr>
         <p:txBody>
-          <a:bodyPr anchorCtr="0" anchor="ctr" bIns="91425" lIns="91425" spcFirstLastPara="1" rIns="91425" wrap="square" tIns="91425">
+          <a:bodyPr spcFirstLastPara="1" wrap="square" lIns="91425" tIns="91425" rIns="91425" bIns="91425" anchor="ctr" anchorCtr="0">
             <a:normAutofit/>
           </a:bodyPr>
           <a:lstStyle>
@@ -3213,7 +3353,7 @@
             </a:lvl9pPr>
           </a:lstStyle>
           <a:p>
-            <a:pPr indent="0" lvl="0" marL="0" rtl="0" algn="r">
+            <a:pPr marL="0" lvl="0" indent="0" algn="r" rtl="0">
               <a:spcBef>
                 <a:spcPts val="0"/>
               </a:spcBef>
@@ -3239,11 +3379,11 @@
 </file>
 
 <file path=ppt/slideLayouts/slideLayout2.xml><?xml version="1.0" encoding="utf-8"?>
-<p:sldLayout xmlns:a="http://schemas.openxmlformats.org/drawingml/2006/main" xmlns:r="http://schemas.openxmlformats.org/officeDocument/2006/relationships" xmlns:mc="http://schemas.openxmlformats.org/markup-compatibility/2006" xmlns:mv="urn:schemas-microsoft-com:mac:vml" xmlns:p="http://schemas.openxmlformats.org/presentationml/2006/main" xmlns:c="http://schemas.openxmlformats.org/drawingml/2006/chart" xmlns:dgm="http://schemas.openxmlformats.org/drawingml/2006/diagram" xmlns:o="urn:schemas-microsoft-com:office:office" xmlns:v="urn:schemas-microsoft-com:vml" xmlns:pvml="urn:schemas-microsoft-com:office:powerpoint" xmlns:com="http://schemas.openxmlformats.org/drawingml/2006/compatibility" xmlns:p14="http://schemas.microsoft.com/office/powerpoint/2010/main" xmlns:p15="http://schemas.microsoft.com/office/powerpoint/2012/main" xmlns:ahyp="http://schemas.microsoft.com/office/drawing/2018/hyperlinkcolor" matchingName="Section header" type="secHead">
+<p:sldLayout xmlns:a="http://schemas.openxmlformats.org/drawingml/2006/main" xmlns:r="http://schemas.openxmlformats.org/officeDocument/2006/relationships" xmlns:p="http://schemas.openxmlformats.org/presentationml/2006/main" matchingName="Section header" type="secHead">
   <p:cSld name="SECTION_HEADER">
     <p:spTree>
       <p:nvGrpSpPr>
-        <p:cNvPr id="13" name="Shape 13"/>
+        <p:cNvPr id="1" name="Shape 13"/>
         <p:cNvGrpSpPr/>
         <p:nvPr/>
       </p:nvGrpSpPr>
@@ -3258,7 +3398,9 @@
       <p:sp>
         <p:nvSpPr>
           <p:cNvPr id="14" name="Google Shape;14;p3"/>
-          <p:cNvSpPr txBox="1"/>
+          <p:cNvSpPr txBox="1">
+            <a:spLocks noGrp="1"/>
+          </p:cNvSpPr>
           <p:nvPr>
             <p:ph type="title"/>
           </p:nvPr>
@@ -3273,7 +3415,7 @@
           </a:prstGeom>
         </p:spPr>
         <p:txBody>
-          <a:bodyPr anchorCtr="0" anchor="ctr" bIns="91425" lIns="91425" spcFirstLastPara="1" rIns="91425" wrap="square" tIns="91425">
+          <a:bodyPr spcFirstLastPara="1" wrap="square" lIns="91425" tIns="91425" rIns="91425" bIns="91425" anchor="ctr" anchorCtr="0">
             <a:normAutofit/>
           </a:bodyPr>
           <a:lstStyle>
@@ -3377,15 +3519,19 @@
               <a:defRPr sz="3600"/>
             </a:lvl9pPr>
           </a:lstStyle>
-          <a:p/>
+          <a:p>
+            <a:endParaRPr/>
+          </a:p>
         </p:txBody>
       </p:sp>
       <p:sp>
         <p:nvSpPr>
           <p:cNvPr id="15" name="Google Shape;15;p3"/>
-          <p:cNvSpPr txBox="1"/>
+          <p:cNvSpPr txBox="1">
+            <a:spLocks noGrp="1"/>
+          </p:cNvSpPr>
           <p:nvPr>
-            <p:ph idx="12" type="sldNum"/>
+            <p:ph type="sldNum" idx="12"/>
           </p:nvPr>
         </p:nvSpPr>
         <p:spPr>
@@ -3398,7 +3544,7 @@
           </a:prstGeom>
         </p:spPr>
         <p:txBody>
-          <a:bodyPr anchorCtr="0" anchor="ctr" bIns="91425" lIns="91425" spcFirstLastPara="1" rIns="91425" wrap="square" tIns="91425">
+          <a:bodyPr spcFirstLastPara="1" wrap="square" lIns="91425" tIns="91425" rIns="91425" bIns="91425" anchor="ctr" anchorCtr="0">
             <a:normAutofit/>
           </a:bodyPr>
           <a:lstStyle>
@@ -3440,7 +3586,7 @@
             </a:lvl9pPr>
           </a:lstStyle>
           <a:p>
-            <a:pPr indent="0" lvl="0" marL="0" rtl="0" algn="r">
+            <a:pPr marL="0" lvl="0" indent="0" algn="r" rtl="0">
               <a:spcBef>
                 <a:spcPts val="0"/>
               </a:spcBef>
@@ -3466,11 +3612,11 @@
 </file>
 
 <file path=ppt/slideLayouts/slideLayout3.xml><?xml version="1.0" encoding="utf-8"?>
-<p:sldLayout xmlns:a="http://schemas.openxmlformats.org/drawingml/2006/main" xmlns:r="http://schemas.openxmlformats.org/officeDocument/2006/relationships" xmlns:mc="http://schemas.openxmlformats.org/markup-compatibility/2006" xmlns:mv="urn:schemas-microsoft-com:mac:vml" xmlns:p="http://schemas.openxmlformats.org/presentationml/2006/main" xmlns:c="http://schemas.openxmlformats.org/drawingml/2006/chart" xmlns:dgm="http://schemas.openxmlformats.org/drawingml/2006/diagram" xmlns:o="urn:schemas-microsoft-com:office:office" xmlns:v="urn:schemas-microsoft-com:vml" xmlns:pvml="urn:schemas-microsoft-com:office:powerpoint" xmlns:com="http://schemas.openxmlformats.org/drawingml/2006/compatibility" xmlns:p14="http://schemas.microsoft.com/office/powerpoint/2010/main" xmlns:p15="http://schemas.microsoft.com/office/powerpoint/2012/main" xmlns:ahyp="http://schemas.microsoft.com/office/drawing/2018/hyperlinkcolor" matchingName="Title and body" type="tx">
+<p:sldLayout xmlns:a="http://schemas.openxmlformats.org/drawingml/2006/main" xmlns:r="http://schemas.openxmlformats.org/officeDocument/2006/relationships" xmlns:p="http://schemas.openxmlformats.org/presentationml/2006/main" matchingName="Title and body" type="tx">
   <p:cSld name="TITLE_AND_BODY">
     <p:spTree>
       <p:nvGrpSpPr>
-        <p:cNvPr id="16" name="Shape 16"/>
+        <p:cNvPr id="1" name="Shape 16"/>
         <p:cNvGrpSpPr/>
         <p:nvPr/>
       </p:nvGrpSpPr>
@@ -3485,7 +3631,9 @@
       <p:sp>
         <p:nvSpPr>
           <p:cNvPr id="17" name="Google Shape;17;p4"/>
-          <p:cNvSpPr txBox="1"/>
+          <p:cNvSpPr txBox="1">
+            <a:spLocks noGrp="1"/>
+          </p:cNvSpPr>
           <p:nvPr>
             <p:ph type="title"/>
           </p:nvPr>
@@ -3500,7 +3648,7 @@
           </a:prstGeom>
         </p:spPr>
         <p:txBody>
-          <a:bodyPr anchorCtr="0" anchor="t" bIns="91425" lIns="91425" spcFirstLastPara="1" rIns="91425" wrap="square" tIns="91425">
+          <a:bodyPr spcFirstLastPara="1" wrap="square" lIns="91425" tIns="91425" rIns="91425" bIns="91425" anchor="t" anchorCtr="0">
             <a:normAutofit/>
           </a:bodyPr>
           <a:lstStyle>
@@ -3604,15 +3752,19 @@
               <a:defRPr/>
             </a:lvl9pPr>
           </a:lstStyle>
-          <a:p/>
+          <a:p>
+            <a:endParaRPr/>
+          </a:p>
         </p:txBody>
       </p:sp>
       <p:sp>
         <p:nvSpPr>
           <p:cNvPr id="18" name="Google Shape;18;p4"/>
-          <p:cNvSpPr txBox="1"/>
+          <p:cNvSpPr txBox="1">
+            <a:spLocks noGrp="1"/>
+          </p:cNvSpPr>
           <p:nvPr>
-            <p:ph idx="1" type="body"/>
+            <p:ph type="body" idx="1"/>
           </p:nvPr>
         </p:nvSpPr>
         <p:spPr>
@@ -3625,11 +3777,11 @@
           </a:prstGeom>
         </p:spPr>
         <p:txBody>
-          <a:bodyPr anchorCtr="0" anchor="t" bIns="91425" lIns="91425" spcFirstLastPara="1" rIns="91425" wrap="square" tIns="91425">
+          <a:bodyPr spcFirstLastPara="1" wrap="square" lIns="91425" tIns="91425" rIns="91425" bIns="91425" anchor="t" anchorCtr="0">
             <a:normAutofit/>
           </a:bodyPr>
           <a:lstStyle>
-            <a:lvl1pPr indent="-342900" lvl="0" marL="457200">
+            <a:lvl1pPr marL="457200" lvl="0" indent="-342900">
               <a:spcBef>
                 <a:spcPts val="0"/>
               </a:spcBef>
@@ -3640,7 +3792,7 @@
               <a:buChar char="●"/>
               <a:defRPr/>
             </a:lvl1pPr>
-            <a:lvl2pPr indent="-317500" lvl="1" marL="914400">
+            <a:lvl2pPr marL="914400" lvl="1" indent="-317500">
               <a:spcBef>
                 <a:spcPts val="0"/>
               </a:spcBef>
@@ -3651,7 +3803,7 @@
               <a:buChar char="○"/>
               <a:defRPr/>
             </a:lvl2pPr>
-            <a:lvl3pPr indent="-317500" lvl="2" marL="1371600">
+            <a:lvl3pPr marL="1371600" lvl="2" indent="-317500">
               <a:spcBef>
                 <a:spcPts val="0"/>
               </a:spcBef>
@@ -3662,7 +3814,7 @@
               <a:buChar char="■"/>
               <a:defRPr/>
             </a:lvl3pPr>
-            <a:lvl4pPr indent="-317500" lvl="3" marL="1828800">
+            <a:lvl4pPr marL="1828800" lvl="3" indent="-317500">
               <a:spcBef>
                 <a:spcPts val="0"/>
               </a:spcBef>
@@ -3673,7 +3825,7 @@
               <a:buChar char="●"/>
               <a:defRPr/>
             </a:lvl4pPr>
-            <a:lvl5pPr indent="-317500" lvl="4" marL="2286000">
+            <a:lvl5pPr marL="2286000" lvl="4" indent="-317500">
               <a:spcBef>
                 <a:spcPts val="0"/>
               </a:spcBef>
@@ -3684,7 +3836,7 @@
               <a:buChar char="○"/>
               <a:defRPr/>
             </a:lvl5pPr>
-            <a:lvl6pPr indent="-317500" lvl="5" marL="2743200">
+            <a:lvl6pPr marL="2743200" lvl="5" indent="-317500">
               <a:spcBef>
                 <a:spcPts val="0"/>
               </a:spcBef>
@@ -3695,7 +3847,7 @@
               <a:buChar char="■"/>
               <a:defRPr/>
             </a:lvl6pPr>
-            <a:lvl7pPr indent="-317500" lvl="6" marL="3200400">
+            <a:lvl7pPr marL="3200400" lvl="6" indent="-317500">
               <a:spcBef>
                 <a:spcPts val="0"/>
               </a:spcBef>
@@ -3706,7 +3858,7 @@
               <a:buChar char="●"/>
               <a:defRPr/>
             </a:lvl7pPr>
-            <a:lvl8pPr indent="-317500" lvl="7" marL="3657600">
+            <a:lvl8pPr marL="3657600" lvl="7" indent="-317500">
               <a:spcBef>
                 <a:spcPts val="0"/>
               </a:spcBef>
@@ -3717,7 +3869,7 @@
               <a:buChar char="○"/>
               <a:defRPr/>
             </a:lvl8pPr>
-            <a:lvl9pPr indent="-317500" lvl="8" marL="4114800">
+            <a:lvl9pPr marL="4114800" lvl="8" indent="-317500">
               <a:spcBef>
                 <a:spcPts val="0"/>
               </a:spcBef>
@@ -3729,15 +3881,19 @@
               <a:defRPr/>
             </a:lvl9pPr>
           </a:lstStyle>
-          <a:p/>
+          <a:p>
+            <a:endParaRPr/>
+          </a:p>
         </p:txBody>
       </p:sp>
       <p:sp>
         <p:nvSpPr>
           <p:cNvPr id="19" name="Google Shape;19;p4"/>
-          <p:cNvSpPr txBox="1"/>
+          <p:cNvSpPr txBox="1">
+            <a:spLocks noGrp="1"/>
+          </p:cNvSpPr>
           <p:nvPr>
-            <p:ph idx="12" type="sldNum"/>
+            <p:ph type="sldNum" idx="12"/>
           </p:nvPr>
         </p:nvSpPr>
         <p:spPr>
@@ -3750,7 +3906,7 @@
           </a:prstGeom>
         </p:spPr>
         <p:txBody>
-          <a:bodyPr anchorCtr="0" anchor="ctr" bIns="91425" lIns="91425" spcFirstLastPara="1" rIns="91425" wrap="square" tIns="91425">
+          <a:bodyPr spcFirstLastPara="1" wrap="square" lIns="91425" tIns="91425" rIns="91425" bIns="91425" anchor="ctr" anchorCtr="0">
             <a:normAutofit/>
           </a:bodyPr>
           <a:lstStyle>
@@ -3792,7 +3948,7 @@
             </a:lvl9pPr>
           </a:lstStyle>
           <a:p>
-            <a:pPr indent="0" lvl="0" marL="0" rtl="0" algn="r">
+            <a:pPr marL="0" lvl="0" indent="0" algn="r" rtl="0">
               <a:spcBef>
                 <a:spcPts val="0"/>
               </a:spcBef>
@@ -3818,11 +3974,11 @@
 </file>
 
 <file path=ppt/slideLayouts/slideLayout4.xml><?xml version="1.0" encoding="utf-8"?>
-<p:sldLayout xmlns:a="http://schemas.openxmlformats.org/drawingml/2006/main" xmlns:r="http://schemas.openxmlformats.org/officeDocument/2006/relationships" xmlns:mc="http://schemas.openxmlformats.org/markup-compatibility/2006" xmlns:mv="urn:schemas-microsoft-com:mac:vml" xmlns:p="http://schemas.openxmlformats.org/presentationml/2006/main" xmlns:c="http://schemas.openxmlformats.org/drawingml/2006/chart" xmlns:dgm="http://schemas.openxmlformats.org/drawingml/2006/diagram" xmlns:o="urn:schemas-microsoft-com:office:office" xmlns:v="urn:schemas-microsoft-com:vml" xmlns:pvml="urn:schemas-microsoft-com:office:powerpoint" xmlns:com="http://schemas.openxmlformats.org/drawingml/2006/compatibility" xmlns:p14="http://schemas.microsoft.com/office/powerpoint/2010/main" xmlns:p15="http://schemas.microsoft.com/office/powerpoint/2012/main" xmlns:ahyp="http://schemas.microsoft.com/office/drawing/2018/hyperlinkcolor" matchingName="Title and two columns" type="twoColTx">
+<p:sldLayout xmlns:a="http://schemas.openxmlformats.org/drawingml/2006/main" xmlns:r="http://schemas.openxmlformats.org/officeDocument/2006/relationships" xmlns:p="http://schemas.openxmlformats.org/presentationml/2006/main" matchingName="Title and two columns" type="twoColTx">
   <p:cSld name="TITLE_AND_TWO_COLUMNS">
     <p:spTree>
       <p:nvGrpSpPr>
-        <p:cNvPr id="20" name="Shape 20"/>
+        <p:cNvPr id="1" name="Shape 20"/>
         <p:cNvGrpSpPr/>
         <p:nvPr/>
       </p:nvGrpSpPr>
@@ -3837,7 +3993,9 @@
       <p:sp>
         <p:nvSpPr>
           <p:cNvPr id="21" name="Google Shape;21;p5"/>
-          <p:cNvSpPr txBox="1"/>
+          <p:cNvSpPr txBox="1">
+            <a:spLocks noGrp="1"/>
+          </p:cNvSpPr>
           <p:nvPr>
             <p:ph type="title"/>
           </p:nvPr>
@@ -3852,7 +4010,7 @@
           </a:prstGeom>
         </p:spPr>
         <p:txBody>
-          <a:bodyPr anchorCtr="0" anchor="t" bIns="91425" lIns="91425" spcFirstLastPara="1" rIns="91425" wrap="square" tIns="91425">
+          <a:bodyPr spcFirstLastPara="1" wrap="square" lIns="91425" tIns="91425" rIns="91425" bIns="91425" anchor="t" anchorCtr="0">
             <a:normAutofit/>
           </a:bodyPr>
           <a:lstStyle>
@@ -3956,15 +4114,19 @@
               <a:defRPr/>
             </a:lvl9pPr>
           </a:lstStyle>
-          <a:p/>
+          <a:p>
+            <a:endParaRPr/>
+          </a:p>
         </p:txBody>
       </p:sp>
       <p:sp>
         <p:nvSpPr>
           <p:cNvPr id="22" name="Google Shape;22;p5"/>
-          <p:cNvSpPr txBox="1"/>
+          <p:cNvSpPr txBox="1">
+            <a:spLocks noGrp="1"/>
+          </p:cNvSpPr>
           <p:nvPr>
-            <p:ph idx="1" type="body"/>
+            <p:ph type="body" idx="1"/>
           </p:nvPr>
         </p:nvSpPr>
         <p:spPr>
@@ -3977,11 +4139,11 @@
           </a:prstGeom>
         </p:spPr>
         <p:txBody>
-          <a:bodyPr anchorCtr="0" anchor="t" bIns="91425" lIns="91425" spcFirstLastPara="1" rIns="91425" wrap="square" tIns="91425">
+          <a:bodyPr spcFirstLastPara="1" wrap="square" lIns="91425" tIns="91425" rIns="91425" bIns="91425" anchor="t" anchorCtr="0">
             <a:normAutofit/>
           </a:bodyPr>
           <a:lstStyle>
-            <a:lvl1pPr indent="-317500" lvl="0" marL="457200">
+            <a:lvl1pPr marL="457200" lvl="0" indent="-317500">
               <a:spcBef>
                 <a:spcPts val="0"/>
               </a:spcBef>
@@ -3992,7 +4154,7 @@
               <a:buChar char="●"/>
               <a:defRPr sz="1400"/>
             </a:lvl1pPr>
-            <a:lvl2pPr indent="-304800" lvl="1" marL="914400">
+            <a:lvl2pPr marL="914400" lvl="1" indent="-304800">
               <a:spcBef>
                 <a:spcPts val="0"/>
               </a:spcBef>
@@ -4003,7 +4165,7 @@
               <a:buChar char="○"/>
               <a:defRPr sz="1200"/>
             </a:lvl2pPr>
-            <a:lvl3pPr indent="-304800" lvl="2" marL="1371600">
+            <a:lvl3pPr marL="1371600" lvl="2" indent="-304800">
               <a:spcBef>
                 <a:spcPts val="0"/>
               </a:spcBef>
@@ -4014,7 +4176,7 @@
               <a:buChar char="■"/>
               <a:defRPr sz="1200"/>
             </a:lvl3pPr>
-            <a:lvl4pPr indent="-304800" lvl="3" marL="1828800">
+            <a:lvl4pPr marL="1828800" lvl="3" indent="-304800">
               <a:spcBef>
                 <a:spcPts val="0"/>
               </a:spcBef>
@@ -4025,7 +4187,7 @@
               <a:buChar char="●"/>
               <a:defRPr sz="1200"/>
             </a:lvl4pPr>
-            <a:lvl5pPr indent="-304800" lvl="4" marL="2286000">
+            <a:lvl5pPr marL="2286000" lvl="4" indent="-304800">
               <a:spcBef>
                 <a:spcPts val="0"/>
               </a:spcBef>
@@ -4036,7 +4198,7 @@
               <a:buChar char="○"/>
               <a:defRPr sz="1200"/>
             </a:lvl5pPr>
-            <a:lvl6pPr indent="-304800" lvl="5" marL="2743200">
+            <a:lvl6pPr marL="2743200" lvl="5" indent="-304800">
               <a:spcBef>
                 <a:spcPts val="0"/>
               </a:spcBef>
@@ -4047,7 +4209,7 @@
               <a:buChar char="■"/>
               <a:defRPr sz="1200"/>
             </a:lvl6pPr>
-            <a:lvl7pPr indent="-304800" lvl="6" marL="3200400">
+            <a:lvl7pPr marL="3200400" lvl="6" indent="-304800">
               <a:spcBef>
                 <a:spcPts val="0"/>
               </a:spcBef>
@@ -4058,7 +4220,7 @@
               <a:buChar char="●"/>
               <a:defRPr sz="1200"/>
             </a:lvl7pPr>
-            <a:lvl8pPr indent="-304800" lvl="7" marL="3657600">
+            <a:lvl8pPr marL="3657600" lvl="7" indent="-304800">
               <a:spcBef>
                 <a:spcPts val="0"/>
               </a:spcBef>
@@ -4069,7 +4231,7 @@
               <a:buChar char="○"/>
               <a:defRPr sz="1200"/>
             </a:lvl8pPr>
-            <a:lvl9pPr indent="-304800" lvl="8" marL="4114800">
+            <a:lvl9pPr marL="4114800" lvl="8" indent="-304800">
               <a:spcBef>
                 <a:spcPts val="0"/>
               </a:spcBef>
@@ -4081,15 +4243,19 @@
               <a:defRPr sz="1200"/>
             </a:lvl9pPr>
           </a:lstStyle>
-          <a:p/>
+          <a:p>
+            <a:endParaRPr/>
+          </a:p>
         </p:txBody>
       </p:sp>
       <p:sp>
         <p:nvSpPr>
           <p:cNvPr id="23" name="Google Shape;23;p5"/>
-          <p:cNvSpPr txBox="1"/>
+          <p:cNvSpPr txBox="1">
+            <a:spLocks noGrp="1"/>
+          </p:cNvSpPr>
           <p:nvPr>
-            <p:ph idx="2" type="body"/>
+            <p:ph type="body" idx="2"/>
           </p:nvPr>
         </p:nvSpPr>
         <p:spPr>
@@ -4102,11 +4268,11 @@
           </a:prstGeom>
         </p:spPr>
         <p:txBody>
-          <a:bodyPr anchorCtr="0" anchor="t" bIns="91425" lIns="91425" spcFirstLastPara="1" rIns="91425" wrap="square" tIns="91425">
+          <a:bodyPr spcFirstLastPara="1" wrap="square" lIns="91425" tIns="91425" rIns="91425" bIns="91425" anchor="t" anchorCtr="0">
             <a:normAutofit/>
           </a:bodyPr>
           <a:lstStyle>
-            <a:lvl1pPr indent="-317500" lvl="0" marL="457200">
+            <a:lvl1pPr marL="457200" lvl="0" indent="-317500">
               <a:spcBef>
                 <a:spcPts val="0"/>
               </a:spcBef>
@@ -4117,7 +4283,7 @@
               <a:buChar char="●"/>
               <a:defRPr sz="1400"/>
             </a:lvl1pPr>
-            <a:lvl2pPr indent="-304800" lvl="1" marL="914400">
+            <a:lvl2pPr marL="914400" lvl="1" indent="-304800">
               <a:spcBef>
                 <a:spcPts val="0"/>
               </a:spcBef>
@@ -4128,7 +4294,7 @@
               <a:buChar char="○"/>
               <a:defRPr sz="1200"/>
             </a:lvl2pPr>
-            <a:lvl3pPr indent="-304800" lvl="2" marL="1371600">
+            <a:lvl3pPr marL="1371600" lvl="2" indent="-304800">
               <a:spcBef>
                 <a:spcPts val="0"/>
               </a:spcBef>
@@ -4139,7 +4305,7 @@
               <a:buChar char="■"/>
               <a:defRPr sz="1200"/>
             </a:lvl3pPr>
-            <a:lvl4pPr indent="-304800" lvl="3" marL="1828800">
+            <a:lvl4pPr marL="1828800" lvl="3" indent="-304800">
               <a:spcBef>
                 <a:spcPts val="0"/>
               </a:spcBef>
@@ -4150,7 +4316,7 @@
               <a:buChar char="●"/>
               <a:defRPr sz="1200"/>
             </a:lvl4pPr>
-            <a:lvl5pPr indent="-304800" lvl="4" marL="2286000">
+            <a:lvl5pPr marL="2286000" lvl="4" indent="-304800">
               <a:spcBef>
                 <a:spcPts val="0"/>
               </a:spcBef>
@@ -4161,7 +4327,7 @@
               <a:buChar char="○"/>
               <a:defRPr sz="1200"/>
             </a:lvl5pPr>
-            <a:lvl6pPr indent="-304800" lvl="5" marL="2743200">
+            <a:lvl6pPr marL="2743200" lvl="5" indent="-304800">
               <a:spcBef>
                 <a:spcPts val="0"/>
               </a:spcBef>
@@ -4172,7 +4338,7 @@
               <a:buChar char="■"/>
               <a:defRPr sz="1200"/>
             </a:lvl6pPr>
-            <a:lvl7pPr indent="-304800" lvl="6" marL="3200400">
+            <a:lvl7pPr marL="3200400" lvl="6" indent="-304800">
               <a:spcBef>
                 <a:spcPts val="0"/>
               </a:spcBef>
@@ -4183,7 +4349,7 @@
               <a:buChar char="●"/>
               <a:defRPr sz="1200"/>
             </a:lvl7pPr>
-            <a:lvl8pPr indent="-304800" lvl="7" marL="3657600">
+            <a:lvl8pPr marL="3657600" lvl="7" indent="-304800">
               <a:spcBef>
                 <a:spcPts val="0"/>
               </a:spcBef>
@@ -4194,7 +4360,7 @@
               <a:buChar char="○"/>
               <a:defRPr sz="1200"/>
             </a:lvl8pPr>
-            <a:lvl9pPr indent="-304800" lvl="8" marL="4114800">
+            <a:lvl9pPr marL="4114800" lvl="8" indent="-304800">
               <a:spcBef>
                 <a:spcPts val="0"/>
               </a:spcBef>
@@ -4206,15 +4372,19 @@
               <a:defRPr sz="1200"/>
             </a:lvl9pPr>
           </a:lstStyle>
-          <a:p/>
+          <a:p>
+            <a:endParaRPr/>
+          </a:p>
         </p:txBody>
       </p:sp>
       <p:sp>
         <p:nvSpPr>
           <p:cNvPr id="24" name="Google Shape;24;p5"/>
-          <p:cNvSpPr txBox="1"/>
+          <p:cNvSpPr txBox="1">
+            <a:spLocks noGrp="1"/>
+          </p:cNvSpPr>
           <p:nvPr>
-            <p:ph idx="12" type="sldNum"/>
+            <p:ph type="sldNum" idx="12"/>
           </p:nvPr>
         </p:nvSpPr>
         <p:spPr>
@@ -4227,7 +4397,7 @@
           </a:prstGeom>
         </p:spPr>
         <p:txBody>
-          <a:bodyPr anchorCtr="0" anchor="ctr" bIns="91425" lIns="91425" spcFirstLastPara="1" rIns="91425" wrap="square" tIns="91425">
+          <a:bodyPr spcFirstLastPara="1" wrap="square" lIns="91425" tIns="91425" rIns="91425" bIns="91425" anchor="ctr" anchorCtr="0">
             <a:normAutofit/>
           </a:bodyPr>
           <a:lstStyle>
@@ -4269,7 +4439,7 @@
             </a:lvl9pPr>
           </a:lstStyle>
           <a:p>
-            <a:pPr indent="0" lvl="0" marL="0" rtl="0" algn="r">
+            <a:pPr marL="0" lvl="0" indent="0" algn="r" rtl="0">
               <a:spcBef>
                 <a:spcPts val="0"/>
               </a:spcBef>
@@ -4295,11 +4465,11 @@
 </file>
 
 <file path=ppt/slideLayouts/slideLayout5.xml><?xml version="1.0" encoding="utf-8"?>
-<p:sldLayout xmlns:a="http://schemas.openxmlformats.org/drawingml/2006/main" xmlns:r="http://schemas.openxmlformats.org/officeDocument/2006/relationships" xmlns:mc="http://schemas.openxmlformats.org/markup-compatibility/2006" xmlns:mv="urn:schemas-microsoft-com:mac:vml" xmlns:p="http://schemas.openxmlformats.org/presentationml/2006/main" xmlns:c="http://schemas.openxmlformats.org/drawingml/2006/chart" xmlns:dgm="http://schemas.openxmlformats.org/drawingml/2006/diagram" xmlns:o="urn:schemas-microsoft-com:office:office" xmlns:v="urn:schemas-microsoft-com:vml" xmlns:pvml="urn:schemas-microsoft-com:office:powerpoint" xmlns:com="http://schemas.openxmlformats.org/drawingml/2006/compatibility" xmlns:p14="http://schemas.microsoft.com/office/powerpoint/2010/main" xmlns:p15="http://schemas.microsoft.com/office/powerpoint/2012/main" xmlns:ahyp="http://schemas.microsoft.com/office/drawing/2018/hyperlinkcolor" matchingName="Title only" type="titleOnly">
+<p:sldLayout xmlns:a="http://schemas.openxmlformats.org/drawingml/2006/main" xmlns:r="http://schemas.openxmlformats.org/officeDocument/2006/relationships" xmlns:p="http://schemas.openxmlformats.org/presentationml/2006/main" matchingName="Title only" type="titleOnly">
   <p:cSld name="TITLE_ONLY">
     <p:spTree>
       <p:nvGrpSpPr>
-        <p:cNvPr id="25" name="Shape 25"/>
+        <p:cNvPr id="1" name="Shape 25"/>
         <p:cNvGrpSpPr/>
         <p:nvPr/>
       </p:nvGrpSpPr>
@@ -4314,7 +4484,9 @@
       <p:sp>
         <p:nvSpPr>
           <p:cNvPr id="26" name="Google Shape;26;p6"/>
-          <p:cNvSpPr txBox="1"/>
+          <p:cNvSpPr txBox="1">
+            <a:spLocks noGrp="1"/>
+          </p:cNvSpPr>
           <p:nvPr>
             <p:ph type="title"/>
           </p:nvPr>
@@ -4329,7 +4501,7 @@
           </a:prstGeom>
         </p:spPr>
         <p:txBody>
-          <a:bodyPr anchorCtr="0" anchor="t" bIns="91425" lIns="91425" spcFirstLastPara="1" rIns="91425" wrap="square" tIns="91425">
+          <a:bodyPr spcFirstLastPara="1" wrap="square" lIns="91425" tIns="91425" rIns="91425" bIns="91425" anchor="t" anchorCtr="0">
             <a:normAutofit/>
           </a:bodyPr>
           <a:lstStyle>
@@ -4433,15 +4605,19 @@
               <a:defRPr/>
             </a:lvl9pPr>
           </a:lstStyle>
-          <a:p/>
+          <a:p>
+            <a:endParaRPr/>
+          </a:p>
         </p:txBody>
       </p:sp>
       <p:sp>
         <p:nvSpPr>
           <p:cNvPr id="27" name="Google Shape;27;p6"/>
-          <p:cNvSpPr txBox="1"/>
+          <p:cNvSpPr txBox="1">
+            <a:spLocks noGrp="1"/>
+          </p:cNvSpPr>
           <p:nvPr>
-            <p:ph idx="12" type="sldNum"/>
+            <p:ph type="sldNum" idx="12"/>
           </p:nvPr>
         </p:nvSpPr>
         <p:spPr>
@@ -4454,7 +4630,7 @@
           </a:prstGeom>
         </p:spPr>
         <p:txBody>
-          <a:bodyPr anchorCtr="0" anchor="ctr" bIns="91425" lIns="91425" spcFirstLastPara="1" rIns="91425" wrap="square" tIns="91425">
+          <a:bodyPr spcFirstLastPara="1" wrap="square" lIns="91425" tIns="91425" rIns="91425" bIns="91425" anchor="ctr" anchorCtr="0">
             <a:normAutofit/>
           </a:bodyPr>
           <a:lstStyle>
@@ -4496,7 +4672,7 @@
             </a:lvl9pPr>
           </a:lstStyle>
           <a:p>
-            <a:pPr indent="0" lvl="0" marL="0" rtl="0" algn="r">
+            <a:pPr marL="0" lvl="0" indent="0" algn="r" rtl="0">
               <a:spcBef>
                 <a:spcPts val="0"/>
               </a:spcBef>
@@ -4522,11 +4698,11 @@
 </file>
 
 <file path=ppt/slideLayouts/slideLayout6.xml><?xml version="1.0" encoding="utf-8"?>
-<p:sldLayout xmlns:a="http://schemas.openxmlformats.org/drawingml/2006/main" xmlns:r="http://schemas.openxmlformats.org/officeDocument/2006/relationships" xmlns:mc="http://schemas.openxmlformats.org/markup-compatibility/2006" xmlns:mv="urn:schemas-microsoft-com:mac:vml" xmlns:p="http://schemas.openxmlformats.org/presentationml/2006/main" xmlns:c="http://schemas.openxmlformats.org/drawingml/2006/chart" xmlns:dgm="http://schemas.openxmlformats.org/drawingml/2006/diagram" xmlns:o="urn:schemas-microsoft-com:office:office" xmlns:v="urn:schemas-microsoft-com:vml" xmlns:pvml="urn:schemas-microsoft-com:office:powerpoint" xmlns:com="http://schemas.openxmlformats.org/drawingml/2006/compatibility" xmlns:p14="http://schemas.microsoft.com/office/powerpoint/2010/main" xmlns:p15="http://schemas.microsoft.com/office/powerpoint/2012/main" xmlns:ahyp="http://schemas.microsoft.com/office/drawing/2018/hyperlinkcolor" matchingName="One column text">
+<p:sldLayout xmlns:a="http://schemas.openxmlformats.org/drawingml/2006/main" xmlns:r="http://schemas.openxmlformats.org/officeDocument/2006/relationships" xmlns:p="http://schemas.openxmlformats.org/presentationml/2006/main" matchingName="One column text">
   <p:cSld name="ONE_COLUMN_TEXT">
     <p:spTree>
       <p:nvGrpSpPr>
-        <p:cNvPr id="28" name="Shape 28"/>
+        <p:cNvPr id="1" name="Shape 28"/>
         <p:cNvGrpSpPr/>
         <p:nvPr/>
       </p:nvGrpSpPr>
@@ -4541,7 +4717,9 @@
       <p:sp>
         <p:nvSpPr>
           <p:cNvPr id="29" name="Google Shape;29;p7"/>
-          <p:cNvSpPr txBox="1"/>
+          <p:cNvSpPr txBox="1">
+            <a:spLocks noGrp="1"/>
+          </p:cNvSpPr>
           <p:nvPr>
             <p:ph type="title"/>
           </p:nvPr>
@@ -4556,7 +4734,7 @@
           </a:prstGeom>
         </p:spPr>
         <p:txBody>
-          <a:bodyPr anchorCtr="0" anchor="b" bIns="91425" lIns="91425" spcFirstLastPara="1" rIns="91425" wrap="square" tIns="91425">
+          <a:bodyPr spcFirstLastPara="1" wrap="square" lIns="91425" tIns="91425" rIns="91425" bIns="91425" anchor="b" anchorCtr="0">
             <a:normAutofit/>
           </a:bodyPr>
           <a:lstStyle>
@@ -4660,15 +4838,19 @@
               <a:defRPr sz="2400"/>
             </a:lvl9pPr>
           </a:lstStyle>
-          <a:p/>
+          <a:p>
+            <a:endParaRPr/>
+          </a:p>
         </p:txBody>
       </p:sp>
       <p:sp>
         <p:nvSpPr>
           <p:cNvPr id="30" name="Google Shape;30;p7"/>
-          <p:cNvSpPr txBox="1"/>
+          <p:cNvSpPr txBox="1">
+            <a:spLocks noGrp="1"/>
+          </p:cNvSpPr>
           <p:nvPr>
-            <p:ph idx="1" type="body"/>
+            <p:ph type="body" idx="1"/>
           </p:nvPr>
         </p:nvSpPr>
         <p:spPr>
@@ -4681,11 +4863,11 @@
           </a:prstGeom>
         </p:spPr>
         <p:txBody>
-          <a:bodyPr anchorCtr="0" anchor="t" bIns="91425" lIns="91425" spcFirstLastPara="1" rIns="91425" wrap="square" tIns="91425">
+          <a:bodyPr spcFirstLastPara="1" wrap="square" lIns="91425" tIns="91425" rIns="91425" bIns="91425" anchor="t" anchorCtr="0">
             <a:normAutofit/>
           </a:bodyPr>
           <a:lstStyle>
-            <a:lvl1pPr indent="-304800" lvl="0" marL="457200">
+            <a:lvl1pPr marL="457200" lvl="0" indent="-304800">
               <a:spcBef>
                 <a:spcPts val="0"/>
               </a:spcBef>
@@ -4696,7 +4878,7 @@
               <a:buChar char="●"/>
               <a:defRPr sz="1200"/>
             </a:lvl1pPr>
-            <a:lvl2pPr indent="-304800" lvl="1" marL="914400">
+            <a:lvl2pPr marL="914400" lvl="1" indent="-304800">
               <a:spcBef>
                 <a:spcPts val="0"/>
               </a:spcBef>
@@ -4707,7 +4889,7 @@
               <a:buChar char="○"/>
               <a:defRPr sz="1200"/>
             </a:lvl2pPr>
-            <a:lvl3pPr indent="-304800" lvl="2" marL="1371600">
+            <a:lvl3pPr marL="1371600" lvl="2" indent="-304800">
               <a:spcBef>
                 <a:spcPts val="0"/>
               </a:spcBef>
@@ -4718,7 +4900,7 @@
               <a:buChar char="■"/>
               <a:defRPr sz="1200"/>
             </a:lvl3pPr>
-            <a:lvl4pPr indent="-304800" lvl="3" marL="1828800">
+            <a:lvl4pPr marL="1828800" lvl="3" indent="-304800">
               <a:spcBef>
                 <a:spcPts val="0"/>
               </a:spcBef>
@@ -4729,7 +4911,7 @@
               <a:buChar char="●"/>
               <a:defRPr sz="1200"/>
             </a:lvl4pPr>
-            <a:lvl5pPr indent="-304800" lvl="4" marL="2286000">
+            <a:lvl5pPr marL="2286000" lvl="4" indent="-304800">
               <a:spcBef>
                 <a:spcPts val="0"/>
               </a:spcBef>
@@ -4740,7 +4922,7 @@
               <a:buChar char="○"/>
               <a:defRPr sz="1200"/>
             </a:lvl5pPr>
-            <a:lvl6pPr indent="-304800" lvl="5" marL="2743200">
+            <a:lvl6pPr marL="2743200" lvl="5" indent="-304800">
               <a:spcBef>
                 <a:spcPts val="0"/>
               </a:spcBef>
@@ -4751,7 +4933,7 @@
               <a:buChar char="■"/>
               <a:defRPr sz="1200"/>
             </a:lvl6pPr>
-            <a:lvl7pPr indent="-304800" lvl="6" marL="3200400">
+            <a:lvl7pPr marL="3200400" lvl="6" indent="-304800">
               <a:spcBef>
                 <a:spcPts val="0"/>
               </a:spcBef>
@@ -4762,7 +4944,7 @@
               <a:buChar char="●"/>
               <a:defRPr sz="1200"/>
             </a:lvl7pPr>
-            <a:lvl8pPr indent="-304800" lvl="7" marL="3657600">
+            <a:lvl8pPr marL="3657600" lvl="7" indent="-304800">
               <a:spcBef>
                 <a:spcPts val="0"/>
               </a:spcBef>
@@ -4773,7 +4955,7 @@
               <a:buChar char="○"/>
               <a:defRPr sz="1200"/>
             </a:lvl8pPr>
-            <a:lvl9pPr indent="-304800" lvl="8" marL="4114800">
+            <a:lvl9pPr marL="4114800" lvl="8" indent="-304800">
               <a:spcBef>
                 <a:spcPts val="0"/>
               </a:spcBef>
@@ -4785,15 +4967,19 @@
               <a:defRPr sz="1200"/>
             </a:lvl9pPr>
           </a:lstStyle>
-          <a:p/>
+          <a:p>
+            <a:endParaRPr/>
+          </a:p>
         </p:txBody>
       </p:sp>
       <p:sp>
         <p:nvSpPr>
           <p:cNvPr id="31" name="Google Shape;31;p7"/>
-          <p:cNvSpPr txBox="1"/>
+          <p:cNvSpPr txBox="1">
+            <a:spLocks noGrp="1"/>
+          </p:cNvSpPr>
           <p:nvPr>
-            <p:ph idx="12" type="sldNum"/>
+            <p:ph type="sldNum" idx="12"/>
           </p:nvPr>
         </p:nvSpPr>
         <p:spPr>
@@ -4806,7 +4992,7 @@
           </a:prstGeom>
         </p:spPr>
         <p:txBody>
-          <a:bodyPr anchorCtr="0" anchor="ctr" bIns="91425" lIns="91425" spcFirstLastPara="1" rIns="91425" wrap="square" tIns="91425">
+          <a:bodyPr spcFirstLastPara="1" wrap="square" lIns="91425" tIns="91425" rIns="91425" bIns="91425" anchor="ctr" anchorCtr="0">
             <a:normAutofit/>
           </a:bodyPr>
           <a:lstStyle>
@@ -4848,7 +5034,7 @@
             </a:lvl9pPr>
           </a:lstStyle>
           <a:p>
-            <a:pPr indent="0" lvl="0" marL="0" rtl="0" algn="r">
+            <a:pPr marL="0" lvl="0" indent="0" algn="r" rtl="0">
               <a:spcBef>
                 <a:spcPts val="0"/>
               </a:spcBef>
@@ -4874,11 +5060,11 @@
 </file>
 
 <file path=ppt/slideLayouts/slideLayout7.xml><?xml version="1.0" encoding="utf-8"?>
-<p:sldLayout xmlns:a="http://schemas.openxmlformats.org/drawingml/2006/main" xmlns:r="http://schemas.openxmlformats.org/officeDocument/2006/relationships" xmlns:mc="http://schemas.openxmlformats.org/markup-compatibility/2006" xmlns:mv="urn:schemas-microsoft-com:mac:vml" xmlns:p="http://schemas.openxmlformats.org/presentationml/2006/main" xmlns:c="http://schemas.openxmlformats.org/drawingml/2006/chart" xmlns:dgm="http://schemas.openxmlformats.org/drawingml/2006/diagram" xmlns:o="urn:schemas-microsoft-com:office:office" xmlns:v="urn:schemas-microsoft-com:vml" xmlns:pvml="urn:schemas-microsoft-com:office:powerpoint" xmlns:com="http://schemas.openxmlformats.org/drawingml/2006/compatibility" xmlns:p14="http://schemas.microsoft.com/office/powerpoint/2010/main" xmlns:p15="http://schemas.microsoft.com/office/powerpoint/2012/main" xmlns:ahyp="http://schemas.microsoft.com/office/drawing/2018/hyperlinkcolor" matchingName="Main point">
+<p:sldLayout xmlns:a="http://schemas.openxmlformats.org/drawingml/2006/main" xmlns:r="http://schemas.openxmlformats.org/officeDocument/2006/relationships" xmlns:p="http://schemas.openxmlformats.org/presentationml/2006/main" matchingName="Main point">
   <p:cSld name="MAIN_POINT">
     <p:spTree>
       <p:nvGrpSpPr>
-        <p:cNvPr id="32" name="Shape 32"/>
+        <p:cNvPr id="1" name="Shape 32"/>
         <p:cNvGrpSpPr/>
         <p:nvPr/>
       </p:nvGrpSpPr>
@@ -4893,7 +5079,9 @@
       <p:sp>
         <p:nvSpPr>
           <p:cNvPr id="33" name="Google Shape;33;p8"/>
-          <p:cNvSpPr txBox="1"/>
+          <p:cNvSpPr txBox="1">
+            <a:spLocks noGrp="1"/>
+          </p:cNvSpPr>
           <p:nvPr>
             <p:ph type="title"/>
           </p:nvPr>
@@ -4908,7 +5096,7 @@
           </a:prstGeom>
         </p:spPr>
         <p:txBody>
-          <a:bodyPr anchorCtr="0" anchor="ctr" bIns="91425" lIns="91425" spcFirstLastPara="1" rIns="91425" wrap="square" tIns="91425">
+          <a:bodyPr spcFirstLastPara="1" wrap="square" lIns="91425" tIns="91425" rIns="91425" bIns="91425" anchor="ctr" anchorCtr="0">
             <a:normAutofit/>
           </a:bodyPr>
           <a:lstStyle>
@@ -5012,15 +5200,19 @@
               <a:defRPr sz="4800"/>
             </a:lvl9pPr>
           </a:lstStyle>
-          <a:p/>
+          <a:p>
+            <a:endParaRPr/>
+          </a:p>
         </p:txBody>
       </p:sp>
       <p:sp>
         <p:nvSpPr>
           <p:cNvPr id="34" name="Google Shape;34;p8"/>
-          <p:cNvSpPr txBox="1"/>
+          <p:cNvSpPr txBox="1">
+            <a:spLocks noGrp="1"/>
+          </p:cNvSpPr>
           <p:nvPr>
-            <p:ph idx="12" type="sldNum"/>
+            <p:ph type="sldNum" idx="12"/>
           </p:nvPr>
         </p:nvSpPr>
         <p:spPr>
@@ -5033,7 +5225,7 @@
           </a:prstGeom>
         </p:spPr>
         <p:txBody>
-          <a:bodyPr anchorCtr="0" anchor="ctr" bIns="91425" lIns="91425" spcFirstLastPara="1" rIns="91425" wrap="square" tIns="91425">
+          <a:bodyPr spcFirstLastPara="1" wrap="square" lIns="91425" tIns="91425" rIns="91425" bIns="91425" anchor="ctr" anchorCtr="0">
             <a:normAutofit/>
           </a:bodyPr>
           <a:lstStyle>
@@ -5075,7 +5267,7 @@
             </a:lvl9pPr>
           </a:lstStyle>
           <a:p>
-            <a:pPr indent="0" lvl="0" marL="0" rtl="0" algn="r">
+            <a:pPr marL="0" lvl="0" indent="0" algn="r" rtl="0">
               <a:spcBef>
                 <a:spcPts val="0"/>
               </a:spcBef>
@@ -5101,11 +5293,11 @@
 </file>
 
 <file path=ppt/slideLayouts/slideLayout8.xml><?xml version="1.0" encoding="utf-8"?>
-<p:sldLayout xmlns:a="http://schemas.openxmlformats.org/drawingml/2006/main" xmlns:r="http://schemas.openxmlformats.org/officeDocument/2006/relationships" xmlns:mc="http://schemas.openxmlformats.org/markup-compatibility/2006" xmlns:mv="urn:schemas-microsoft-com:mac:vml" xmlns:p="http://schemas.openxmlformats.org/presentationml/2006/main" xmlns:c="http://schemas.openxmlformats.org/drawingml/2006/chart" xmlns:dgm="http://schemas.openxmlformats.org/drawingml/2006/diagram" xmlns:o="urn:schemas-microsoft-com:office:office" xmlns:v="urn:schemas-microsoft-com:vml" xmlns:pvml="urn:schemas-microsoft-com:office:powerpoint" xmlns:com="http://schemas.openxmlformats.org/drawingml/2006/compatibility" xmlns:p14="http://schemas.microsoft.com/office/powerpoint/2010/main" xmlns:p15="http://schemas.microsoft.com/office/powerpoint/2012/main" xmlns:ahyp="http://schemas.microsoft.com/office/drawing/2018/hyperlinkcolor" matchingName="Section title and description">
+<p:sldLayout xmlns:a="http://schemas.openxmlformats.org/drawingml/2006/main" xmlns:r="http://schemas.openxmlformats.org/officeDocument/2006/relationships" xmlns:p="http://schemas.openxmlformats.org/presentationml/2006/main" matchingName="Section title and description">
   <p:cSld name="SECTION_TITLE_AND_DESCRIPTION">
     <p:spTree>
       <p:nvGrpSpPr>
-        <p:cNvPr id="35" name="Shape 35"/>
+        <p:cNvPr id="1" name="Shape 35"/>
         <p:cNvGrpSpPr/>
         <p:nvPr/>
       </p:nvGrpSpPr>
@@ -5139,23 +5331,20 @@
           </a:ln>
         </p:spPr>
         <p:txBody>
-          <a:bodyPr anchorCtr="0" anchor="ctr" bIns="91425" lIns="91425" spcFirstLastPara="1" rIns="91425" wrap="square" tIns="91425">
+          <a:bodyPr spcFirstLastPara="1" wrap="square" lIns="91425" tIns="91425" rIns="91425" bIns="91425" anchor="ctr" anchorCtr="0">
             <a:noAutofit/>
           </a:bodyPr>
           <a:lstStyle/>
           <a:p>
-            <a:pPr indent="0" lvl="0" marL="0" rtl="0" algn="l">
-              <a:spcBef>
-                <a:spcPts val="0"/>
-              </a:spcBef>
-              <a:spcAft>
-                <a:spcPts val="0"/>
-              </a:spcAft>
-              <a:buNone/>
-            </a:pPr>
-            <a:r>
-              <a:t/>
-            </a:r>
+            <a:pPr marL="0" lvl="0" indent="0" algn="l" rtl="0">
+              <a:spcBef>
+                <a:spcPts val="0"/>
+              </a:spcBef>
+              <a:spcAft>
+                <a:spcPts val="0"/>
+              </a:spcAft>
+              <a:buNone/>
+            </a:pPr>
             <a:endParaRPr/>
           </a:p>
         </p:txBody>
@@ -5163,7 +5352,9 @@
       <p:sp>
         <p:nvSpPr>
           <p:cNvPr id="37" name="Google Shape;37;p9"/>
-          <p:cNvSpPr txBox="1"/>
+          <p:cNvSpPr txBox="1">
+            <a:spLocks noGrp="1"/>
+          </p:cNvSpPr>
           <p:nvPr>
             <p:ph type="title"/>
           </p:nvPr>
@@ -5178,7 +5369,7 @@
           </a:prstGeom>
         </p:spPr>
         <p:txBody>
-          <a:bodyPr anchorCtr="0" anchor="b" bIns="91425" lIns="91425" spcFirstLastPara="1" rIns="91425" wrap="square" tIns="91425">
+          <a:bodyPr spcFirstLastPara="1" wrap="square" lIns="91425" tIns="91425" rIns="91425" bIns="91425" anchor="b" anchorCtr="0">
             <a:normAutofit/>
           </a:bodyPr>
           <a:lstStyle>
@@ -5282,15 +5473,19 @@
               <a:defRPr sz="4200"/>
             </a:lvl9pPr>
           </a:lstStyle>
-          <a:p/>
+          <a:p>
+            <a:endParaRPr/>
+          </a:p>
         </p:txBody>
       </p:sp>
       <p:sp>
         <p:nvSpPr>
           <p:cNvPr id="38" name="Google Shape;38;p9"/>
-          <p:cNvSpPr txBox="1"/>
+          <p:cNvSpPr txBox="1">
+            <a:spLocks noGrp="1"/>
+          </p:cNvSpPr>
           <p:nvPr>
-            <p:ph idx="1" type="subTitle"/>
+            <p:ph type="subTitle" idx="1"/>
           </p:nvPr>
         </p:nvSpPr>
         <p:spPr>
@@ -5303,7 +5498,7 @@
           </a:prstGeom>
         </p:spPr>
         <p:txBody>
-          <a:bodyPr anchorCtr="0" anchor="t" bIns="91425" lIns="91425" spcFirstLastPara="1" rIns="91425" wrap="square" tIns="91425">
+          <a:bodyPr spcFirstLastPara="1" wrap="square" lIns="91425" tIns="91425" rIns="91425" bIns="91425" anchor="t" anchorCtr="0">
             <a:normAutofit/>
           </a:bodyPr>
           <a:lstStyle>
@@ -5434,15 +5629,19 @@
               <a:defRPr sz="2100"/>
             </a:lvl9pPr>
           </a:lstStyle>
-          <a:p/>
+          <a:p>
+            <a:endParaRPr/>
+          </a:p>
         </p:txBody>
       </p:sp>
       <p:sp>
         <p:nvSpPr>
           <p:cNvPr id="39" name="Google Shape;39;p9"/>
-          <p:cNvSpPr txBox="1"/>
+          <p:cNvSpPr txBox="1">
+            <a:spLocks noGrp="1"/>
+          </p:cNvSpPr>
           <p:nvPr>
-            <p:ph idx="2" type="body"/>
+            <p:ph type="body" idx="2"/>
           </p:nvPr>
         </p:nvSpPr>
         <p:spPr>
@@ -5455,11 +5654,11 @@
           </a:prstGeom>
         </p:spPr>
         <p:txBody>
-          <a:bodyPr anchorCtr="0" anchor="ctr" bIns="91425" lIns="91425" spcFirstLastPara="1" rIns="91425" wrap="square" tIns="91425">
+          <a:bodyPr spcFirstLastPara="1" wrap="square" lIns="91425" tIns="91425" rIns="91425" bIns="91425" anchor="ctr" anchorCtr="0">
             <a:normAutofit/>
           </a:bodyPr>
           <a:lstStyle>
-            <a:lvl1pPr indent="-342900" lvl="0" marL="457200">
+            <a:lvl1pPr marL="457200" lvl="0" indent="-342900">
               <a:spcBef>
                 <a:spcPts val="0"/>
               </a:spcBef>
@@ -5470,7 +5669,7 @@
               <a:buChar char="●"/>
               <a:defRPr/>
             </a:lvl1pPr>
-            <a:lvl2pPr indent="-317500" lvl="1" marL="914400">
+            <a:lvl2pPr marL="914400" lvl="1" indent="-317500">
               <a:spcBef>
                 <a:spcPts val="0"/>
               </a:spcBef>
@@ -5481,7 +5680,7 @@
               <a:buChar char="○"/>
               <a:defRPr/>
             </a:lvl2pPr>
-            <a:lvl3pPr indent="-317500" lvl="2" marL="1371600">
+            <a:lvl3pPr marL="1371600" lvl="2" indent="-317500">
               <a:spcBef>
                 <a:spcPts val="0"/>
               </a:spcBef>
@@ -5492,7 +5691,7 @@
               <a:buChar char="■"/>
               <a:defRPr/>
             </a:lvl3pPr>
-            <a:lvl4pPr indent="-317500" lvl="3" marL="1828800">
+            <a:lvl4pPr marL="1828800" lvl="3" indent="-317500">
               <a:spcBef>
                 <a:spcPts val="0"/>
               </a:spcBef>
@@ -5503,7 +5702,7 @@
               <a:buChar char="●"/>
               <a:defRPr/>
             </a:lvl4pPr>
-            <a:lvl5pPr indent="-317500" lvl="4" marL="2286000">
+            <a:lvl5pPr marL="2286000" lvl="4" indent="-317500">
               <a:spcBef>
                 <a:spcPts val="0"/>
               </a:spcBef>
@@ -5514,7 +5713,7 @@
               <a:buChar char="○"/>
               <a:defRPr/>
             </a:lvl5pPr>
-            <a:lvl6pPr indent="-317500" lvl="5" marL="2743200">
+            <a:lvl6pPr marL="2743200" lvl="5" indent="-317500">
               <a:spcBef>
                 <a:spcPts val="0"/>
               </a:spcBef>
@@ -5525,7 +5724,7 @@
               <a:buChar char="■"/>
               <a:defRPr/>
             </a:lvl6pPr>
-            <a:lvl7pPr indent="-317500" lvl="6" marL="3200400">
+            <a:lvl7pPr marL="3200400" lvl="6" indent="-317500">
               <a:spcBef>
                 <a:spcPts val="0"/>
               </a:spcBef>
@@ -5536,7 +5735,7 @@
               <a:buChar char="●"/>
               <a:defRPr/>
             </a:lvl7pPr>
-            <a:lvl8pPr indent="-317500" lvl="7" marL="3657600">
+            <a:lvl8pPr marL="3657600" lvl="7" indent="-317500">
               <a:spcBef>
                 <a:spcPts val="0"/>
               </a:spcBef>
@@ -5547,7 +5746,7 @@
               <a:buChar char="○"/>
               <a:defRPr/>
             </a:lvl8pPr>
-            <a:lvl9pPr indent="-317500" lvl="8" marL="4114800">
+            <a:lvl9pPr marL="4114800" lvl="8" indent="-317500">
               <a:spcBef>
                 <a:spcPts val="0"/>
               </a:spcBef>
@@ -5559,15 +5758,19 @@
               <a:defRPr/>
             </a:lvl9pPr>
           </a:lstStyle>
-          <a:p/>
+          <a:p>
+            <a:endParaRPr/>
+          </a:p>
         </p:txBody>
       </p:sp>
       <p:sp>
         <p:nvSpPr>
           <p:cNvPr id="40" name="Google Shape;40;p9"/>
-          <p:cNvSpPr txBox="1"/>
+          <p:cNvSpPr txBox="1">
+            <a:spLocks noGrp="1"/>
+          </p:cNvSpPr>
           <p:nvPr>
-            <p:ph idx="12" type="sldNum"/>
+            <p:ph type="sldNum" idx="12"/>
           </p:nvPr>
         </p:nvSpPr>
         <p:spPr>
@@ -5580,7 +5783,7 @@
           </a:prstGeom>
         </p:spPr>
         <p:txBody>
-          <a:bodyPr anchorCtr="0" anchor="ctr" bIns="91425" lIns="91425" spcFirstLastPara="1" rIns="91425" wrap="square" tIns="91425">
+          <a:bodyPr spcFirstLastPara="1" wrap="square" lIns="91425" tIns="91425" rIns="91425" bIns="91425" anchor="ctr" anchorCtr="0">
             <a:normAutofit/>
           </a:bodyPr>
           <a:lstStyle>
@@ -5622,7 +5825,7 @@
             </a:lvl9pPr>
           </a:lstStyle>
           <a:p>
-            <a:pPr indent="0" lvl="0" marL="0" rtl="0" algn="r">
+            <a:pPr marL="0" lvl="0" indent="0" algn="r" rtl="0">
               <a:spcBef>
                 <a:spcPts val="0"/>
               </a:spcBef>
@@ -5648,11 +5851,11 @@
 </file>
 
 <file path=ppt/slideLayouts/slideLayout9.xml><?xml version="1.0" encoding="utf-8"?>
-<p:sldLayout xmlns:a="http://schemas.openxmlformats.org/drawingml/2006/main" xmlns:r="http://schemas.openxmlformats.org/officeDocument/2006/relationships" xmlns:mc="http://schemas.openxmlformats.org/markup-compatibility/2006" xmlns:mv="urn:schemas-microsoft-com:mac:vml" xmlns:p="http://schemas.openxmlformats.org/presentationml/2006/main" xmlns:c="http://schemas.openxmlformats.org/drawingml/2006/chart" xmlns:dgm="http://schemas.openxmlformats.org/drawingml/2006/diagram" xmlns:o="urn:schemas-microsoft-com:office:office" xmlns:v="urn:schemas-microsoft-com:vml" xmlns:pvml="urn:schemas-microsoft-com:office:powerpoint" xmlns:com="http://schemas.openxmlformats.org/drawingml/2006/compatibility" xmlns:p14="http://schemas.microsoft.com/office/powerpoint/2010/main" xmlns:p15="http://schemas.microsoft.com/office/powerpoint/2012/main" xmlns:ahyp="http://schemas.microsoft.com/office/drawing/2018/hyperlinkcolor" matchingName="Caption">
+<p:sldLayout xmlns:a="http://schemas.openxmlformats.org/drawingml/2006/main" xmlns:r="http://schemas.openxmlformats.org/officeDocument/2006/relationships" xmlns:p="http://schemas.openxmlformats.org/presentationml/2006/main" matchingName="Caption">
   <p:cSld name="CAPTION_ONLY">
     <p:spTree>
       <p:nvGrpSpPr>
-        <p:cNvPr id="41" name="Shape 41"/>
+        <p:cNvPr id="1" name="Shape 41"/>
         <p:cNvGrpSpPr/>
         <p:nvPr/>
       </p:nvGrpSpPr>
@@ -5667,9 +5870,11 @@
       <p:sp>
         <p:nvSpPr>
           <p:cNvPr id="42" name="Google Shape;42;p10"/>
-          <p:cNvSpPr txBox="1"/>
+          <p:cNvSpPr txBox="1">
+            <a:spLocks noGrp="1"/>
+          </p:cNvSpPr>
           <p:nvPr>
-            <p:ph idx="1" type="body"/>
+            <p:ph type="body" idx="1"/>
           </p:nvPr>
         </p:nvSpPr>
         <p:spPr>
@@ -5682,11 +5887,11 @@
           </a:prstGeom>
         </p:spPr>
         <p:txBody>
-          <a:bodyPr anchorCtr="0" anchor="ctr" bIns="91425" lIns="91425" spcFirstLastPara="1" rIns="91425" wrap="square" tIns="91425">
+          <a:bodyPr spcFirstLastPara="1" wrap="square" lIns="91425" tIns="91425" rIns="91425" bIns="91425" anchor="ctr" anchorCtr="0">
             <a:normAutofit/>
           </a:bodyPr>
           <a:lstStyle>
-            <a:lvl1pPr indent="-228600" lvl="0" marL="457200">
+            <a:lvl1pPr marL="457200" lvl="0" indent="-228600">
               <a:lnSpc>
                 <a:spcPct val="100000"/>
               </a:lnSpc>
@@ -5701,15 +5906,19 @@
               <a:defRPr/>
             </a:lvl1pPr>
           </a:lstStyle>
-          <a:p/>
+          <a:p>
+            <a:endParaRPr/>
+          </a:p>
         </p:txBody>
       </p:sp>
       <p:sp>
         <p:nvSpPr>
           <p:cNvPr id="43" name="Google Shape;43;p10"/>
-          <p:cNvSpPr txBox="1"/>
+          <p:cNvSpPr txBox="1">
+            <a:spLocks noGrp="1"/>
+          </p:cNvSpPr>
           <p:nvPr>
-            <p:ph idx="12" type="sldNum"/>
+            <p:ph type="sldNum" idx="12"/>
           </p:nvPr>
         </p:nvSpPr>
         <p:spPr>
@@ -5722,7 +5931,7 @@
           </a:prstGeom>
         </p:spPr>
         <p:txBody>
-          <a:bodyPr anchorCtr="0" anchor="ctr" bIns="91425" lIns="91425" spcFirstLastPara="1" rIns="91425" wrap="square" tIns="91425">
+          <a:bodyPr spcFirstLastPara="1" wrap="square" lIns="91425" tIns="91425" rIns="91425" bIns="91425" anchor="ctr" anchorCtr="0">
             <a:normAutofit/>
           </a:bodyPr>
           <a:lstStyle>
@@ -5764,7 +5973,7 @@
             </a:lvl9pPr>
           </a:lstStyle>
           <a:p>
-            <a:pPr indent="0" lvl="0" marL="0" rtl="0" algn="r">
+            <a:pPr marL="0" lvl="0" indent="0" algn="r" rtl="0">
               <a:spcBef>
                 <a:spcPts val="0"/>
               </a:spcBef>
@@ -5790,18 +5999,19 @@
 </file>
 
 <file path=ppt/slideMasters/slideMaster1.xml><?xml version="1.0" encoding="utf-8"?>
-<p:sldMaster xmlns:a="http://schemas.openxmlformats.org/drawingml/2006/main" xmlns:r="http://schemas.openxmlformats.org/officeDocument/2006/relationships" xmlns:mc="http://schemas.openxmlformats.org/markup-compatibility/2006" xmlns:mv="urn:schemas-microsoft-com:mac:vml" xmlns:p="http://schemas.openxmlformats.org/presentationml/2006/main" xmlns:c="http://schemas.openxmlformats.org/drawingml/2006/chart" xmlns:dgm="http://schemas.openxmlformats.org/drawingml/2006/diagram" xmlns:o="urn:schemas-microsoft-com:office:office" xmlns:v="urn:schemas-microsoft-com:vml" xmlns:pvml="urn:schemas-microsoft-com:office:powerpoint" xmlns:com="http://schemas.openxmlformats.org/drawingml/2006/compatibility" xmlns:p14="http://schemas.microsoft.com/office/powerpoint/2010/main" xmlns:p15="http://schemas.microsoft.com/office/powerpoint/2012/main" xmlns:ahyp="http://schemas.microsoft.com/office/drawing/2018/hyperlinkcolor">
+<p:sldMaster xmlns:a="http://schemas.openxmlformats.org/drawingml/2006/main" xmlns:r="http://schemas.openxmlformats.org/officeDocument/2006/relationships" xmlns:p="http://schemas.openxmlformats.org/presentationml/2006/main">
   <p:cSld name="simple-light-2">
     <p:bg>
       <p:bgPr>
         <a:solidFill>
           <a:schemeClr val="lt1"/>
         </a:solidFill>
+        <a:effectLst/>
       </p:bgPr>
     </p:bg>
     <p:spTree>
       <p:nvGrpSpPr>
-        <p:cNvPr id="5" name="Shape 5"/>
+        <p:cNvPr id="1" name="Shape 5"/>
         <p:cNvGrpSpPr/>
         <p:nvPr/>
       </p:nvGrpSpPr>
@@ -5816,7 +6026,9 @@
       <p:sp>
         <p:nvSpPr>
           <p:cNvPr id="6" name="Google Shape;6;p1"/>
-          <p:cNvSpPr txBox="1"/>
+          <p:cNvSpPr txBox="1">
+            <a:spLocks noGrp="1"/>
+          </p:cNvSpPr>
           <p:nvPr>
             <p:ph type="title"/>
           </p:nvPr>
@@ -5835,7 +6047,7 @@
           </a:ln>
         </p:spPr>
         <p:txBody>
-          <a:bodyPr anchorCtr="0" anchor="t" bIns="91425" lIns="91425" spcFirstLastPara="1" rIns="91425" wrap="square" tIns="91425">
+          <a:bodyPr spcFirstLastPara="1" wrap="square" lIns="91425" tIns="91425" rIns="91425" bIns="91425" anchor="t" anchorCtr="0">
             <a:normAutofit/>
           </a:bodyPr>
           <a:lstStyle>
@@ -6002,15 +6214,19 @@
               </a:defRPr>
             </a:lvl9pPr>
           </a:lstStyle>
-          <a:p/>
+          <a:p>
+            <a:endParaRPr/>
+          </a:p>
         </p:txBody>
       </p:sp>
       <p:sp>
         <p:nvSpPr>
           <p:cNvPr id="7" name="Google Shape;7;p1"/>
-          <p:cNvSpPr txBox="1"/>
+          <p:cNvSpPr txBox="1">
+            <a:spLocks noGrp="1"/>
+          </p:cNvSpPr>
           <p:nvPr>
-            <p:ph idx="1" type="body"/>
+            <p:ph type="body" idx="1"/>
           </p:nvPr>
         </p:nvSpPr>
         <p:spPr>
@@ -6027,11 +6243,11 @@
           </a:ln>
         </p:spPr>
         <p:txBody>
-          <a:bodyPr anchorCtr="0" anchor="t" bIns="91425" lIns="91425" spcFirstLastPara="1" rIns="91425" wrap="square" tIns="91425">
+          <a:bodyPr spcFirstLastPara="1" wrap="square" lIns="91425" tIns="91425" rIns="91425" bIns="91425" anchor="t" anchorCtr="0">
             <a:normAutofit/>
           </a:bodyPr>
           <a:lstStyle>
-            <a:lvl1pPr indent="-342900" lvl="0" marL="457200">
+            <a:lvl1pPr marL="457200" lvl="0" indent="-342900">
               <a:lnSpc>
                 <a:spcPct val="115000"/>
               </a:lnSpc>
@@ -6052,7 +6268,7 @@
                 </a:solidFill>
               </a:defRPr>
             </a:lvl1pPr>
-            <a:lvl2pPr indent="-317500" lvl="1" marL="914400">
+            <a:lvl2pPr marL="914400" lvl="1" indent="-317500">
               <a:lnSpc>
                 <a:spcPct val="115000"/>
               </a:lnSpc>
@@ -6073,7 +6289,7 @@
                 </a:solidFill>
               </a:defRPr>
             </a:lvl2pPr>
-            <a:lvl3pPr indent="-317500" lvl="2" marL="1371600">
+            <a:lvl3pPr marL="1371600" lvl="2" indent="-317500">
               <a:lnSpc>
                 <a:spcPct val="115000"/>
               </a:lnSpc>
@@ -6094,7 +6310,7 @@
                 </a:solidFill>
               </a:defRPr>
             </a:lvl3pPr>
-            <a:lvl4pPr indent="-317500" lvl="3" marL="1828800">
+            <a:lvl4pPr marL="1828800" lvl="3" indent="-317500">
               <a:lnSpc>
                 <a:spcPct val="115000"/>
               </a:lnSpc>
@@ -6115,7 +6331,7 @@
                 </a:solidFill>
               </a:defRPr>
             </a:lvl4pPr>
-            <a:lvl5pPr indent="-317500" lvl="4" marL="2286000">
+            <a:lvl5pPr marL="2286000" lvl="4" indent="-317500">
               <a:lnSpc>
                 <a:spcPct val="115000"/>
               </a:lnSpc>
@@ -6136,7 +6352,7 @@
                 </a:solidFill>
               </a:defRPr>
             </a:lvl5pPr>
-            <a:lvl6pPr indent="-317500" lvl="5" marL="2743200">
+            <a:lvl6pPr marL="2743200" lvl="5" indent="-317500">
               <a:lnSpc>
                 <a:spcPct val="115000"/>
               </a:lnSpc>
@@ -6157,7 +6373,7 @@
                 </a:solidFill>
               </a:defRPr>
             </a:lvl6pPr>
-            <a:lvl7pPr indent="-317500" lvl="6" marL="3200400">
+            <a:lvl7pPr marL="3200400" lvl="6" indent="-317500">
               <a:lnSpc>
                 <a:spcPct val="115000"/>
               </a:lnSpc>
@@ -6178,7 +6394,7 @@
                 </a:solidFill>
               </a:defRPr>
             </a:lvl7pPr>
-            <a:lvl8pPr indent="-317500" lvl="7" marL="3657600">
+            <a:lvl8pPr marL="3657600" lvl="7" indent="-317500">
               <a:lnSpc>
                 <a:spcPct val="115000"/>
               </a:lnSpc>
@@ -6199,7 +6415,7 @@
                 </a:solidFill>
               </a:defRPr>
             </a:lvl8pPr>
-            <a:lvl9pPr indent="-317500" lvl="8" marL="4114800">
+            <a:lvl9pPr marL="4114800" lvl="8" indent="-317500">
               <a:lnSpc>
                 <a:spcPct val="115000"/>
               </a:lnSpc>
@@ -6221,15 +6437,19 @@
               </a:defRPr>
             </a:lvl9pPr>
           </a:lstStyle>
-          <a:p/>
+          <a:p>
+            <a:endParaRPr/>
+          </a:p>
         </p:txBody>
       </p:sp>
       <p:sp>
         <p:nvSpPr>
           <p:cNvPr id="8" name="Google Shape;8;p1"/>
-          <p:cNvSpPr txBox="1"/>
+          <p:cNvSpPr txBox="1">
+            <a:spLocks noGrp="1"/>
+          </p:cNvSpPr>
           <p:nvPr>
-            <p:ph idx="12" type="sldNum"/>
+            <p:ph type="sldNum" idx="12"/>
           </p:nvPr>
         </p:nvSpPr>
         <p:spPr>
@@ -6246,7 +6466,7 @@
           </a:ln>
         </p:spPr>
         <p:txBody>
-          <a:bodyPr anchorCtr="0" anchor="ctr" bIns="91425" lIns="91425" spcFirstLastPara="1" rIns="91425" wrap="square" tIns="91425">
+          <a:bodyPr spcFirstLastPara="1" wrap="square" lIns="91425" tIns="91425" rIns="91425" bIns="91425" anchor="ctr" anchorCtr="0">
             <a:normAutofit/>
           </a:bodyPr>
           <a:lstStyle>
@@ -6324,7 +6544,7 @@
             </a:lvl9pPr>
           </a:lstStyle>
           <a:p>
-            <a:pPr indent="0" lvl="0" marL="0" rtl="0" algn="r">
+            <a:pPr marL="0" lvl="0" indent="0" algn="r" rtl="0">
               <a:spcBef>
                 <a:spcPts val="0"/>
               </a:spcBef>
@@ -6343,7 +6563,7 @@
       </p:sp>
     </p:spTree>
   </p:cSld>
-  <p:clrMap accent1="accent1" accent2="accent2" accent3="accent3" accent4="accent4" accent5="accent5" accent6="accent6" bg1="lt1" bg2="dk2" tx1="dk1" tx2="lt2" folHlink="folHlink" hlink="hlink"/>
+  <p:clrMap bg1="lt1" tx1="dk1" bg2="dk2" tx2="lt2" accent1="accent1" accent2="accent2" accent3="accent3" accent4="accent4" accent5="accent5" accent6="accent6" hlink="hlink" folHlink="folHlink"/>
   <p:sldLayoutIdLst>
     <p:sldLayoutId id="2147483648" r:id="rId1"/>
     <p:sldLayoutId id="2147483649" r:id="rId2"/>
@@ -6357,10 +6577,10 @@
     <p:sldLayoutId id="2147483657" r:id="rId10"/>
     <p:sldLayoutId id="2147483658" r:id="rId11"/>
   </p:sldLayoutIdLst>
-  <p:hf dt="0" ftr="0" hdr="0" sldNum="0"/>
+  <p:hf sldNum="0" hdr="0" ftr="0" dt="0"/>
   <p:txStyles>
     <p:titleStyle>
-      <a:defPPr lvl="0" marR="0" rtl="0" algn="l">
+      <a:defPPr marR="0" lvl="0" algn="l" rtl="0">
         <a:lnSpc>
           <a:spcPct val="100000"/>
         </a:lnSpc>
@@ -6371,7 +6591,7 @@
           <a:spcPts val="0"/>
         </a:spcAft>
       </a:defPPr>
-      <a:lvl1pPr lvl="0" marR="0" rtl="0" algn="l">
+      <a:lvl1pPr marR="0" lvl="0" algn="l" rtl="0">
         <a:lnSpc>
           <a:spcPct val="100000"/>
         </a:lnSpc>
@@ -6385,7 +6605,7 @@
           <a:srgbClr val="000000"/>
         </a:buClr>
         <a:buFont typeface="Arial"/>
-        <a:defRPr b="0" i="0" sz="1400" u="none" cap="none" strike="noStrike">
+        <a:defRPr sz="1400" b="0" i="0" u="none" strike="noStrike" cap="none">
           <a:solidFill>
             <a:srgbClr val="000000"/>
           </a:solidFill>
@@ -6395,7 +6615,7 @@
           <a:sym typeface="Arial"/>
         </a:defRPr>
       </a:lvl1pPr>
-      <a:lvl2pPr lvl="1" marR="0" rtl="0" algn="l">
+      <a:lvl2pPr marR="0" lvl="1" algn="l" rtl="0">
         <a:lnSpc>
           <a:spcPct val="100000"/>
         </a:lnSpc>
@@ -6409,7 +6629,7 @@
           <a:srgbClr val="000000"/>
         </a:buClr>
         <a:buFont typeface="Arial"/>
-        <a:defRPr b="0" i="0" sz="1400" u="none" cap="none" strike="noStrike">
+        <a:defRPr sz="1400" b="0" i="0" u="none" strike="noStrike" cap="none">
           <a:solidFill>
             <a:srgbClr val="000000"/>
           </a:solidFill>
@@ -6419,7 +6639,7 @@
           <a:sym typeface="Arial"/>
         </a:defRPr>
       </a:lvl2pPr>
-      <a:lvl3pPr lvl="2" marR="0" rtl="0" algn="l">
+      <a:lvl3pPr marR="0" lvl="2" algn="l" rtl="0">
         <a:lnSpc>
           <a:spcPct val="100000"/>
         </a:lnSpc>
@@ -6433,7 +6653,7 @@
           <a:srgbClr val="000000"/>
         </a:buClr>
         <a:buFont typeface="Arial"/>
-        <a:defRPr b="0" i="0" sz="1400" u="none" cap="none" strike="noStrike">
+        <a:defRPr sz="1400" b="0" i="0" u="none" strike="noStrike" cap="none">
           <a:solidFill>
             <a:srgbClr val="000000"/>
           </a:solidFill>
@@ -6443,7 +6663,7 @@
           <a:sym typeface="Arial"/>
         </a:defRPr>
       </a:lvl3pPr>
-      <a:lvl4pPr lvl="3" marR="0" rtl="0" algn="l">
+      <a:lvl4pPr marR="0" lvl="3" algn="l" rtl="0">
         <a:lnSpc>
           <a:spcPct val="100000"/>
         </a:lnSpc>
@@ -6457,7 +6677,7 @@
           <a:srgbClr val="000000"/>
         </a:buClr>
         <a:buFont typeface="Arial"/>
-        <a:defRPr b="0" i="0" sz="1400" u="none" cap="none" strike="noStrike">
+        <a:defRPr sz="1400" b="0" i="0" u="none" strike="noStrike" cap="none">
           <a:solidFill>
             <a:srgbClr val="000000"/>
           </a:solidFill>
@@ -6467,7 +6687,7 @@
           <a:sym typeface="Arial"/>
         </a:defRPr>
       </a:lvl4pPr>
-      <a:lvl5pPr lvl="4" marR="0" rtl="0" algn="l">
+      <a:lvl5pPr marR="0" lvl="4" algn="l" rtl="0">
         <a:lnSpc>
           <a:spcPct val="100000"/>
         </a:lnSpc>
@@ -6481,7 +6701,7 @@
           <a:srgbClr val="000000"/>
         </a:buClr>
         <a:buFont typeface="Arial"/>
-        <a:defRPr b="0" i="0" sz="1400" u="none" cap="none" strike="noStrike">
+        <a:defRPr sz="1400" b="0" i="0" u="none" strike="noStrike" cap="none">
           <a:solidFill>
             <a:srgbClr val="000000"/>
           </a:solidFill>
@@ -6491,7 +6711,7 @@
           <a:sym typeface="Arial"/>
         </a:defRPr>
       </a:lvl5pPr>
-      <a:lvl6pPr lvl="5" marR="0" rtl="0" algn="l">
+      <a:lvl6pPr marR="0" lvl="5" algn="l" rtl="0">
         <a:lnSpc>
           <a:spcPct val="100000"/>
         </a:lnSpc>
@@ -6505,7 +6725,7 @@
           <a:srgbClr val="000000"/>
         </a:buClr>
         <a:buFont typeface="Arial"/>
-        <a:defRPr b="0" i="0" sz="1400" u="none" cap="none" strike="noStrike">
+        <a:defRPr sz="1400" b="0" i="0" u="none" strike="noStrike" cap="none">
           <a:solidFill>
             <a:srgbClr val="000000"/>
           </a:solidFill>
@@ -6515,7 +6735,7 @@
           <a:sym typeface="Arial"/>
         </a:defRPr>
       </a:lvl6pPr>
-      <a:lvl7pPr lvl="6" marR="0" rtl="0" algn="l">
+      <a:lvl7pPr marR="0" lvl="6" algn="l" rtl="0">
         <a:lnSpc>
           <a:spcPct val="100000"/>
         </a:lnSpc>
@@ -6529,7 +6749,7 @@
           <a:srgbClr val="000000"/>
         </a:buClr>
         <a:buFont typeface="Arial"/>
-        <a:defRPr b="0" i="0" sz="1400" u="none" cap="none" strike="noStrike">
+        <a:defRPr sz="1400" b="0" i="0" u="none" strike="noStrike" cap="none">
           <a:solidFill>
             <a:srgbClr val="000000"/>
           </a:solidFill>
@@ -6539,7 +6759,7 @@
           <a:sym typeface="Arial"/>
         </a:defRPr>
       </a:lvl7pPr>
-      <a:lvl8pPr lvl="7" marR="0" rtl="0" algn="l">
+      <a:lvl8pPr marR="0" lvl="7" algn="l" rtl="0">
         <a:lnSpc>
           <a:spcPct val="100000"/>
         </a:lnSpc>
@@ -6553,7 +6773,7 @@
           <a:srgbClr val="000000"/>
         </a:buClr>
         <a:buFont typeface="Arial"/>
-        <a:defRPr b="0" i="0" sz="1400" u="none" cap="none" strike="noStrike">
+        <a:defRPr sz="1400" b="0" i="0" u="none" strike="noStrike" cap="none">
           <a:solidFill>
             <a:srgbClr val="000000"/>
           </a:solidFill>
@@ -6563,7 +6783,7 @@
           <a:sym typeface="Arial"/>
         </a:defRPr>
       </a:lvl8pPr>
-      <a:lvl9pPr lvl="8" marR="0" rtl="0" algn="l">
+      <a:lvl9pPr marR="0" lvl="8" algn="l" rtl="0">
         <a:lnSpc>
           <a:spcPct val="100000"/>
         </a:lnSpc>
@@ -6577,7 +6797,7 @@
           <a:srgbClr val="000000"/>
         </a:buClr>
         <a:buFont typeface="Arial"/>
-        <a:defRPr b="0" i="0" sz="1400" u="none" cap="none" strike="noStrike">
+        <a:defRPr sz="1400" b="0" i="0" u="none" strike="noStrike" cap="none">
           <a:solidFill>
             <a:srgbClr val="000000"/>
           </a:solidFill>
@@ -6589,7 +6809,7 @@
       </a:lvl9pPr>
     </p:titleStyle>
     <p:bodyStyle>
-      <a:defPPr lvl="0" marR="0" rtl="0" algn="l">
+      <a:defPPr marR="0" lvl="0" algn="l" rtl="0">
         <a:lnSpc>
           <a:spcPct val="100000"/>
         </a:lnSpc>
@@ -6600,7 +6820,7 @@
           <a:spcPts val="0"/>
         </a:spcAft>
       </a:defPPr>
-      <a:lvl1pPr lvl="0" marR="0" rtl="0" algn="l">
+      <a:lvl1pPr marR="0" lvl="0" algn="l" rtl="0">
         <a:lnSpc>
           <a:spcPct val="100000"/>
         </a:lnSpc>
@@ -6614,7 +6834,7 @@
           <a:srgbClr val="000000"/>
         </a:buClr>
         <a:buFont typeface="Arial"/>
-        <a:defRPr b="0" i="0" sz="1400" u="none" cap="none" strike="noStrike">
+        <a:defRPr sz="1400" b="0" i="0" u="none" strike="noStrike" cap="none">
           <a:solidFill>
             <a:srgbClr val="000000"/>
           </a:solidFill>
@@ -6624,7 +6844,7 @@
           <a:sym typeface="Arial"/>
         </a:defRPr>
       </a:lvl1pPr>
-      <a:lvl2pPr lvl="1" marR="0" rtl="0" algn="l">
+      <a:lvl2pPr marR="0" lvl="1" algn="l" rtl="0">
         <a:lnSpc>
           <a:spcPct val="100000"/>
         </a:lnSpc>
@@ -6638,7 +6858,7 @@
           <a:srgbClr val="000000"/>
         </a:buClr>
         <a:buFont typeface="Arial"/>
-        <a:defRPr b="0" i="0" sz="1400" u="none" cap="none" strike="noStrike">
+        <a:defRPr sz="1400" b="0" i="0" u="none" strike="noStrike" cap="none">
           <a:solidFill>
             <a:srgbClr val="000000"/>
           </a:solidFill>
@@ -6648,7 +6868,7 @@
           <a:sym typeface="Arial"/>
         </a:defRPr>
       </a:lvl2pPr>
-      <a:lvl3pPr lvl="2" marR="0" rtl="0" algn="l">
+      <a:lvl3pPr marR="0" lvl="2" algn="l" rtl="0">
         <a:lnSpc>
           <a:spcPct val="100000"/>
         </a:lnSpc>
@@ -6662,7 +6882,7 @@
           <a:srgbClr val="000000"/>
         </a:buClr>
         <a:buFont typeface="Arial"/>
-        <a:defRPr b="0" i="0" sz="1400" u="none" cap="none" strike="noStrike">
+        <a:defRPr sz="1400" b="0" i="0" u="none" strike="noStrike" cap="none">
           <a:solidFill>
             <a:srgbClr val="000000"/>
           </a:solidFill>
@@ -6672,7 +6892,7 @@
           <a:sym typeface="Arial"/>
         </a:defRPr>
       </a:lvl3pPr>
-      <a:lvl4pPr lvl="3" marR="0" rtl="0" algn="l">
+      <a:lvl4pPr marR="0" lvl="3" algn="l" rtl="0">
         <a:lnSpc>
           <a:spcPct val="100000"/>
         </a:lnSpc>
@@ -6686,7 +6906,7 @@
           <a:srgbClr val="000000"/>
         </a:buClr>
         <a:buFont typeface="Arial"/>
-        <a:defRPr b="0" i="0" sz="1400" u="none" cap="none" strike="noStrike">
+        <a:defRPr sz="1400" b="0" i="0" u="none" strike="noStrike" cap="none">
           <a:solidFill>
             <a:srgbClr val="000000"/>
           </a:solidFill>
@@ -6696,7 +6916,7 @@
           <a:sym typeface="Arial"/>
         </a:defRPr>
       </a:lvl4pPr>
-      <a:lvl5pPr lvl="4" marR="0" rtl="0" algn="l">
+      <a:lvl5pPr marR="0" lvl="4" algn="l" rtl="0">
         <a:lnSpc>
           <a:spcPct val="100000"/>
         </a:lnSpc>
@@ -6710,7 +6930,7 @@
           <a:srgbClr val="000000"/>
         </a:buClr>
         <a:buFont typeface="Arial"/>
-        <a:defRPr b="0" i="0" sz="1400" u="none" cap="none" strike="noStrike">
+        <a:defRPr sz="1400" b="0" i="0" u="none" strike="noStrike" cap="none">
           <a:solidFill>
             <a:srgbClr val="000000"/>
           </a:solidFill>
@@ -6720,7 +6940,7 @@
           <a:sym typeface="Arial"/>
         </a:defRPr>
       </a:lvl5pPr>
-      <a:lvl6pPr lvl="5" marR="0" rtl="0" algn="l">
+      <a:lvl6pPr marR="0" lvl="5" algn="l" rtl="0">
         <a:lnSpc>
           <a:spcPct val="100000"/>
         </a:lnSpc>
@@ -6734,7 +6954,7 @@
           <a:srgbClr val="000000"/>
         </a:buClr>
         <a:buFont typeface="Arial"/>
-        <a:defRPr b="0" i="0" sz="1400" u="none" cap="none" strike="noStrike">
+        <a:defRPr sz="1400" b="0" i="0" u="none" strike="noStrike" cap="none">
           <a:solidFill>
             <a:srgbClr val="000000"/>
           </a:solidFill>
@@ -6744,7 +6964,7 @@
           <a:sym typeface="Arial"/>
         </a:defRPr>
       </a:lvl6pPr>
-      <a:lvl7pPr lvl="6" marR="0" rtl="0" algn="l">
+      <a:lvl7pPr marR="0" lvl="6" algn="l" rtl="0">
         <a:lnSpc>
           <a:spcPct val="100000"/>
         </a:lnSpc>
@@ -6758,7 +6978,7 @@
           <a:srgbClr val="000000"/>
         </a:buClr>
         <a:buFont typeface="Arial"/>
-        <a:defRPr b="0" i="0" sz="1400" u="none" cap="none" strike="noStrike">
+        <a:defRPr sz="1400" b="0" i="0" u="none" strike="noStrike" cap="none">
           <a:solidFill>
             <a:srgbClr val="000000"/>
           </a:solidFill>
@@ -6768,7 +6988,7 @@
           <a:sym typeface="Arial"/>
         </a:defRPr>
       </a:lvl7pPr>
-      <a:lvl8pPr lvl="7" marR="0" rtl="0" algn="l">
+      <a:lvl8pPr marR="0" lvl="7" algn="l" rtl="0">
         <a:lnSpc>
           <a:spcPct val="100000"/>
         </a:lnSpc>
@@ -6782,7 +7002,7 @@
           <a:srgbClr val="000000"/>
         </a:buClr>
         <a:buFont typeface="Arial"/>
-        <a:defRPr b="0" i="0" sz="1400" u="none" cap="none" strike="noStrike">
+        <a:defRPr sz="1400" b="0" i="0" u="none" strike="noStrike" cap="none">
           <a:solidFill>
             <a:srgbClr val="000000"/>
           </a:solidFill>
@@ -6792,7 +7012,7 @@
           <a:sym typeface="Arial"/>
         </a:defRPr>
       </a:lvl8pPr>
-      <a:lvl9pPr lvl="8" marR="0" rtl="0" algn="l">
+      <a:lvl9pPr marR="0" lvl="8" algn="l" rtl="0">
         <a:lnSpc>
           <a:spcPct val="100000"/>
         </a:lnSpc>
@@ -6806,7 +7026,7 @@
           <a:srgbClr val="000000"/>
         </a:buClr>
         <a:buFont typeface="Arial"/>
-        <a:defRPr b="0" i="0" sz="1400" u="none" cap="none" strike="noStrike">
+        <a:defRPr sz="1400" b="0" i="0" u="none" strike="noStrike" cap="none">
           <a:solidFill>
             <a:srgbClr val="000000"/>
           </a:solidFill>
@@ -6818,7 +7038,7 @@
       </a:lvl9pPr>
     </p:bodyStyle>
     <p:otherStyle>
-      <a:defPPr lvl="0" marR="0" rtl="0" algn="l">
+      <a:defPPr marR="0" lvl="0" algn="l" rtl="0">
         <a:lnSpc>
           <a:spcPct val="100000"/>
         </a:lnSpc>
@@ -6829,7 +7049,7 @@
           <a:spcPts val="0"/>
         </a:spcAft>
       </a:defPPr>
-      <a:lvl1pPr lvl="0" marR="0" rtl="0" algn="l">
+      <a:lvl1pPr marR="0" lvl="0" algn="l" rtl="0">
         <a:lnSpc>
           <a:spcPct val="100000"/>
         </a:lnSpc>
@@ -6843,7 +7063,7 @@
           <a:srgbClr val="000000"/>
         </a:buClr>
         <a:buFont typeface="Arial"/>
-        <a:defRPr b="0" i="0" sz="1400" u="none" cap="none" strike="noStrike">
+        <a:defRPr sz="1400" b="0" i="0" u="none" strike="noStrike" cap="none">
           <a:solidFill>
             <a:srgbClr val="000000"/>
           </a:solidFill>
@@ -6853,7 +7073,7 @@
           <a:sym typeface="Arial"/>
         </a:defRPr>
       </a:lvl1pPr>
-      <a:lvl2pPr lvl="1" marR="0" rtl="0" algn="l">
+      <a:lvl2pPr marR="0" lvl="1" algn="l" rtl="0">
         <a:lnSpc>
           <a:spcPct val="100000"/>
         </a:lnSpc>
@@ -6867,7 +7087,7 @@
           <a:srgbClr val="000000"/>
         </a:buClr>
         <a:buFont typeface="Arial"/>
-        <a:defRPr b="0" i="0" sz="1400" u="none" cap="none" strike="noStrike">
+        <a:defRPr sz="1400" b="0" i="0" u="none" strike="noStrike" cap="none">
           <a:solidFill>
             <a:srgbClr val="000000"/>
           </a:solidFill>
@@ -6877,7 +7097,7 @@
           <a:sym typeface="Arial"/>
         </a:defRPr>
       </a:lvl2pPr>
-      <a:lvl3pPr lvl="2" marR="0" rtl="0" algn="l">
+      <a:lvl3pPr marR="0" lvl="2" algn="l" rtl="0">
         <a:lnSpc>
           <a:spcPct val="100000"/>
         </a:lnSpc>
@@ -6891,7 +7111,7 @@
           <a:srgbClr val="000000"/>
         </a:buClr>
         <a:buFont typeface="Arial"/>
-        <a:defRPr b="0" i="0" sz="1400" u="none" cap="none" strike="noStrike">
+        <a:defRPr sz="1400" b="0" i="0" u="none" strike="noStrike" cap="none">
           <a:solidFill>
             <a:srgbClr val="000000"/>
           </a:solidFill>
@@ -6901,7 +7121,7 @@
           <a:sym typeface="Arial"/>
         </a:defRPr>
       </a:lvl3pPr>
-      <a:lvl4pPr lvl="3" marR="0" rtl="0" algn="l">
+      <a:lvl4pPr marR="0" lvl="3" algn="l" rtl="0">
         <a:lnSpc>
           <a:spcPct val="100000"/>
         </a:lnSpc>
@@ -6915,7 +7135,7 @@
           <a:srgbClr val="000000"/>
         </a:buClr>
         <a:buFont typeface="Arial"/>
-        <a:defRPr b="0" i="0" sz="1400" u="none" cap="none" strike="noStrike">
+        <a:defRPr sz="1400" b="0" i="0" u="none" strike="noStrike" cap="none">
           <a:solidFill>
             <a:srgbClr val="000000"/>
           </a:solidFill>
@@ -6925,7 +7145,7 @@
           <a:sym typeface="Arial"/>
         </a:defRPr>
       </a:lvl4pPr>
-      <a:lvl5pPr lvl="4" marR="0" rtl="0" algn="l">
+      <a:lvl5pPr marR="0" lvl="4" algn="l" rtl="0">
         <a:lnSpc>
           <a:spcPct val="100000"/>
         </a:lnSpc>
@@ -6939,7 +7159,7 @@
           <a:srgbClr val="000000"/>
         </a:buClr>
         <a:buFont typeface="Arial"/>
-        <a:defRPr b="0" i="0" sz="1400" u="none" cap="none" strike="noStrike">
+        <a:defRPr sz="1400" b="0" i="0" u="none" strike="noStrike" cap="none">
           <a:solidFill>
             <a:srgbClr val="000000"/>
           </a:solidFill>
@@ -6949,7 +7169,7 @@
           <a:sym typeface="Arial"/>
         </a:defRPr>
       </a:lvl5pPr>
-      <a:lvl6pPr lvl="5" marR="0" rtl="0" algn="l">
+      <a:lvl6pPr marR="0" lvl="5" algn="l" rtl="0">
         <a:lnSpc>
           <a:spcPct val="100000"/>
         </a:lnSpc>
@@ -6963,7 +7183,7 @@
           <a:srgbClr val="000000"/>
         </a:buClr>
         <a:buFont typeface="Arial"/>
-        <a:defRPr b="0" i="0" sz="1400" u="none" cap="none" strike="noStrike">
+        <a:defRPr sz="1400" b="0" i="0" u="none" strike="noStrike" cap="none">
           <a:solidFill>
             <a:srgbClr val="000000"/>
           </a:solidFill>
@@ -6973,7 +7193,7 @@
           <a:sym typeface="Arial"/>
         </a:defRPr>
       </a:lvl6pPr>
-      <a:lvl7pPr lvl="6" marR="0" rtl="0" algn="l">
+      <a:lvl7pPr marR="0" lvl="6" algn="l" rtl="0">
         <a:lnSpc>
           <a:spcPct val="100000"/>
         </a:lnSpc>
@@ -6987,7 +7207,7 @@
           <a:srgbClr val="000000"/>
         </a:buClr>
         <a:buFont typeface="Arial"/>
-        <a:defRPr b="0" i="0" sz="1400" u="none" cap="none" strike="noStrike">
+        <a:defRPr sz="1400" b="0" i="0" u="none" strike="noStrike" cap="none">
           <a:solidFill>
             <a:srgbClr val="000000"/>
           </a:solidFill>
@@ -6997,7 +7217,7 @@
           <a:sym typeface="Arial"/>
         </a:defRPr>
       </a:lvl7pPr>
-      <a:lvl8pPr lvl="7" marR="0" rtl="0" algn="l">
+      <a:lvl8pPr marR="0" lvl="7" algn="l" rtl="0">
         <a:lnSpc>
           <a:spcPct val="100000"/>
         </a:lnSpc>
@@ -7011,7 +7231,7 @@
           <a:srgbClr val="000000"/>
         </a:buClr>
         <a:buFont typeface="Arial"/>
-        <a:defRPr b="0" i="0" sz="1400" u="none" cap="none" strike="noStrike">
+        <a:defRPr sz="1400" b="0" i="0" u="none" strike="noStrike" cap="none">
           <a:solidFill>
             <a:srgbClr val="000000"/>
           </a:solidFill>
@@ -7021,7 +7241,7 @@
           <a:sym typeface="Arial"/>
         </a:defRPr>
       </a:lvl8pPr>
-      <a:lvl9pPr lvl="8" marR="0" rtl="0" algn="l">
+      <a:lvl9pPr marR="0" lvl="8" algn="l" rtl="0">
         <a:lnSpc>
           <a:spcPct val="100000"/>
         </a:lnSpc>
@@ -7035,7 +7255,7 @@
           <a:srgbClr val="000000"/>
         </a:buClr>
         <a:buFont typeface="Arial"/>
-        <a:defRPr b="0" i="0" sz="1400" u="none" cap="none" strike="noStrike">
+        <a:defRPr sz="1400" b="0" i="0" u="none" strike="noStrike" cap="none">
           <a:solidFill>
             <a:srgbClr val="000000"/>
           </a:solidFill>
@@ -7051,11 +7271,11 @@
 </file>
 
 <file path=ppt/slides/slide1.xml><?xml version="1.0" encoding="utf-8"?>
-<p:sld xmlns:a="http://schemas.openxmlformats.org/drawingml/2006/main" xmlns:r="http://schemas.openxmlformats.org/officeDocument/2006/relationships" xmlns:mc="http://schemas.openxmlformats.org/markup-compatibility/2006" xmlns:mv="urn:schemas-microsoft-com:mac:vml" xmlns:p="http://schemas.openxmlformats.org/presentationml/2006/main" xmlns:c="http://schemas.openxmlformats.org/drawingml/2006/chart" xmlns:dgm="http://schemas.openxmlformats.org/drawingml/2006/diagram" xmlns:o="urn:schemas-microsoft-com:office:office" xmlns:v="urn:schemas-microsoft-com:vml" xmlns:pvml="urn:schemas-microsoft-com:office:powerpoint" xmlns:com="http://schemas.openxmlformats.org/drawingml/2006/compatibility" xmlns:p14="http://schemas.microsoft.com/office/powerpoint/2010/main" xmlns:p15="http://schemas.microsoft.com/office/powerpoint/2012/main" xmlns:ahyp="http://schemas.microsoft.com/office/drawing/2018/hyperlinkcolor">
+<p:sld xmlns:a="http://schemas.openxmlformats.org/drawingml/2006/main" xmlns:r="http://schemas.openxmlformats.org/officeDocument/2006/relationships" xmlns:p="http://schemas.openxmlformats.org/presentationml/2006/main">
   <p:cSld>
     <p:spTree>
       <p:nvGrpSpPr>
-        <p:cNvPr id="53" name="Shape 53"/>
+        <p:cNvPr id="1" name="Shape 53"/>
         <p:cNvGrpSpPr/>
         <p:nvPr/>
       </p:nvGrpSpPr>
@@ -7077,7 +7297,7 @@
           <a:blip r:embed="rId3">
             <a:alphaModFix/>
           </a:blip>
-          <a:srcRect b="0" l="-44738" r="0" t="-44738"/>
+          <a:srcRect l="-44738" t="-44738"/>
           <a:stretch/>
         </p:blipFill>
         <p:spPr>
@@ -7142,12 +7362,12 @@
           </a:ln>
         </p:spPr>
         <p:txBody>
-          <a:bodyPr anchorCtr="0" anchor="t" bIns="91425" lIns="91425" spcFirstLastPara="1" rIns="91425" wrap="square" tIns="91425">
+          <a:bodyPr spcFirstLastPara="1" wrap="square" lIns="91425" tIns="91425" rIns="91425" bIns="91425" anchor="t" anchorCtr="0">
             <a:spAutoFit/>
           </a:bodyPr>
           <a:lstStyle/>
           <a:p>
-            <a:pPr indent="0" lvl="0" marL="0" rtl="0" algn="l">
+            <a:pPr marL="0" lvl="0" indent="0" algn="l" rtl="0">
               <a:spcBef>
                 <a:spcPts val="0"/>
               </a:spcBef>
@@ -7183,11 +7403,11 @@
 </file>
 
 <file path=ppt/slides/slide10.xml><?xml version="1.0" encoding="utf-8"?>
-<p:sld xmlns:a="http://schemas.openxmlformats.org/drawingml/2006/main" xmlns:r="http://schemas.openxmlformats.org/officeDocument/2006/relationships" xmlns:mc="http://schemas.openxmlformats.org/markup-compatibility/2006" xmlns:mv="urn:schemas-microsoft-com:mac:vml" xmlns:p="http://schemas.openxmlformats.org/presentationml/2006/main" xmlns:c="http://schemas.openxmlformats.org/drawingml/2006/chart" xmlns:dgm="http://schemas.openxmlformats.org/drawingml/2006/diagram" xmlns:o="urn:schemas-microsoft-com:office:office" xmlns:v="urn:schemas-microsoft-com:vml" xmlns:pvml="urn:schemas-microsoft-com:office:powerpoint" xmlns:com="http://schemas.openxmlformats.org/drawingml/2006/compatibility" xmlns:p14="http://schemas.microsoft.com/office/powerpoint/2010/main" xmlns:p15="http://schemas.microsoft.com/office/powerpoint/2012/main" xmlns:ahyp="http://schemas.microsoft.com/office/drawing/2018/hyperlinkcolor">
+<p:sld xmlns:a="http://schemas.openxmlformats.org/drawingml/2006/main" xmlns:r="http://schemas.openxmlformats.org/officeDocument/2006/relationships" xmlns:p="http://schemas.openxmlformats.org/presentationml/2006/main">
   <p:cSld>
     <p:spTree>
       <p:nvGrpSpPr>
-        <p:cNvPr id="119" name="Shape 119"/>
+        <p:cNvPr id="1" name="Shape 119"/>
         <p:cNvGrpSpPr/>
         <p:nvPr/>
       </p:nvGrpSpPr>
@@ -7202,7 +7422,9 @@
       <p:sp>
         <p:nvSpPr>
           <p:cNvPr id="120" name="Google Shape;120;p22"/>
-          <p:cNvSpPr txBox="1"/>
+          <p:cNvSpPr txBox="1">
+            <a:spLocks noGrp="1"/>
+          </p:cNvSpPr>
           <p:nvPr>
             <p:ph type="title"/>
           </p:nvPr>
@@ -7217,12 +7439,12 @@
           </a:prstGeom>
         </p:spPr>
         <p:txBody>
-          <a:bodyPr anchorCtr="0" anchor="t" bIns="91425" lIns="91425" spcFirstLastPara="1" rIns="91425" wrap="square" tIns="91425">
+          <a:bodyPr spcFirstLastPara="1" wrap="square" lIns="91425" tIns="91425" rIns="91425" bIns="91425" anchor="t" anchorCtr="0">
             <a:normAutofit fontScale="90000"/>
           </a:bodyPr>
           <a:lstStyle/>
           <a:p>
-            <a:pPr indent="0" lvl="0" marL="0" rtl="0" algn="l">
+            <a:pPr marL="0" lvl="0" indent="0" algn="l" rtl="0">
               <a:spcBef>
                 <a:spcPts val="0"/>
               </a:spcBef>
@@ -7242,9 +7464,11 @@
       <p:sp>
         <p:nvSpPr>
           <p:cNvPr id="121" name="Google Shape;121;p22"/>
-          <p:cNvSpPr txBox="1"/>
+          <p:cNvSpPr txBox="1">
+            <a:spLocks noGrp="1"/>
+          </p:cNvSpPr>
           <p:nvPr>
-            <p:ph idx="1" type="body"/>
+            <p:ph type="body" idx="1"/>
           </p:nvPr>
         </p:nvSpPr>
         <p:spPr>
@@ -7257,12 +7481,12 @@
           </a:prstGeom>
         </p:spPr>
         <p:txBody>
-          <a:bodyPr anchorCtr="0" anchor="t" bIns="91425" lIns="91425" spcFirstLastPara="1" rIns="91425" wrap="square" tIns="91425">
+          <a:bodyPr spcFirstLastPara="1" wrap="square" lIns="91425" tIns="91425" rIns="91425" bIns="91425" anchor="t" anchorCtr="0">
             <a:normAutofit/>
           </a:bodyPr>
           <a:lstStyle/>
           <a:p>
-            <a:pPr indent="0" lvl="0" marL="0" rtl="0" algn="l">
+            <a:pPr marL="0" lvl="0" indent="0" algn="l" rtl="0">
               <a:spcBef>
                 <a:spcPts val="0"/>
               </a:spcBef>
@@ -7278,7 +7502,7 @@
             <a:endParaRPr sz="1200"/>
           </a:p>
           <a:p>
-            <a:pPr indent="0" lvl="0" marL="0" rtl="0" algn="l">
+            <a:pPr marL="0" lvl="0" indent="0" algn="l" rtl="0">
               <a:spcBef>
                 <a:spcPts val="1200"/>
               </a:spcBef>
@@ -7294,7 +7518,7 @@
             <a:endParaRPr sz="1200"/>
           </a:p>
           <a:p>
-            <a:pPr indent="0" lvl="0" marL="0" rtl="0" algn="l">
+            <a:pPr marL="0" lvl="0" indent="0" algn="l" rtl="0">
               <a:spcBef>
                 <a:spcPts val="1200"/>
               </a:spcBef>
@@ -7310,7 +7534,7 @@
             <a:endParaRPr sz="1200"/>
           </a:p>
           <a:p>
-            <a:pPr indent="0" lvl="0" marL="0" rtl="0" algn="l">
+            <a:pPr marL="0" lvl="0" indent="0" algn="l" rtl="0">
               <a:spcBef>
                 <a:spcPts val="1200"/>
               </a:spcBef>
@@ -7319,9 +7543,6 @@
               </a:spcAft>
               <a:buNone/>
             </a:pPr>
-            <a:r>
-              <a:t/>
-            </a:r>
             <a:endParaRPr sz="1200"/>
           </a:p>
         </p:txBody>
@@ -7363,11 +7584,11 @@
 </file>
 
 <file path=ppt/slides/slide11.xml><?xml version="1.0" encoding="utf-8"?>
-<p:sld xmlns:a="http://schemas.openxmlformats.org/drawingml/2006/main" xmlns:r="http://schemas.openxmlformats.org/officeDocument/2006/relationships" xmlns:mc="http://schemas.openxmlformats.org/markup-compatibility/2006" xmlns:mv="urn:schemas-microsoft-com:mac:vml" xmlns:p="http://schemas.openxmlformats.org/presentationml/2006/main" xmlns:c="http://schemas.openxmlformats.org/drawingml/2006/chart" xmlns:dgm="http://schemas.openxmlformats.org/drawingml/2006/diagram" xmlns:o="urn:schemas-microsoft-com:office:office" xmlns:v="urn:schemas-microsoft-com:vml" xmlns:pvml="urn:schemas-microsoft-com:office:powerpoint" xmlns:com="http://schemas.openxmlformats.org/drawingml/2006/compatibility" xmlns:p14="http://schemas.microsoft.com/office/powerpoint/2010/main" xmlns:p15="http://schemas.microsoft.com/office/powerpoint/2012/main" xmlns:ahyp="http://schemas.microsoft.com/office/drawing/2018/hyperlinkcolor">
+<p:sld xmlns:a="http://schemas.openxmlformats.org/drawingml/2006/main" xmlns:r="http://schemas.openxmlformats.org/officeDocument/2006/relationships" xmlns:p="http://schemas.openxmlformats.org/presentationml/2006/main">
   <p:cSld>
     <p:spTree>
       <p:nvGrpSpPr>
-        <p:cNvPr id="126" name="Shape 126"/>
+        <p:cNvPr id="1" name="Shape 126"/>
         <p:cNvGrpSpPr/>
         <p:nvPr/>
       </p:nvGrpSpPr>
@@ -7382,7 +7603,9 @@
       <p:sp>
         <p:nvSpPr>
           <p:cNvPr id="127" name="Google Shape;127;p23"/>
-          <p:cNvSpPr txBox="1"/>
+          <p:cNvSpPr txBox="1">
+            <a:spLocks noGrp="1"/>
+          </p:cNvSpPr>
           <p:nvPr>
             <p:ph type="title"/>
           </p:nvPr>
@@ -7397,12 +7620,12 @@
           </a:prstGeom>
         </p:spPr>
         <p:txBody>
-          <a:bodyPr anchorCtr="0" anchor="t" bIns="91425" lIns="91425" spcFirstLastPara="1" rIns="91425" wrap="square" tIns="91425">
+          <a:bodyPr spcFirstLastPara="1" wrap="square" lIns="91425" tIns="91425" rIns="91425" bIns="91425" anchor="t" anchorCtr="0">
             <a:normAutofit fontScale="90000"/>
           </a:bodyPr>
           <a:lstStyle/>
           <a:p>
-            <a:pPr indent="0" lvl="0" marL="0" rtl="0" algn="l">
+            <a:pPr marL="0" lvl="0" indent="0" algn="l" rtl="0">
               <a:spcBef>
                 <a:spcPts val="0"/>
               </a:spcBef>
@@ -7423,18 +7646,15 @@
             <a:endParaRPr/>
           </a:p>
           <a:p>
-            <a:pPr indent="0" lvl="0" marL="0" rtl="0" algn="l">
-              <a:spcBef>
-                <a:spcPts val="0"/>
-              </a:spcBef>
-              <a:spcAft>
-                <a:spcPts val="0"/>
-              </a:spcAft>
-              <a:buNone/>
-            </a:pPr>
-            <a:r>
-              <a:t/>
-            </a:r>
+            <a:pPr marL="0" lvl="0" indent="0" algn="l" rtl="0">
+              <a:spcBef>
+                <a:spcPts val="0"/>
+              </a:spcBef>
+              <a:spcAft>
+                <a:spcPts val="0"/>
+              </a:spcAft>
+              <a:buNone/>
+            </a:pPr>
             <a:endParaRPr/>
           </a:p>
         </p:txBody>
@@ -7442,9 +7662,11 @@
       <p:sp>
         <p:nvSpPr>
           <p:cNvPr id="128" name="Google Shape;128;p23"/>
-          <p:cNvSpPr txBox="1"/>
+          <p:cNvSpPr txBox="1">
+            <a:spLocks noGrp="1"/>
+          </p:cNvSpPr>
           <p:nvPr>
-            <p:ph idx="1" type="body"/>
+            <p:ph type="body" idx="1"/>
           </p:nvPr>
         </p:nvSpPr>
         <p:spPr>
@@ -7457,12 +7679,12 @@
           </a:prstGeom>
         </p:spPr>
         <p:txBody>
-          <a:bodyPr anchorCtr="0" anchor="t" bIns="91425" lIns="91425" spcFirstLastPara="1" rIns="91425" wrap="square" tIns="91425">
+          <a:bodyPr spcFirstLastPara="1" wrap="square" lIns="91425" tIns="91425" rIns="91425" bIns="91425" anchor="t" anchorCtr="0">
             <a:normAutofit/>
           </a:bodyPr>
           <a:lstStyle/>
           <a:p>
-            <a:pPr indent="0" lvl="0" marL="0" rtl="0" algn="l">
+            <a:pPr marL="0" lvl="0" indent="0" algn="l" rtl="0">
               <a:spcBef>
                 <a:spcPts val="0"/>
               </a:spcBef>
@@ -7516,11 +7738,11 @@
 </file>
 
 <file path=ppt/slides/slide12.xml><?xml version="1.0" encoding="utf-8"?>
-<p:sld xmlns:a="http://schemas.openxmlformats.org/drawingml/2006/main" xmlns:r="http://schemas.openxmlformats.org/officeDocument/2006/relationships" xmlns:mc="http://schemas.openxmlformats.org/markup-compatibility/2006" xmlns:mv="urn:schemas-microsoft-com:mac:vml" xmlns:p="http://schemas.openxmlformats.org/presentationml/2006/main" xmlns:c="http://schemas.openxmlformats.org/drawingml/2006/chart" xmlns:dgm="http://schemas.openxmlformats.org/drawingml/2006/diagram" xmlns:o="urn:schemas-microsoft-com:office:office" xmlns:v="urn:schemas-microsoft-com:vml" xmlns:pvml="urn:schemas-microsoft-com:office:powerpoint" xmlns:com="http://schemas.openxmlformats.org/drawingml/2006/compatibility" xmlns:p14="http://schemas.microsoft.com/office/powerpoint/2010/main" xmlns:p15="http://schemas.microsoft.com/office/powerpoint/2012/main" xmlns:ahyp="http://schemas.microsoft.com/office/drawing/2018/hyperlinkcolor">
+<p:sld xmlns:a="http://schemas.openxmlformats.org/drawingml/2006/main" xmlns:r="http://schemas.openxmlformats.org/officeDocument/2006/relationships" xmlns:p="http://schemas.openxmlformats.org/presentationml/2006/main">
   <p:cSld>
     <p:spTree>
       <p:nvGrpSpPr>
-        <p:cNvPr id="133" name="Shape 133"/>
+        <p:cNvPr id="1" name="Shape 133"/>
         <p:cNvGrpSpPr/>
         <p:nvPr/>
       </p:nvGrpSpPr>
@@ -7563,7 +7785,9 @@
       <p:sp>
         <p:nvSpPr>
           <p:cNvPr id="135" name="Google Shape;135;p24"/>
-          <p:cNvSpPr txBox="1"/>
+          <p:cNvSpPr txBox="1">
+            <a:spLocks noGrp="1"/>
+          </p:cNvSpPr>
           <p:nvPr>
             <p:ph type="title"/>
           </p:nvPr>
@@ -7578,25 +7802,25 @@
           </a:prstGeom>
         </p:spPr>
         <p:txBody>
-          <a:bodyPr anchorCtr="0" anchor="t" bIns="91425" lIns="91425" spcFirstLastPara="1" rIns="91425" wrap="square" tIns="91425">
+          <a:bodyPr spcFirstLastPara="1" wrap="square" lIns="91425" tIns="91425" rIns="91425" bIns="91425" anchor="t" anchorCtr="0">
             <a:normAutofit fontScale="90000"/>
           </a:bodyPr>
           <a:lstStyle/>
           <a:p>
-            <a:pPr indent="0" lvl="0" marL="0" rtl="0" algn="l">
-              <a:spcBef>
-                <a:spcPts val="0"/>
-              </a:spcBef>
-              <a:spcAft>
-                <a:spcPts val="0"/>
-              </a:spcAft>
-              <a:buNone/>
-            </a:pPr>
-            <a:r>
-              <a:rPr lang="en"/>
-              <a:t>PDIL Architecture with Airflow-Celery</a:t>
-            </a:r>
-            <a:endParaRPr/>
+            <a:pPr marL="0" lvl="0" indent="0" algn="l" rtl="0">
+              <a:spcBef>
+                <a:spcPts val="0"/>
+              </a:spcBef>
+              <a:spcAft>
+                <a:spcPts val="0"/>
+              </a:spcAft>
+              <a:buNone/>
+            </a:pPr>
+            <a:r>
+              <a:rPr lang="en" dirty="0"/>
+              <a:t>PDILL Architecture with Airflow-Celery</a:t>
+            </a:r>
+            <a:endParaRPr dirty="0"/>
           </a:p>
         </p:txBody>
       </p:sp>
@@ -7620,23 +7844,20 @@
           </a:ln>
         </p:spPr>
         <p:txBody>
-          <a:bodyPr anchorCtr="0" anchor="t" bIns="91425" lIns="91425" spcFirstLastPara="1" rIns="91425" wrap="square" tIns="91425">
+          <a:bodyPr spcFirstLastPara="1" wrap="square" lIns="91425" tIns="91425" rIns="91425" bIns="91425" anchor="t" anchorCtr="0">
             <a:spAutoFit/>
           </a:bodyPr>
           <a:lstStyle/>
           <a:p>
-            <a:pPr indent="0" lvl="0" marL="0" rtl="0" algn="l">
-              <a:spcBef>
-                <a:spcPts val="0"/>
-              </a:spcBef>
-              <a:spcAft>
-                <a:spcPts val="0"/>
-              </a:spcAft>
-              <a:buNone/>
-            </a:pPr>
-            <a:r>
-              <a:t/>
-            </a:r>
+            <a:pPr marL="0" lvl="0" indent="0" algn="l" rtl="0">
+              <a:spcBef>
+                <a:spcPts val="0"/>
+              </a:spcBef>
+              <a:spcAft>
+                <a:spcPts val="0"/>
+              </a:spcAft>
+              <a:buNone/>
+            </a:pPr>
             <a:endParaRPr/>
           </a:p>
         </p:txBody>
@@ -7661,23 +7882,20 @@
           </a:ln>
         </p:spPr>
         <p:txBody>
-          <a:bodyPr anchorCtr="0" anchor="t" bIns="91425" lIns="91425" spcFirstLastPara="1" rIns="91425" wrap="square" tIns="91425">
+          <a:bodyPr spcFirstLastPara="1" wrap="square" lIns="91425" tIns="91425" rIns="91425" bIns="91425" anchor="t" anchorCtr="0">
             <a:spAutoFit/>
           </a:bodyPr>
           <a:lstStyle/>
           <a:p>
-            <a:pPr indent="0" lvl="0" marL="0" rtl="0" algn="l">
-              <a:spcBef>
-                <a:spcPts val="0"/>
-              </a:spcBef>
-              <a:spcAft>
-                <a:spcPts val="0"/>
-              </a:spcAft>
-              <a:buNone/>
-            </a:pPr>
-            <a:r>
-              <a:t/>
-            </a:r>
+            <a:pPr marL="0" lvl="0" indent="0" algn="l" rtl="0">
+              <a:spcBef>
+                <a:spcPts val="0"/>
+              </a:spcBef>
+              <a:spcAft>
+                <a:spcPts val="0"/>
+              </a:spcAft>
+              <a:buNone/>
+            </a:pPr>
             <a:endParaRPr/>
           </a:p>
         </p:txBody>
@@ -7702,12 +7920,12 @@
           </a:ln>
         </p:spPr>
         <p:txBody>
-          <a:bodyPr anchorCtr="0" anchor="t" bIns="91425" lIns="91425" spcFirstLastPara="1" rIns="91425" wrap="square" tIns="91425">
+          <a:bodyPr spcFirstLastPara="1" wrap="square" lIns="91425" tIns="91425" rIns="91425" bIns="91425" anchor="t" anchorCtr="0">
             <a:spAutoFit/>
           </a:bodyPr>
           <a:lstStyle/>
           <a:p>
-            <a:pPr indent="-304800" lvl="0" marL="457200" rtl="0" algn="l">
+            <a:pPr marL="457200" lvl="0" indent="-304800" algn="l" rtl="0">
               <a:lnSpc>
                 <a:spcPct val="115000"/>
               </a:lnSpc>
@@ -7722,7 +7940,7 @@
               <a:buChar char="●"/>
             </a:pPr>
             <a:r>
-              <a:rPr lang="en" sz="1200">
+              <a:rPr lang="en" sz="1200" dirty="0">
                 <a:latin typeface="Open Sans"/>
                 <a:ea typeface="Open Sans"/>
                 <a:cs typeface="Open Sans"/>
@@ -7730,7 +7948,7 @@
               </a:rPr>
               <a:t>User Interacts with DAG through the Airflow Webserver</a:t>
             </a:r>
-            <a:endParaRPr sz="1200">
+            <a:endParaRPr sz="1200" dirty="0">
               <a:latin typeface="Open Sans"/>
               <a:ea typeface="Open Sans"/>
               <a:cs typeface="Open Sans"/>
@@ -7738,7 +7956,7 @@
             </a:endParaRPr>
           </a:p>
           <a:p>
-            <a:pPr indent="-304800" lvl="0" marL="457200" rtl="0" algn="l">
+            <a:pPr marL="457200" lvl="0" indent="-304800" algn="l" rtl="0">
               <a:lnSpc>
                 <a:spcPct val="115000"/>
               </a:lnSpc>
@@ -7753,7 +7971,7 @@
               <a:buChar char="●"/>
             </a:pPr>
             <a:r>
-              <a:rPr lang="en" sz="1200">
+              <a:rPr lang="en" sz="1200" dirty="0">
                 <a:latin typeface="Open Sans"/>
                 <a:ea typeface="Open Sans"/>
                 <a:cs typeface="Open Sans"/>
@@ -7761,7 +7979,7 @@
               </a:rPr>
               <a:t>Airflow metadata database is hosted on a separate server</a:t>
             </a:r>
-            <a:endParaRPr sz="1200">
+            <a:endParaRPr sz="1200" dirty="0">
               <a:latin typeface="Open Sans"/>
               <a:ea typeface="Open Sans"/>
               <a:cs typeface="Open Sans"/>
@@ -7769,7 +7987,7 @@
             </a:endParaRPr>
           </a:p>
           <a:p>
-            <a:pPr indent="-304800" lvl="0" marL="457200" rtl="0" algn="l">
+            <a:pPr marL="457200" lvl="0" indent="-304800" algn="l" rtl="0">
               <a:lnSpc>
                 <a:spcPct val="115000"/>
               </a:lnSpc>
@@ -7784,7 +8002,7 @@
               <a:buChar char="●"/>
             </a:pPr>
             <a:r>
-              <a:rPr lang="en" sz="1200">
+              <a:rPr lang="en" sz="1200" dirty="0">
                 <a:latin typeface="Open Sans"/>
                 <a:ea typeface="Open Sans"/>
                 <a:cs typeface="Open Sans"/>
@@ -7792,7 +8010,7 @@
               </a:rPr>
               <a:t>Scheduler connects with the metadata database through a SQL client</a:t>
             </a:r>
-            <a:endParaRPr sz="1200">
+            <a:endParaRPr sz="1200" dirty="0">
               <a:latin typeface="Open Sans"/>
               <a:ea typeface="Open Sans"/>
               <a:cs typeface="Open Sans"/>
@@ -7800,7 +8018,7 @@
             </a:endParaRPr>
           </a:p>
           <a:p>
-            <a:pPr indent="-304800" lvl="0" marL="457200" rtl="0" algn="l">
+            <a:pPr marL="457200" lvl="0" indent="-304800" algn="l" rtl="0">
               <a:lnSpc>
                 <a:spcPct val="115000"/>
               </a:lnSpc>
@@ -7815,33 +8033,15 @@
               <a:buChar char="●"/>
             </a:pPr>
             <a:r>
-              <a:rPr lang="en" sz="1200">
+              <a:rPr lang="en" sz="1200" dirty="0">
                 <a:latin typeface="Open Sans"/>
                 <a:ea typeface="Open Sans"/>
                 <a:cs typeface="Open Sans"/>
                 <a:sym typeface="Open Sans"/>
               </a:rPr>
-              <a:t>Airflow uses Celery to distribute data </a:t>
-            </a:r>
-            <a:r>
-              <a:rPr lang="en" sz="1200">
-                <a:latin typeface="Open Sans"/>
-                <a:ea typeface="Open Sans"/>
-                <a:cs typeface="Open Sans"/>
-                <a:sym typeface="Open Sans"/>
-              </a:rPr>
-              <a:t>across</a:t>
-            </a:r>
-            <a:r>
-              <a:rPr lang="en" sz="1200">
-                <a:latin typeface="Open Sans"/>
-                <a:ea typeface="Open Sans"/>
-                <a:cs typeface="Open Sans"/>
-                <a:sym typeface="Open Sans"/>
-              </a:rPr>
-              <a:t> the various nodes</a:t>
-            </a:r>
-            <a:endParaRPr sz="1200">
+              <a:t>Airflow uses Celery to distribute data across the various nodes</a:t>
+            </a:r>
+            <a:endParaRPr sz="1200" dirty="0">
               <a:latin typeface="Open Sans"/>
               <a:ea typeface="Open Sans"/>
               <a:cs typeface="Open Sans"/>
@@ -7849,7 +8049,7 @@
             </a:endParaRPr>
           </a:p>
           <a:p>
-            <a:pPr indent="-304800" lvl="0" marL="457200" rtl="0" algn="l">
+            <a:pPr marL="457200" lvl="0" indent="-304800" algn="l" rtl="0">
               <a:lnSpc>
                 <a:spcPct val="115000"/>
               </a:lnSpc>
@@ -7864,7 +8064,7 @@
               <a:buChar char="●"/>
             </a:pPr>
             <a:r>
-              <a:rPr lang="en" sz="1200">
+              <a:rPr lang="en" sz="1200" dirty="0">
                 <a:latin typeface="Open Sans"/>
                 <a:ea typeface="Open Sans"/>
                 <a:cs typeface="Open Sans"/>
@@ -7872,7 +8072,7 @@
               </a:rPr>
               <a:t>Each node has a Celery worker installed on the node</a:t>
             </a:r>
-            <a:endParaRPr sz="1200">
+            <a:endParaRPr sz="1200" dirty="0">
               <a:latin typeface="Open Sans"/>
               <a:ea typeface="Open Sans"/>
               <a:cs typeface="Open Sans"/>
@@ -7880,7 +8080,7 @@
             </a:endParaRPr>
           </a:p>
           <a:p>
-            <a:pPr indent="-304800" lvl="0" marL="457200" rtl="0" algn="l">
+            <a:pPr marL="457200" lvl="0" indent="-304800" algn="l" rtl="0">
               <a:lnSpc>
                 <a:spcPct val="115000"/>
               </a:lnSpc>
@@ -7895,7 +8095,7 @@
               <a:buChar char="●"/>
             </a:pPr>
             <a:r>
-              <a:rPr lang="en" sz="1200">
+              <a:rPr lang="en" sz="1200" dirty="0">
                 <a:latin typeface="Open Sans"/>
                 <a:ea typeface="Open Sans"/>
                 <a:cs typeface="Open Sans"/>
@@ -7903,7 +8103,7 @@
               </a:rPr>
               <a:t>Celery depends on the message broker to distribute tasks to the nodes</a:t>
             </a:r>
-            <a:endParaRPr sz="1200">
+            <a:endParaRPr sz="1200" dirty="0">
               <a:latin typeface="Open Sans"/>
               <a:ea typeface="Open Sans"/>
               <a:cs typeface="Open Sans"/>
@@ -7911,7 +8111,7 @@
             </a:endParaRPr>
           </a:p>
           <a:p>
-            <a:pPr indent="-304800" lvl="0" marL="457200" rtl="0" algn="l">
+            <a:pPr marL="457200" lvl="0" indent="-304800" algn="l" rtl="0">
               <a:lnSpc>
                 <a:spcPct val="115000"/>
               </a:lnSpc>
@@ -7926,7 +8126,7 @@
               <a:buChar char="●"/>
             </a:pPr>
             <a:r>
-              <a:rPr lang="en" sz="1200">
+              <a:rPr lang="en" sz="1200" dirty="0">
                 <a:latin typeface="Open Sans"/>
                 <a:ea typeface="Open Sans"/>
                 <a:cs typeface="Open Sans"/>
@@ -7934,7 +8134,7 @@
               </a:rPr>
               <a:t>The Celery worker then executes the tasks </a:t>
             </a:r>
-            <a:endParaRPr sz="1200">
+            <a:endParaRPr sz="1200" dirty="0">
               <a:latin typeface="Open Sans"/>
               <a:ea typeface="Open Sans"/>
               <a:cs typeface="Open Sans"/>
@@ -7942,7 +8142,7 @@
             </a:endParaRPr>
           </a:p>
           <a:p>
-            <a:pPr indent="-304800" lvl="0" marL="457200" rtl="0" algn="l">
+            <a:pPr marL="457200" lvl="0" indent="-304800" algn="l" rtl="0">
               <a:lnSpc>
                 <a:spcPct val="115000"/>
               </a:lnSpc>
@@ -7957,7 +8157,7 @@
               <a:buChar char="●"/>
             </a:pPr>
             <a:r>
-              <a:rPr lang="en" sz="1200">
+              <a:rPr lang="en" sz="1200" dirty="0">
                 <a:latin typeface="Open Sans"/>
                 <a:ea typeface="Open Sans"/>
                 <a:cs typeface="Open Sans"/>
@@ -7965,7 +8165,7 @@
               </a:rPr>
               <a:t>The edge nodes communicate with API layer to trigger processes and orchestrate</a:t>
             </a:r>
-            <a:endParaRPr sz="1200">
+            <a:endParaRPr sz="1200" dirty="0">
               <a:latin typeface="Open Sans"/>
               <a:ea typeface="Open Sans"/>
               <a:cs typeface="Open Sans"/>
@@ -7973,7 +8173,7 @@
             </a:endParaRPr>
           </a:p>
           <a:p>
-            <a:pPr indent="-304800" lvl="0" marL="457200" rtl="0" algn="l">
+            <a:pPr marL="457200" lvl="0" indent="-304800" algn="l" rtl="0">
               <a:lnSpc>
                 <a:spcPct val="115000"/>
               </a:lnSpc>
@@ -7988,7 +8188,7 @@
               <a:buChar char="●"/>
             </a:pPr>
             <a:r>
-              <a:rPr lang="en" sz="1200">
+              <a:rPr lang="en" sz="1200" dirty="0">
                 <a:latin typeface="Open Sans"/>
                 <a:ea typeface="Open Sans"/>
                 <a:cs typeface="Open Sans"/>
@@ -7996,7 +8196,7 @@
               </a:rPr>
               <a:t>The edge nodes also perform audit tasks and send out notifications</a:t>
             </a:r>
-            <a:endParaRPr sz="1200">
+            <a:endParaRPr sz="1200" dirty="0">
               <a:latin typeface="Open Sans"/>
               <a:ea typeface="Open Sans"/>
               <a:cs typeface="Open Sans"/>
@@ -8025,12 +8225,12 @@
           </a:ln>
         </p:spPr>
         <p:txBody>
-          <a:bodyPr anchorCtr="0" anchor="t" bIns="91425" lIns="91425" spcFirstLastPara="1" rIns="91425" wrap="square" tIns="91425">
+          <a:bodyPr spcFirstLastPara="1" wrap="square" lIns="91425" tIns="91425" rIns="91425" bIns="91425" anchor="t" anchorCtr="0">
             <a:spAutoFit/>
           </a:bodyPr>
           <a:lstStyle/>
           <a:p>
-            <a:pPr indent="-304800" lvl="0" marL="457200" rtl="0" algn="l">
+            <a:pPr marL="457200" lvl="0" indent="-304800" algn="l" rtl="0">
               <a:spcBef>
                 <a:spcPts val="0"/>
               </a:spcBef>
@@ -8047,7 +8247,7 @@
             <a:endParaRPr sz="1200"/>
           </a:p>
           <a:p>
-            <a:pPr indent="-304800" lvl="0" marL="457200" rtl="0" algn="l">
+            <a:pPr marL="457200" lvl="0" indent="-304800" algn="l" rtl="0">
               <a:spcBef>
                 <a:spcPts val="0"/>
               </a:spcBef>
@@ -8074,11 +8274,11 @@
 </file>
 
 <file path=ppt/slides/slide13.xml><?xml version="1.0" encoding="utf-8"?>
-<p:sld xmlns:a="http://schemas.openxmlformats.org/drawingml/2006/main" xmlns:r="http://schemas.openxmlformats.org/officeDocument/2006/relationships" xmlns:mc="http://schemas.openxmlformats.org/markup-compatibility/2006" xmlns:mv="urn:schemas-microsoft-com:mac:vml" xmlns:p="http://schemas.openxmlformats.org/presentationml/2006/main" xmlns:c="http://schemas.openxmlformats.org/drawingml/2006/chart" xmlns:dgm="http://schemas.openxmlformats.org/drawingml/2006/diagram" xmlns:o="urn:schemas-microsoft-com:office:office" xmlns:v="urn:schemas-microsoft-com:vml" xmlns:pvml="urn:schemas-microsoft-com:office:powerpoint" xmlns:com="http://schemas.openxmlformats.org/drawingml/2006/compatibility" xmlns:p14="http://schemas.microsoft.com/office/powerpoint/2010/main" xmlns:p15="http://schemas.microsoft.com/office/powerpoint/2012/main" xmlns:ahyp="http://schemas.microsoft.com/office/drawing/2018/hyperlinkcolor">
+<p:sld xmlns:a="http://schemas.openxmlformats.org/drawingml/2006/main" xmlns:r="http://schemas.openxmlformats.org/officeDocument/2006/relationships" xmlns:p="http://schemas.openxmlformats.org/presentationml/2006/main">
   <p:cSld>
     <p:spTree>
       <p:nvGrpSpPr>
-        <p:cNvPr id="143" name="Shape 143"/>
+        <p:cNvPr id="1" name="Shape 143"/>
         <p:cNvGrpSpPr/>
         <p:nvPr/>
       </p:nvGrpSpPr>
@@ -8093,7 +8293,9 @@
       <p:sp>
         <p:nvSpPr>
           <p:cNvPr id="144" name="Google Shape;144;p25"/>
-          <p:cNvSpPr txBox="1"/>
+          <p:cNvSpPr txBox="1">
+            <a:spLocks noGrp="1"/>
+          </p:cNvSpPr>
           <p:nvPr>
             <p:ph type="title"/>
           </p:nvPr>
@@ -8108,12 +8310,12 @@
           </a:prstGeom>
         </p:spPr>
         <p:txBody>
-          <a:bodyPr anchorCtr="0" anchor="t" bIns="91425" lIns="91425" spcFirstLastPara="1" rIns="91425" wrap="square" tIns="91425">
+          <a:bodyPr spcFirstLastPara="1" wrap="square" lIns="91425" tIns="91425" rIns="91425" bIns="91425" anchor="t" anchorCtr="0">
             <a:normAutofit fontScale="90000"/>
           </a:bodyPr>
           <a:lstStyle/>
           <a:p>
-            <a:pPr indent="0" lvl="0" marL="0" rtl="0" algn="l">
+            <a:pPr marL="0" lvl="0" indent="0" algn="l" rtl="0">
               <a:spcBef>
                 <a:spcPts val="0"/>
               </a:spcBef>
@@ -8150,12 +8352,12 @@
           </a:ln>
         </p:spPr>
         <p:txBody>
-          <a:bodyPr anchorCtr="0" anchor="t" bIns="91425" lIns="91425" spcFirstLastPara="1" rIns="91425" wrap="square" tIns="91425">
+          <a:bodyPr spcFirstLastPara="1" wrap="square" lIns="91425" tIns="91425" rIns="91425" bIns="91425" anchor="t" anchorCtr="0">
             <a:spAutoFit/>
           </a:bodyPr>
           <a:lstStyle/>
           <a:p>
-            <a:pPr indent="0" lvl="0" marL="0" rtl="0" algn="l">
+            <a:pPr marL="0" lvl="0" indent="0" algn="l" rtl="0">
               <a:spcBef>
                 <a:spcPts val="0"/>
               </a:spcBef>
@@ -8171,22 +8373,19 @@
             <a:endParaRPr sz="1100"/>
           </a:p>
           <a:p>
-            <a:pPr indent="0" lvl="0" marL="0" rtl="0" algn="l">
-              <a:spcBef>
-                <a:spcPts val="0"/>
-              </a:spcBef>
-              <a:spcAft>
-                <a:spcPts val="0"/>
-              </a:spcAft>
-              <a:buNone/>
-            </a:pPr>
-            <a:r>
-              <a:t/>
-            </a:r>
+            <a:pPr marL="0" lvl="0" indent="0" algn="l" rtl="0">
+              <a:spcBef>
+                <a:spcPts val="0"/>
+              </a:spcBef>
+              <a:spcAft>
+                <a:spcPts val="0"/>
+              </a:spcAft>
+              <a:buNone/>
+            </a:pPr>
             <a:endParaRPr sz="1100"/>
           </a:p>
           <a:p>
-            <a:pPr indent="0" lvl="0" marL="0" rtl="0" algn="l">
+            <a:pPr marL="0" lvl="0" indent="0" algn="l" rtl="0">
               <a:spcBef>
                 <a:spcPts val="0"/>
               </a:spcBef>
@@ -8202,22 +8401,19 @@
             <a:endParaRPr sz="1100"/>
           </a:p>
           <a:p>
-            <a:pPr indent="0" lvl="0" marL="0" rtl="0" algn="l">
-              <a:spcBef>
-                <a:spcPts val="0"/>
-              </a:spcBef>
-              <a:spcAft>
-                <a:spcPts val="0"/>
-              </a:spcAft>
-              <a:buNone/>
-            </a:pPr>
-            <a:r>
-              <a:t/>
-            </a:r>
+            <a:pPr marL="0" lvl="0" indent="0" algn="l" rtl="0">
+              <a:spcBef>
+                <a:spcPts val="0"/>
+              </a:spcBef>
+              <a:spcAft>
+                <a:spcPts val="0"/>
+              </a:spcAft>
+              <a:buNone/>
+            </a:pPr>
             <a:endParaRPr sz="1100"/>
           </a:p>
           <a:p>
-            <a:pPr indent="0" lvl="0" marL="0" rtl="0" algn="l">
+            <a:pPr marL="0" lvl="0" indent="0" algn="l" rtl="0">
               <a:spcBef>
                 <a:spcPts val="0"/>
               </a:spcBef>
@@ -8228,11 +8424,7 @@
             </a:pPr>
             <a:r>
               <a:rPr lang="en" sz="1100"/>
-              <a:t>For making </a:t>
-            </a:r>
-            <a:r>
-              <a:rPr lang="en" sz="1100"/>
-              <a:t>enhancements to the code or adding new jobs the latest code deployed on each environment will be pulled from master/main branch and committed to a side branch(Developer Branch) for development purposes and then undergo a PR process involving code review and code approvals after which the new code will be deployed on the servers.</a:t>
+              <a:t>For making enhancements to the code or adding new jobs the latest code deployed on each environment will be pulled from master/main branch and committed to a side branch(Developer Branch) for development purposes and then undergo a PR process involving code review and code approvals after which the new code will be deployed on the servers.</a:t>
             </a:r>
             <a:endParaRPr sz="1100"/>
           </a:p>
@@ -8275,11 +8467,11 @@
 </file>
 
 <file path=ppt/slides/slide14.xml><?xml version="1.0" encoding="utf-8"?>
-<p:sld xmlns:a="http://schemas.openxmlformats.org/drawingml/2006/main" xmlns:r="http://schemas.openxmlformats.org/officeDocument/2006/relationships" xmlns:mc="http://schemas.openxmlformats.org/markup-compatibility/2006" xmlns:mv="urn:schemas-microsoft-com:mac:vml" xmlns:p="http://schemas.openxmlformats.org/presentationml/2006/main" xmlns:c="http://schemas.openxmlformats.org/drawingml/2006/chart" xmlns:dgm="http://schemas.openxmlformats.org/drawingml/2006/diagram" xmlns:o="urn:schemas-microsoft-com:office:office" xmlns:v="urn:schemas-microsoft-com:vml" xmlns:pvml="urn:schemas-microsoft-com:office:powerpoint" xmlns:com="http://schemas.openxmlformats.org/drawingml/2006/compatibility" xmlns:p14="http://schemas.microsoft.com/office/powerpoint/2010/main" xmlns:p15="http://schemas.microsoft.com/office/powerpoint/2012/main" xmlns:ahyp="http://schemas.microsoft.com/office/drawing/2018/hyperlinkcolor">
+<p:sld xmlns:a="http://schemas.openxmlformats.org/drawingml/2006/main" xmlns:r="http://schemas.openxmlformats.org/officeDocument/2006/relationships" xmlns:p="http://schemas.openxmlformats.org/presentationml/2006/main">
   <p:cSld>
     <p:spTree>
       <p:nvGrpSpPr>
-        <p:cNvPr id="150" name="Shape 150"/>
+        <p:cNvPr id="1" name="Shape 150"/>
         <p:cNvGrpSpPr/>
         <p:nvPr/>
       </p:nvGrpSpPr>
@@ -8294,7 +8486,9 @@
       <p:sp>
         <p:nvSpPr>
           <p:cNvPr id="151" name="Google Shape;151;p26"/>
-          <p:cNvSpPr txBox="1"/>
+          <p:cNvSpPr txBox="1">
+            <a:spLocks noGrp="1"/>
+          </p:cNvSpPr>
           <p:nvPr>
             <p:ph type="title"/>
           </p:nvPr>
@@ -8309,12 +8503,12 @@
           </a:prstGeom>
         </p:spPr>
         <p:txBody>
-          <a:bodyPr anchorCtr="0" anchor="t" bIns="91425" lIns="91425" spcFirstLastPara="1" rIns="91425" wrap="square" tIns="91425">
+          <a:bodyPr spcFirstLastPara="1" wrap="square" lIns="91425" tIns="91425" rIns="91425" bIns="91425" anchor="t" anchorCtr="0">
             <a:normAutofit fontScale="90000"/>
           </a:bodyPr>
           <a:lstStyle/>
           <a:p>
-            <a:pPr indent="0" lvl="0" marL="0" rtl="0" algn="l">
+            <a:pPr marL="0" lvl="0" indent="0" algn="l" rtl="0">
               <a:spcBef>
                 <a:spcPts val="0"/>
               </a:spcBef>
@@ -8379,12 +8573,12 @@
           </a:ln>
         </p:spPr>
         <p:txBody>
-          <a:bodyPr anchorCtr="0" anchor="t" bIns="91425" lIns="91425" spcFirstLastPara="1" rIns="91425" wrap="square" tIns="91425">
+          <a:bodyPr spcFirstLastPara="1" wrap="square" lIns="91425" tIns="91425" rIns="91425" bIns="91425" anchor="t" anchorCtr="0">
             <a:spAutoFit/>
           </a:bodyPr>
           <a:lstStyle/>
           <a:p>
-            <a:pPr indent="0" lvl="0" marL="0" rtl="0" algn="l">
+            <a:pPr marL="0" lvl="0" indent="0" algn="l" rtl="0">
               <a:spcBef>
                 <a:spcPts val="0"/>
               </a:spcBef>
@@ -8395,35 +8589,24 @@
             </a:pPr>
             <a:r>
               <a:rPr lang="en" sz="1100"/>
-              <a:t>The code for Airflow will be </a:t>
-            </a:r>
-            <a:r>
-              <a:rPr lang="en" sz="1100"/>
-              <a:t>initially</a:t>
-            </a:r>
-            <a:r>
-              <a:rPr lang="en" sz="1100"/>
-              <a:t> hosted on sandbox server where all the POC and enhancements are worked on.</a:t>
+              <a:t>The code for Airflow will be initially hosted on sandbox server where all the POC and enhancements are worked on.</a:t>
             </a:r>
             <a:endParaRPr sz="1100"/>
           </a:p>
           <a:p>
-            <a:pPr indent="0" lvl="0" marL="0" rtl="0" algn="l">
-              <a:spcBef>
-                <a:spcPts val="0"/>
-              </a:spcBef>
-              <a:spcAft>
-                <a:spcPts val="0"/>
-              </a:spcAft>
-              <a:buNone/>
-            </a:pPr>
-            <a:r>
-              <a:t/>
-            </a:r>
+            <a:pPr marL="0" lvl="0" indent="0" algn="l" rtl="0">
+              <a:spcBef>
+                <a:spcPts val="0"/>
+              </a:spcBef>
+              <a:spcAft>
+                <a:spcPts val="0"/>
+              </a:spcAft>
+              <a:buNone/>
+            </a:pPr>
             <a:endParaRPr sz="1100"/>
           </a:p>
           <a:p>
-            <a:pPr indent="0" lvl="0" marL="0" rtl="0" algn="l">
+            <a:pPr marL="0" lvl="0" indent="0" algn="l" rtl="0">
               <a:spcBef>
                 <a:spcPts val="0"/>
               </a:spcBef>
@@ -8439,22 +8622,19 @@
             <a:endParaRPr sz="1100"/>
           </a:p>
           <a:p>
-            <a:pPr indent="0" lvl="0" marL="0" rtl="0" algn="l">
-              <a:spcBef>
-                <a:spcPts val="0"/>
-              </a:spcBef>
-              <a:spcAft>
-                <a:spcPts val="0"/>
-              </a:spcAft>
-              <a:buNone/>
-            </a:pPr>
-            <a:r>
-              <a:t/>
-            </a:r>
+            <a:pPr marL="0" lvl="0" indent="0" algn="l" rtl="0">
+              <a:spcBef>
+                <a:spcPts val="0"/>
+              </a:spcBef>
+              <a:spcAft>
+                <a:spcPts val="0"/>
+              </a:spcAft>
+              <a:buNone/>
+            </a:pPr>
             <a:endParaRPr sz="1100"/>
           </a:p>
           <a:p>
-            <a:pPr indent="0" lvl="0" marL="0" rtl="0" algn="l">
+            <a:pPr marL="0" lvl="0" indent="0" algn="l" rtl="0">
               <a:spcBef>
                 <a:spcPts val="0"/>
               </a:spcBef>
@@ -8465,35 +8645,24 @@
             </a:pPr>
             <a:r>
               <a:rPr lang="en" sz="1100"/>
-              <a:t>Once the code is </a:t>
-            </a:r>
-            <a:r>
-              <a:rPr lang="en" sz="1100"/>
-              <a:t>ready</a:t>
-            </a:r>
-            <a:r>
-              <a:rPr lang="en" sz="1100"/>
-              <a:t> to be pushed to Test it will again go through the same PR process and then to stage and prod.</a:t>
+              <a:t>Once the code is ready to be pushed to Test it will again go through the same PR process and then to stage and prod.</a:t>
             </a:r>
             <a:endParaRPr sz="1100"/>
           </a:p>
           <a:p>
-            <a:pPr indent="0" lvl="0" marL="0" rtl="0" algn="l">
-              <a:spcBef>
-                <a:spcPts val="0"/>
-              </a:spcBef>
-              <a:spcAft>
-                <a:spcPts val="0"/>
-              </a:spcAft>
-              <a:buNone/>
-            </a:pPr>
-            <a:r>
-              <a:t/>
-            </a:r>
+            <a:pPr marL="0" lvl="0" indent="0" algn="l" rtl="0">
+              <a:spcBef>
+                <a:spcPts val="0"/>
+              </a:spcBef>
+              <a:spcAft>
+                <a:spcPts val="0"/>
+              </a:spcAft>
+              <a:buNone/>
+            </a:pPr>
             <a:endParaRPr sz="1100"/>
           </a:p>
           <a:p>
-            <a:pPr indent="0" lvl="0" marL="0" rtl="0" algn="l">
+            <a:pPr marL="0" lvl="0" indent="0" algn="l" rtl="0">
               <a:spcBef>
                 <a:spcPts val="0"/>
               </a:spcBef>
@@ -8509,22 +8678,19 @@
             <a:endParaRPr sz="1100"/>
           </a:p>
           <a:p>
-            <a:pPr indent="0" lvl="0" marL="0" rtl="0" algn="l">
-              <a:spcBef>
-                <a:spcPts val="0"/>
-              </a:spcBef>
-              <a:spcAft>
-                <a:spcPts val="0"/>
-              </a:spcAft>
-              <a:buNone/>
-            </a:pPr>
-            <a:r>
-              <a:t/>
-            </a:r>
+            <a:pPr marL="0" lvl="0" indent="0" algn="l" rtl="0">
+              <a:spcBef>
+                <a:spcPts val="0"/>
+              </a:spcBef>
+              <a:spcAft>
+                <a:spcPts val="0"/>
+              </a:spcAft>
+              <a:buNone/>
+            </a:pPr>
             <a:endParaRPr sz="1100"/>
           </a:p>
           <a:p>
-            <a:pPr indent="0" lvl="0" marL="0" rtl="0" algn="l">
+            <a:pPr marL="0" lvl="0" indent="0" algn="l" rtl="0">
               <a:spcBef>
                 <a:spcPts val="0"/>
               </a:spcBef>
@@ -8535,27 +8701,20 @@
             </a:pPr>
             <a:r>
               <a:rPr lang="en" sz="1100"/>
-              <a:t>** Note: The Dev, Test, Stage and Prod servers share </a:t>
-            </a:r>
-            <a:r>
-              <a:rPr lang="en" sz="1100"/>
-              <a:t>the same configuration with respect to access and network settings.</a:t>
+              <a:t>** Note: The Dev, Test, Stage and Prod servers share the same configuration with respect to access and network settings.</a:t>
             </a:r>
             <a:endParaRPr sz="1100"/>
           </a:p>
           <a:p>
-            <a:pPr indent="0" lvl="0" marL="0" rtl="0" algn="l">
-              <a:spcBef>
-                <a:spcPts val="0"/>
-              </a:spcBef>
-              <a:spcAft>
-                <a:spcPts val="0"/>
-              </a:spcAft>
-              <a:buNone/>
-            </a:pPr>
-            <a:r>
-              <a:t/>
-            </a:r>
+            <a:pPr marL="0" lvl="0" indent="0" algn="l" rtl="0">
+              <a:spcBef>
+                <a:spcPts val="0"/>
+              </a:spcBef>
+              <a:spcAft>
+                <a:spcPts val="0"/>
+              </a:spcAft>
+              <a:buNone/>
+            </a:pPr>
             <a:endParaRPr sz="1100"/>
           </a:p>
         </p:txBody>
@@ -8569,11 +8728,11 @@
 </file>
 
 <file path=ppt/slides/slide15.xml><?xml version="1.0" encoding="utf-8"?>
-<p:sld xmlns:a="http://schemas.openxmlformats.org/drawingml/2006/main" xmlns:r="http://schemas.openxmlformats.org/officeDocument/2006/relationships" xmlns:mc="http://schemas.openxmlformats.org/markup-compatibility/2006" xmlns:mv="urn:schemas-microsoft-com:mac:vml" xmlns:p="http://schemas.openxmlformats.org/presentationml/2006/main" xmlns:c="http://schemas.openxmlformats.org/drawingml/2006/chart" xmlns:dgm="http://schemas.openxmlformats.org/drawingml/2006/diagram" xmlns:o="urn:schemas-microsoft-com:office:office" xmlns:v="urn:schemas-microsoft-com:vml" xmlns:pvml="urn:schemas-microsoft-com:office:powerpoint" xmlns:com="http://schemas.openxmlformats.org/drawingml/2006/compatibility" xmlns:p14="http://schemas.microsoft.com/office/powerpoint/2010/main" xmlns:p15="http://schemas.microsoft.com/office/powerpoint/2012/main" xmlns:ahyp="http://schemas.microsoft.com/office/drawing/2018/hyperlinkcolor">
+<p:sld xmlns:a="http://schemas.openxmlformats.org/drawingml/2006/main" xmlns:r="http://schemas.openxmlformats.org/officeDocument/2006/relationships" xmlns:p="http://schemas.openxmlformats.org/presentationml/2006/main">
   <p:cSld>
     <p:spTree>
       <p:nvGrpSpPr>
-        <p:cNvPr id="157" name="Shape 157"/>
+        <p:cNvPr id="1" name="Shape 157"/>
         <p:cNvGrpSpPr/>
         <p:nvPr/>
       </p:nvGrpSpPr>
@@ -8588,7 +8747,9 @@
       <p:sp>
         <p:nvSpPr>
           <p:cNvPr id="158" name="Google Shape;158;p27"/>
-          <p:cNvSpPr txBox="1"/>
+          <p:cNvSpPr txBox="1">
+            <a:spLocks noGrp="1"/>
+          </p:cNvSpPr>
           <p:nvPr>
             <p:ph type="title"/>
           </p:nvPr>
@@ -8603,12 +8764,12 @@
           </a:prstGeom>
         </p:spPr>
         <p:txBody>
-          <a:bodyPr anchorCtr="0" anchor="t" bIns="91425" lIns="91425" spcFirstLastPara="1" rIns="91425" wrap="square" tIns="91425">
+          <a:bodyPr spcFirstLastPara="1" wrap="square" lIns="91425" tIns="91425" rIns="91425" bIns="91425" anchor="t" anchorCtr="0">
             <a:normAutofit fontScale="90000"/>
           </a:bodyPr>
           <a:lstStyle/>
           <a:p>
-            <a:pPr indent="0" lvl="0" marL="0" rtl="0" algn="l">
+            <a:pPr marL="0" lvl="0" indent="0" algn="l" rtl="0">
               <a:spcBef>
                 <a:spcPts val="0"/>
               </a:spcBef>
@@ -8624,27 +8785,20 @@
             </a:pPr>
             <a:r>
               <a:rPr lang="en"/>
-              <a:t>Airflow</a:t>
-            </a:r>
-            <a:r>
-              <a:rPr lang="en"/>
-              <a:t> Tech Stack </a:t>
+              <a:t>Airflow Tech Stack </a:t>
             </a:r>
             <a:endParaRPr/>
           </a:p>
           <a:p>
-            <a:pPr indent="0" lvl="0" marL="0" rtl="0" algn="l">
-              <a:spcBef>
-                <a:spcPts val="0"/>
-              </a:spcBef>
-              <a:spcAft>
-                <a:spcPts val="0"/>
-              </a:spcAft>
-              <a:buNone/>
-            </a:pPr>
-            <a:r>
-              <a:t/>
-            </a:r>
+            <a:pPr marL="0" lvl="0" indent="0" algn="l" rtl="0">
+              <a:spcBef>
+                <a:spcPts val="0"/>
+              </a:spcBef>
+              <a:spcAft>
+                <a:spcPts val="0"/>
+              </a:spcAft>
+              <a:buNone/>
+            </a:pPr>
             <a:endParaRPr/>
           </a:p>
         </p:txBody>
@@ -8652,9 +8806,11 @@
       <p:sp>
         <p:nvSpPr>
           <p:cNvPr id="159" name="Google Shape;159;p27"/>
-          <p:cNvSpPr txBox="1"/>
+          <p:cNvSpPr txBox="1">
+            <a:spLocks noGrp="1"/>
+          </p:cNvSpPr>
           <p:nvPr>
-            <p:ph idx="1" type="body"/>
+            <p:ph type="body" idx="1"/>
           </p:nvPr>
         </p:nvSpPr>
         <p:spPr>
@@ -8667,12 +8823,12 @@
           </a:prstGeom>
         </p:spPr>
         <p:txBody>
-          <a:bodyPr anchorCtr="0" anchor="t" bIns="91425" lIns="91425" spcFirstLastPara="1" rIns="91425" wrap="square" tIns="91425">
-            <a:normAutofit/>
+          <a:bodyPr spcFirstLastPara="1" wrap="square" lIns="91425" tIns="91425" rIns="91425" bIns="91425" anchor="t" anchorCtr="0">
+            <a:normAutofit lnSpcReduction="10000"/>
           </a:bodyPr>
           <a:lstStyle/>
           <a:p>
-            <a:pPr indent="0" lvl="0" marL="0" rtl="0" algn="l">
+            <a:pPr marL="0" lvl="0" indent="0" algn="l" rtl="0">
               <a:spcBef>
                 <a:spcPts val="0"/>
               </a:spcBef>
@@ -8688,7 +8844,7 @@
             <a:endParaRPr/>
           </a:p>
           <a:p>
-            <a:pPr indent="0" lvl="0" marL="0" rtl="0" algn="l">
+            <a:pPr marL="0" lvl="0" indent="0" algn="l" rtl="0">
               <a:spcBef>
                 <a:spcPts val="1200"/>
               </a:spcBef>
@@ -8704,7 +8860,7 @@
             <a:endParaRPr/>
           </a:p>
           <a:p>
-            <a:pPr indent="0" lvl="0" marL="0" rtl="0" algn="l">
+            <a:pPr marL="0" lvl="0" indent="0" algn="l" rtl="0">
               <a:spcBef>
                 <a:spcPts val="1200"/>
               </a:spcBef>
@@ -8720,7 +8876,7 @@
             <a:endParaRPr/>
           </a:p>
           <a:p>
-            <a:pPr indent="0" lvl="0" marL="0" rtl="0" algn="l">
+            <a:pPr marL="0" lvl="0" indent="0" algn="l" rtl="0">
               <a:spcBef>
                 <a:spcPts val="1200"/>
               </a:spcBef>
@@ -8736,7 +8892,7 @@
             <a:endParaRPr/>
           </a:p>
           <a:p>
-            <a:pPr indent="0" lvl="0" marL="0" rtl="0" algn="l">
+            <a:pPr marL="0" lvl="0" indent="0" algn="l" rtl="0">
               <a:spcBef>
                 <a:spcPts val="1200"/>
               </a:spcBef>
@@ -8752,7 +8908,7 @@
             <a:endParaRPr/>
           </a:p>
           <a:p>
-            <a:pPr indent="0" lvl="0" marL="0" rtl="0" algn="l">
+            <a:pPr marL="0" lvl="0" indent="0" algn="l" rtl="0">
               <a:spcBef>
                 <a:spcPts val="1200"/>
               </a:spcBef>
@@ -8768,7 +8924,7 @@
             <a:endParaRPr/>
           </a:p>
           <a:p>
-            <a:pPr indent="0" lvl="0" marL="0" rtl="0" algn="l">
+            <a:pPr marL="0" lvl="0" indent="0" algn="l" rtl="0">
               <a:spcBef>
                 <a:spcPts val="1200"/>
               </a:spcBef>
@@ -8799,11 +8955,245 @@
 </file>
 
 <file path=ppt/slides/slide16.xml><?xml version="1.0" encoding="utf-8"?>
-<p:sld xmlns:a="http://schemas.openxmlformats.org/drawingml/2006/main" xmlns:r="http://schemas.openxmlformats.org/officeDocument/2006/relationships" xmlns:mc="http://schemas.openxmlformats.org/markup-compatibility/2006" xmlns:mv="urn:schemas-microsoft-com:mac:vml" xmlns:p="http://schemas.openxmlformats.org/presentationml/2006/main" xmlns:c="http://schemas.openxmlformats.org/drawingml/2006/chart" xmlns:dgm="http://schemas.openxmlformats.org/drawingml/2006/diagram" xmlns:o="urn:schemas-microsoft-com:office:office" xmlns:v="urn:schemas-microsoft-com:vml" xmlns:pvml="urn:schemas-microsoft-com:office:powerpoint" xmlns:com="http://schemas.openxmlformats.org/drawingml/2006/compatibility" xmlns:p14="http://schemas.microsoft.com/office/powerpoint/2010/main" xmlns:p15="http://schemas.microsoft.com/office/powerpoint/2012/main" xmlns:ahyp="http://schemas.microsoft.com/office/drawing/2018/hyperlinkcolor">
+<p:sld xmlns:a="http://schemas.openxmlformats.org/drawingml/2006/main" xmlns:r="http://schemas.openxmlformats.org/officeDocument/2006/relationships" xmlns:p="http://schemas.openxmlformats.org/presentationml/2006/main">
   <p:cSld>
     <p:spTree>
       <p:nvGrpSpPr>
-        <p:cNvPr id="163" name="Shape 163"/>
+        <p:cNvPr id="1" name=""/>
+        <p:cNvGrpSpPr/>
+        <p:nvPr/>
+      </p:nvGrpSpPr>
+      <p:grpSpPr>
+        <a:xfrm>
+          <a:off x="0" y="0"/>
+          <a:ext cx="0" cy="0"/>
+          <a:chOff x="0" y="0"/>
+          <a:chExt cx="0" cy="0"/>
+        </a:xfrm>
+      </p:grpSpPr>
+      <p:sp>
+        <p:nvSpPr>
+          <p:cNvPr id="2" name="Title 1">
+            <a:extLst>
+              <a:ext uri="{FF2B5EF4-FFF2-40B4-BE49-F238E27FC236}">
+                <a16:creationId xmlns:a16="http://schemas.microsoft.com/office/drawing/2014/main" id="{F5901578-CA26-0146-8EE9-A8916E81FFEC}"/>
+              </a:ext>
+            </a:extLst>
+          </p:cNvPr>
+          <p:cNvSpPr>
+            <a:spLocks noGrp="1"/>
+          </p:cNvSpPr>
+          <p:nvPr>
+            <p:ph type="title"/>
+          </p:nvPr>
+        </p:nvSpPr>
+        <p:spPr>
+          <a:xfrm>
+            <a:off x="311700" y="115841"/>
+            <a:ext cx="8520600" cy="572700"/>
+          </a:xfrm>
+        </p:spPr>
+        <p:txBody>
+          <a:bodyPr>
+            <a:normAutofit fontScale="90000"/>
+          </a:bodyPr>
+          <a:lstStyle/>
+          <a:p>
+            <a:r>
+              <a:rPr lang="en-US" dirty="0">
+                <a:latin typeface="Open Sans" panose="020B0606030504020204" pitchFamily="34" charset="0"/>
+                <a:ea typeface="Open Sans" panose="020B0606030504020204" pitchFamily="34" charset="0"/>
+                <a:cs typeface="Open Sans" panose="020B0606030504020204" pitchFamily="34" charset="0"/>
+              </a:rPr>
+              <a:t>Airflow Trigger: Through UI ( Recommended )</a:t>
+            </a:r>
+          </a:p>
+        </p:txBody>
+      </p:sp>
+      <p:sp>
+        <p:nvSpPr>
+          <p:cNvPr id="3" name="Text Placeholder 2">
+            <a:extLst>
+              <a:ext uri="{FF2B5EF4-FFF2-40B4-BE49-F238E27FC236}">
+                <a16:creationId xmlns:a16="http://schemas.microsoft.com/office/drawing/2014/main" id="{1C2599BA-8E31-954B-9D7C-E25F666EBC5F}"/>
+              </a:ext>
+            </a:extLst>
+          </p:cNvPr>
+          <p:cNvSpPr>
+            <a:spLocks noGrp="1"/>
+          </p:cNvSpPr>
+          <p:nvPr>
+            <p:ph type="body" idx="1"/>
+          </p:nvPr>
+        </p:nvSpPr>
+        <p:spPr>
+          <a:xfrm>
+            <a:off x="4164429" y="862277"/>
+            <a:ext cx="4260300" cy="856795"/>
+          </a:xfrm>
+        </p:spPr>
+        <p:txBody>
+          <a:bodyPr/>
+          <a:lstStyle/>
+          <a:p>
+            <a:pPr marL="114300" indent="0">
+              <a:buNone/>
+            </a:pPr>
+            <a:r>
+              <a:rPr lang="en-US" dirty="0">
+                <a:latin typeface="Open Sans" panose="020B0606030504020204" pitchFamily="34" charset="0"/>
+                <a:ea typeface="Open Sans" panose="020B0606030504020204" pitchFamily="34" charset="0"/>
+                <a:cs typeface="Open Sans" panose="020B0606030504020204" pitchFamily="34" charset="0"/>
+              </a:rPr>
+              <a:t>EDL UI will hit the Airflow REST API and trigger the DAG on demand</a:t>
+            </a:r>
+          </a:p>
+        </p:txBody>
+      </p:sp>
+      <p:pic>
+        <p:nvPicPr>
+          <p:cNvPr id="7" name="Picture 6" descr="A screenshot of a computer&#10;&#10;Description automatically generated with low confidence">
+            <a:extLst>
+              <a:ext uri="{FF2B5EF4-FFF2-40B4-BE49-F238E27FC236}">
+                <a16:creationId xmlns:a16="http://schemas.microsoft.com/office/drawing/2014/main" id="{C8F18A43-7B95-4D4E-9776-A20A1B3EB372}"/>
+              </a:ext>
+            </a:extLst>
+          </p:cNvPr>
+          <p:cNvPicPr>
+            <a:picLocks noChangeAspect="1"/>
+          </p:cNvPicPr>
+          <p:nvPr/>
+        </p:nvPicPr>
+        <p:blipFill>
+          <a:blip r:embed="rId2"/>
+          <a:stretch>
+            <a:fillRect/>
+          </a:stretch>
+        </p:blipFill>
+        <p:spPr>
+          <a:xfrm>
+            <a:off x="4241651" y="1959608"/>
+            <a:ext cx="4453329" cy="1224283"/>
+          </a:xfrm>
+          <a:prstGeom prst="rect">
+            <a:avLst/>
+          </a:prstGeom>
+        </p:spPr>
+      </p:pic>
+      <p:sp>
+        <p:nvSpPr>
+          <p:cNvPr id="8" name="TextBox 7">
+            <a:extLst>
+              <a:ext uri="{FF2B5EF4-FFF2-40B4-BE49-F238E27FC236}">
+                <a16:creationId xmlns:a16="http://schemas.microsoft.com/office/drawing/2014/main" id="{FC80E938-A708-6546-A751-FBB14C706477}"/>
+              </a:ext>
+            </a:extLst>
+          </p:cNvPr>
+          <p:cNvSpPr txBox="1"/>
+          <p:nvPr/>
+        </p:nvSpPr>
+        <p:spPr>
+          <a:xfrm>
+            <a:off x="420624" y="862277"/>
+            <a:ext cx="3675888" cy="3754874"/>
+          </a:xfrm>
+          <a:prstGeom prst="rect">
+            <a:avLst/>
+          </a:prstGeom>
+          <a:noFill/>
+        </p:spPr>
+        <p:txBody>
+          <a:bodyPr wrap="square" rtlCol="0">
+            <a:spAutoFit/>
+          </a:bodyPr>
+          <a:lstStyle/>
+          <a:p>
+            <a:r>
+              <a:rPr lang="en-IN" dirty="0"/>
+              <a:t>UI sends POST request with configuration as a payload to the airflow </a:t>
+            </a:r>
+            <a:r>
+              <a:rPr lang="en-IN" dirty="0" err="1"/>
+              <a:t>RestAPI</a:t>
+            </a:r>
+            <a:r>
+              <a:rPr lang="en-IN" dirty="0"/>
+              <a:t> whenever the configuration is created. </a:t>
+            </a:r>
+          </a:p>
+          <a:p>
+            <a:endParaRPr lang="en-US" dirty="0"/>
+          </a:p>
+          <a:p>
+            <a:r>
+              <a:rPr lang="en-US" dirty="0"/>
+              <a:t>Pros</a:t>
+            </a:r>
+          </a:p>
+          <a:p>
+            <a:r>
+              <a:rPr lang="en-IN" dirty="0"/>
+              <a:t>a. The </a:t>
+            </a:r>
+            <a:r>
+              <a:rPr lang="en-IN" dirty="0" err="1"/>
+              <a:t>dag</a:t>
+            </a:r>
+            <a:r>
+              <a:rPr lang="en-IN" dirty="0"/>
+              <a:t> will not be scheduled thus making the </a:t>
+            </a:r>
+            <a:r>
+              <a:rPr lang="en-IN" dirty="0" err="1"/>
+              <a:t>dag</a:t>
+            </a:r>
+            <a:r>
+              <a:rPr lang="en-IN" dirty="0"/>
+              <a:t> only run when data is available to process</a:t>
+            </a:r>
+          </a:p>
+          <a:p>
+            <a:r>
+              <a:rPr lang="en-IN" dirty="0"/>
+              <a:t>b. Individual instances are created for the configuration ids thus making the monitoring and logging easy on airflow.</a:t>
+            </a:r>
+          </a:p>
+          <a:p>
+            <a:r>
+              <a:rPr lang="en-IN" dirty="0"/>
+              <a:t>c. Tracking and auditing will be easier due to the creation of individual instances.</a:t>
+            </a:r>
+          </a:p>
+          <a:p>
+            <a:r>
+              <a:rPr lang="en-IN" dirty="0"/>
+              <a:t>d. Performance of each run will be easier to track based on their respective instance id and their execution time.</a:t>
+            </a:r>
+          </a:p>
+          <a:p>
+            <a:endParaRPr lang="en-IN" dirty="0"/>
+          </a:p>
+        </p:txBody>
+      </p:sp>
+    </p:spTree>
+    <p:extLst>
+      <p:ext uri="{BB962C8B-B14F-4D97-AF65-F5344CB8AC3E}">
+        <p14:creationId xmlns:p14="http://schemas.microsoft.com/office/powerpoint/2010/main" val="1997216272"/>
+      </p:ext>
+    </p:extLst>
+  </p:cSld>
+  <p:clrMapOvr>
+    <a:masterClrMapping/>
+  </p:clrMapOvr>
+</p:sld>
+</file>
+
+<file path=ppt/slides/slide17.xml><?xml version="1.0" encoding="utf-8"?>
+<p:sld xmlns:a="http://schemas.openxmlformats.org/drawingml/2006/main" xmlns:r="http://schemas.openxmlformats.org/officeDocument/2006/relationships" xmlns:p="http://schemas.openxmlformats.org/presentationml/2006/main">
+  <p:cSld>
+    <p:spTree>
+      <p:nvGrpSpPr>
+        <p:cNvPr id="1" name="Shape 163"/>
         <p:cNvGrpSpPr/>
         <p:nvPr/>
       </p:nvGrpSpPr>
@@ -8818,7 +9208,9 @@
       <p:sp>
         <p:nvSpPr>
           <p:cNvPr id="164" name="Google Shape;164;p28"/>
-          <p:cNvSpPr txBox="1"/>
+          <p:cNvSpPr txBox="1">
+            <a:spLocks noGrp="1"/>
+          </p:cNvSpPr>
           <p:nvPr>
             <p:ph type="title"/>
           </p:nvPr>
@@ -8833,34 +9225,36 @@
           </a:prstGeom>
         </p:spPr>
         <p:txBody>
-          <a:bodyPr anchorCtr="0" anchor="t" bIns="91425" lIns="91425" spcFirstLastPara="1" rIns="91425" wrap="square" tIns="91425">
+          <a:bodyPr spcFirstLastPara="1" wrap="square" lIns="91425" tIns="91425" rIns="91425" bIns="91425" anchor="t" anchorCtr="0">
             <a:normAutofit fontScale="90000"/>
           </a:bodyPr>
           <a:lstStyle/>
           <a:p>
-            <a:pPr indent="0" lvl="0" marL="0" rtl="0" algn="l">
-              <a:spcBef>
-                <a:spcPts val="0"/>
-              </a:spcBef>
-              <a:spcAft>
-                <a:spcPts val="0"/>
-              </a:spcAft>
-              <a:buNone/>
-            </a:pPr>
-            <a:r>
-              <a:rPr lang="en"/>
+            <a:pPr marL="0" lvl="0" indent="0" algn="l" rtl="0">
+              <a:spcBef>
+                <a:spcPts val="0"/>
+              </a:spcBef>
+              <a:spcAft>
+                <a:spcPts val="0"/>
+              </a:spcAft>
+              <a:buNone/>
+            </a:pPr>
+            <a:r>
+              <a:rPr lang="en" dirty="0"/>
               <a:t>Airflow Trigger Architecture</a:t>
             </a:r>
-            <a:endParaRPr/>
+            <a:endParaRPr dirty="0"/>
           </a:p>
         </p:txBody>
       </p:sp>
       <p:sp>
         <p:nvSpPr>
           <p:cNvPr id="165" name="Google Shape;165;p28"/>
-          <p:cNvSpPr txBox="1"/>
+          <p:cNvSpPr txBox="1">
+            <a:spLocks noGrp="1"/>
+          </p:cNvSpPr>
           <p:nvPr>
-            <p:ph idx="1" type="body"/>
+            <p:ph type="body" idx="1"/>
           </p:nvPr>
         </p:nvSpPr>
         <p:spPr>
@@ -8873,12 +9267,12 @@
           </a:prstGeom>
         </p:spPr>
         <p:txBody>
-          <a:bodyPr anchorCtr="0" anchor="t" bIns="91425" lIns="91425" spcFirstLastPara="1" rIns="91425" wrap="square" tIns="91425">
-            <a:normAutofit fontScale="92500" lnSpcReduction="20000"/>
+          <a:bodyPr spcFirstLastPara="1" wrap="square" lIns="91425" tIns="91425" rIns="91425" bIns="91425" anchor="t" anchorCtr="0">
+            <a:normAutofit fontScale="92500" lnSpcReduction="10000"/>
           </a:bodyPr>
           <a:lstStyle/>
           <a:p>
-            <a:pPr indent="-293211" lvl="0" marL="457200" rtl="0" algn="l">
+            <a:pPr marL="457200" lvl="0" indent="-293211" algn="l" rtl="0">
               <a:lnSpc>
                 <a:spcPct val="150000"/>
               </a:lnSpc>
@@ -8896,7 +9290,7 @@
               <a:buAutoNum type="arabicPeriod"/>
             </a:pPr>
             <a:r>
-              <a:rPr lang="en" sz="1100">
+              <a:rPr lang="en" sz="1100" dirty="0">
                 <a:solidFill>
                   <a:schemeClr val="dk1"/>
                 </a:solidFill>
@@ -8907,7 +9301,7 @@
               </a:rPr>
               <a:t>The user using the EDL UI creates a configuration file which is stored on a local storage.</a:t>
             </a:r>
-            <a:endParaRPr sz="1100">
+            <a:endParaRPr sz="1100" dirty="0">
               <a:solidFill>
                 <a:schemeClr val="dk1"/>
               </a:solidFill>
@@ -8918,7 +9312,7 @@
             </a:endParaRPr>
           </a:p>
           <a:p>
-            <a:pPr indent="-293211" lvl="0" marL="457200" rtl="0" algn="l">
+            <a:pPr marL="457200" lvl="0" indent="-293211" algn="l" rtl="0">
               <a:lnSpc>
                 <a:spcPct val="150000"/>
               </a:lnSpc>
@@ -8936,7 +9330,7 @@
               <a:buAutoNum type="arabicPeriod"/>
             </a:pPr>
             <a:r>
-              <a:rPr lang="en" sz="1100">
+              <a:rPr lang="en" sz="1100" dirty="0">
                 <a:solidFill>
                   <a:schemeClr val="dk1"/>
                 </a:solidFill>
@@ -8945,9 +9339,9 @@
                 <a:cs typeface="Open Sans"/>
                 <a:sym typeface="Open Sans"/>
               </a:rPr>
-              <a:t>The local storage is used to store the EDL configuration files which are based on an on-prem location where there is a designated directory available to fetch files from.</a:t>
-            </a:r>
-            <a:endParaRPr sz="1100">
+              <a:t>The configuration files created by the user are stored on a server location</a:t>
+            </a:r>
+            <a:endParaRPr sz="1100" dirty="0">
               <a:solidFill>
                 <a:schemeClr val="dk1"/>
               </a:solidFill>
@@ -8958,7 +9352,7 @@
             </a:endParaRPr>
           </a:p>
           <a:p>
-            <a:pPr indent="-293211" lvl="0" marL="457200" rtl="0" algn="l">
+            <a:pPr marL="457200" lvl="0" indent="-293211" algn="l" rtl="0">
               <a:lnSpc>
                 <a:spcPct val="150000"/>
               </a:lnSpc>
@@ -8976,7 +9370,7 @@
               <a:buAutoNum type="arabicPeriod"/>
             </a:pPr>
             <a:r>
-              <a:rPr lang="en" sz="1100">
+              <a:rPr lang="en" sz="1100" dirty="0">
                 <a:solidFill>
                   <a:schemeClr val="dk1"/>
                 </a:solidFill>
@@ -8985,9 +9379,33 @@
                 <a:cs typeface="Open Sans"/>
                 <a:sym typeface="Open Sans"/>
               </a:rPr>
-              <a:t>The Unix Polling Script is used as a file watcher that watches the above-designated location continuously for new files and triggers the dags on the airflow scheduler for each configuration file present on the local storage.</a:t>
-            </a:r>
-            <a:endParaRPr sz="1100">
+              <a:t>The Unix Polling Script is used as a file watcher that watches the above-designated location continuously for new files and triggers the </a:t>
+            </a:r>
+            <a:r>
+              <a:rPr lang="en" sz="1100" dirty="0" err="1">
+                <a:solidFill>
+                  <a:schemeClr val="dk1"/>
+                </a:solidFill>
+                <a:latin typeface="Open Sans"/>
+                <a:ea typeface="Open Sans"/>
+                <a:cs typeface="Open Sans"/>
+                <a:sym typeface="Open Sans"/>
+              </a:rPr>
+              <a:t>dags</a:t>
+            </a:r>
+            <a:r>
+              <a:rPr lang="en" sz="1100" dirty="0">
+                <a:solidFill>
+                  <a:schemeClr val="dk1"/>
+                </a:solidFill>
+                <a:latin typeface="Open Sans"/>
+                <a:ea typeface="Open Sans"/>
+                <a:cs typeface="Open Sans"/>
+                <a:sym typeface="Open Sans"/>
+              </a:rPr>
+              <a:t> on the airflow scheduler for each configuration file present on the local storage.</a:t>
+            </a:r>
+            <a:endParaRPr sz="1100" dirty="0">
               <a:solidFill>
                 <a:schemeClr val="dk1"/>
               </a:solidFill>
@@ -8998,7 +9416,7 @@
             </a:endParaRPr>
           </a:p>
           <a:p>
-            <a:pPr indent="-293211" lvl="0" marL="457200" rtl="0" algn="l">
+            <a:pPr marL="457200" lvl="0" indent="-293211" algn="l" rtl="0">
               <a:lnSpc>
                 <a:spcPct val="150000"/>
               </a:lnSpc>
@@ -9015,10 +9433,7 @@
               <a:buFont typeface="Open Sans"/>
               <a:buAutoNum type="arabicPeriod"/>
             </a:pPr>
-            <a:r>
-              <a:t/>
-            </a:r>
-            <a:endParaRPr sz="1100">
+            <a:endParaRPr sz="1100" dirty="0">
               <a:solidFill>
                 <a:schemeClr val="dk1"/>
               </a:solidFill>
@@ -9029,7 +9444,7 @@
             </a:endParaRPr>
           </a:p>
           <a:p>
-            <a:pPr indent="-293211" lvl="0" marL="457200" rtl="0" algn="l">
+            <a:pPr marL="457200" lvl="0" indent="-293211" algn="l" rtl="0">
               <a:lnSpc>
                 <a:spcPct val="150000"/>
               </a:lnSpc>
@@ -9047,7 +9462,7 @@
               <a:buAutoNum type="arabicPeriod"/>
             </a:pPr>
             <a:r>
-              <a:rPr lang="en" sz="1100">
+              <a:rPr lang="en" sz="1100" dirty="0">
                 <a:solidFill>
                   <a:schemeClr val="dk1"/>
                 </a:solidFill>
@@ -9056,9 +9471,33 @@
                 <a:cs typeface="Open Sans"/>
                 <a:sym typeface="Open Sans"/>
               </a:rPr>
-              <a:t>Airflow dags running on the airflow webserver are triggered using the Airflow REST API.</a:t>
-            </a:r>
-            <a:endParaRPr sz="1100">
+              <a:t>Airflow </a:t>
+            </a:r>
+            <a:r>
+              <a:rPr lang="en" sz="1100" dirty="0" err="1">
+                <a:solidFill>
+                  <a:schemeClr val="dk1"/>
+                </a:solidFill>
+                <a:latin typeface="Open Sans"/>
+                <a:ea typeface="Open Sans"/>
+                <a:cs typeface="Open Sans"/>
+                <a:sym typeface="Open Sans"/>
+              </a:rPr>
+              <a:t>dags</a:t>
+            </a:r>
+            <a:r>
+              <a:rPr lang="en" sz="1100" dirty="0">
+                <a:solidFill>
+                  <a:schemeClr val="dk1"/>
+                </a:solidFill>
+                <a:latin typeface="Open Sans"/>
+                <a:ea typeface="Open Sans"/>
+                <a:cs typeface="Open Sans"/>
+                <a:sym typeface="Open Sans"/>
+              </a:rPr>
+              <a:t> running on the airflow webserver are triggered using the Airflow REST API.</a:t>
+            </a:r>
+            <a:endParaRPr sz="1100" dirty="0">
               <a:solidFill>
                 <a:schemeClr val="dk1"/>
               </a:solidFill>
@@ -9069,7 +9508,7 @@
             </a:endParaRPr>
           </a:p>
           <a:p>
-            <a:pPr indent="-293211" lvl="0" marL="457200" rtl="0" algn="l">
+            <a:pPr marL="457200" lvl="0" indent="-293211" algn="l" rtl="0">
               <a:lnSpc>
                 <a:spcPct val="150000"/>
               </a:lnSpc>
@@ -9087,7 +9526,7 @@
               <a:buAutoNum type="arabicPeriod"/>
             </a:pPr>
             <a:r>
-              <a:rPr lang="en" sz="1100">
+              <a:rPr lang="en" sz="1100" dirty="0">
                 <a:solidFill>
                   <a:schemeClr val="dk1"/>
                 </a:solidFill>
@@ -9096,9 +9535,33 @@
                 <a:cs typeface="Open Sans"/>
                 <a:sym typeface="Open Sans"/>
               </a:rPr>
-              <a:t> Airflow dags that are triggered send a POST request to PDILL API that processes the data using underlying jobs.</a:t>
-            </a:r>
-            <a:endParaRPr>
+              <a:t> Airflow </a:t>
+            </a:r>
+            <a:r>
+              <a:rPr lang="en" sz="1100" dirty="0" err="1">
+                <a:solidFill>
+                  <a:schemeClr val="dk1"/>
+                </a:solidFill>
+                <a:latin typeface="Open Sans"/>
+                <a:ea typeface="Open Sans"/>
+                <a:cs typeface="Open Sans"/>
+                <a:sym typeface="Open Sans"/>
+              </a:rPr>
+              <a:t>dags</a:t>
+            </a:r>
+            <a:r>
+              <a:rPr lang="en" sz="1100" dirty="0">
+                <a:solidFill>
+                  <a:schemeClr val="dk1"/>
+                </a:solidFill>
+                <a:latin typeface="Open Sans"/>
+                <a:ea typeface="Open Sans"/>
+                <a:cs typeface="Open Sans"/>
+                <a:sym typeface="Open Sans"/>
+              </a:rPr>
+              <a:t> that are triggered send a POST request to PDILL API that processes the data using underlying jobs.</a:t>
+            </a:r>
+            <a:endParaRPr dirty="0">
               <a:latin typeface="Open Sans"/>
               <a:ea typeface="Open Sans"/>
               <a:cs typeface="Open Sans"/>
@@ -9143,12 +9606,12 @@
 </p:sld>
 </file>
 
-<file path=ppt/slides/slide17.xml><?xml version="1.0" encoding="utf-8"?>
-<p:sld xmlns:a="http://schemas.openxmlformats.org/drawingml/2006/main" xmlns:r="http://schemas.openxmlformats.org/officeDocument/2006/relationships" xmlns:mc="http://schemas.openxmlformats.org/markup-compatibility/2006" xmlns:mv="urn:schemas-microsoft-com:mac:vml" xmlns:p="http://schemas.openxmlformats.org/presentationml/2006/main" xmlns:c="http://schemas.openxmlformats.org/drawingml/2006/chart" xmlns:dgm="http://schemas.openxmlformats.org/drawingml/2006/diagram" xmlns:o="urn:schemas-microsoft-com:office:office" xmlns:v="urn:schemas-microsoft-com:vml" xmlns:pvml="urn:schemas-microsoft-com:office:powerpoint" xmlns:com="http://schemas.openxmlformats.org/drawingml/2006/compatibility" xmlns:p14="http://schemas.microsoft.com/office/powerpoint/2010/main" xmlns:p15="http://schemas.microsoft.com/office/powerpoint/2012/main" xmlns:ahyp="http://schemas.microsoft.com/office/drawing/2018/hyperlinkcolor">
+<file path=ppt/slides/slide18.xml><?xml version="1.0" encoding="utf-8"?>
+<p:sld xmlns:a="http://schemas.openxmlformats.org/drawingml/2006/main" xmlns:r="http://schemas.openxmlformats.org/officeDocument/2006/relationships" xmlns:p="http://schemas.openxmlformats.org/presentationml/2006/main">
   <p:cSld>
     <p:spTree>
       <p:nvGrpSpPr>
-        <p:cNvPr id="170" name="Shape 170"/>
+        <p:cNvPr id="1" name="Shape 170"/>
         <p:cNvGrpSpPr/>
         <p:nvPr/>
       </p:nvGrpSpPr>
@@ -9163,7 +9626,9 @@
       <p:sp>
         <p:nvSpPr>
           <p:cNvPr id="171" name="Google Shape;171;p29"/>
-          <p:cNvSpPr txBox="1"/>
+          <p:cNvSpPr txBox="1">
+            <a:spLocks noGrp="1"/>
+          </p:cNvSpPr>
           <p:nvPr>
             <p:ph type="title"/>
           </p:nvPr>
@@ -9178,12 +9643,12 @@
           </a:prstGeom>
         </p:spPr>
         <p:txBody>
-          <a:bodyPr anchorCtr="0" anchor="t" bIns="91425" lIns="91425" spcFirstLastPara="1" rIns="91425" wrap="square" tIns="91425">
+          <a:bodyPr spcFirstLastPara="1" wrap="square" lIns="91425" tIns="91425" rIns="91425" bIns="91425" anchor="t" anchorCtr="0">
             <a:normAutofit fontScale="90000"/>
           </a:bodyPr>
           <a:lstStyle/>
           <a:p>
-            <a:pPr indent="0" lvl="0" marL="0" rtl="0" algn="l">
+            <a:pPr marL="0" lvl="0" indent="0" algn="l" rtl="0">
               <a:spcBef>
                 <a:spcPts val="0"/>
               </a:spcBef>
@@ -9203,9 +9668,11 @@
       <p:sp>
         <p:nvSpPr>
           <p:cNvPr id="172" name="Google Shape;172;p29"/>
-          <p:cNvSpPr txBox="1"/>
+          <p:cNvSpPr txBox="1">
+            <a:spLocks noGrp="1"/>
+          </p:cNvSpPr>
           <p:nvPr>
-            <p:ph idx="1" type="body"/>
+            <p:ph type="body" idx="1"/>
           </p:nvPr>
         </p:nvSpPr>
         <p:spPr>
@@ -9218,12 +9685,12 @@
           </a:prstGeom>
         </p:spPr>
         <p:txBody>
-          <a:bodyPr anchorCtr="0" anchor="t" bIns="91425" lIns="91425" spcFirstLastPara="1" rIns="91425" wrap="square" tIns="91425">
+          <a:bodyPr spcFirstLastPara="1" wrap="square" lIns="91425" tIns="91425" rIns="91425" bIns="91425" anchor="t" anchorCtr="0">
             <a:normAutofit/>
           </a:bodyPr>
           <a:lstStyle/>
           <a:p>
-            <a:pPr indent="0" lvl="0" marL="0" rtl="0" algn="l">
+            <a:pPr marL="0" lvl="0" indent="0" algn="l" rtl="0">
               <a:spcBef>
                 <a:spcPts val="0"/>
               </a:spcBef>
@@ -9239,7 +9706,7 @@
             <a:endParaRPr/>
           </a:p>
           <a:p>
-            <a:pPr indent="-298450" lvl="0" marL="457200" rtl="0" algn="l">
+            <a:pPr marL="457200" lvl="0" indent="-298450" algn="l" rtl="0">
               <a:spcBef>
                 <a:spcPts val="1200"/>
               </a:spcBef>
@@ -9267,7 +9734,7 @@
             </a:endParaRPr>
           </a:p>
           <a:p>
-            <a:pPr indent="-298450" lvl="0" marL="457200" rtl="0" algn="l">
+            <a:pPr marL="457200" lvl="0" indent="-298450" algn="l" rtl="0">
               <a:spcBef>
                 <a:spcPts val="0"/>
               </a:spcBef>
@@ -9295,7 +9762,35 @@
             </a:endParaRPr>
           </a:p>
           <a:p>
-            <a:pPr indent="-298450" lvl="0" marL="457200" rtl="0" algn="l">
+            <a:pPr marL="457200" lvl="0" indent="-298450" algn="l" rtl="0">
+              <a:spcBef>
+                <a:spcPts val="0"/>
+              </a:spcBef>
+              <a:spcAft>
+                <a:spcPts val="0"/>
+              </a:spcAft>
+              <a:buClr>
+                <a:schemeClr val="dk1"/>
+              </a:buClr>
+              <a:buSzPts val="1100"/>
+              <a:buChar char="●"/>
+            </a:pPr>
+            <a:r>
+              <a:rPr lang="en" sz="1100">
+                <a:solidFill>
+                  <a:schemeClr val="dk1"/>
+                </a:solidFill>
+              </a:rPr>
+              <a:t>Where would be the configuration files created by the EDL UI be stored?</a:t>
+            </a:r>
+            <a:endParaRPr sz="1100">
+              <a:solidFill>
+                <a:schemeClr val="dk1"/>
+              </a:solidFill>
+            </a:endParaRPr>
+          </a:p>
+          <a:p>
+            <a:pPr marL="457200" lvl="0" indent="-298450" algn="l" rtl="0">
               <a:spcBef>
                 <a:spcPts val="0"/>
               </a:spcBef>
@@ -9323,7 +9818,7 @@
             </a:endParaRPr>
           </a:p>
           <a:p>
-            <a:pPr indent="-298450" lvl="0" marL="457200" rtl="0" algn="l">
+            <a:pPr marL="457200" lvl="0" indent="-298450" algn="l" rtl="0">
               <a:spcBef>
                 <a:spcPts val="0"/>
               </a:spcBef>
@@ -9351,7 +9846,7 @@
             </a:endParaRPr>
           </a:p>
           <a:p>
-            <a:pPr indent="-298450" lvl="0" marL="457200" rtl="0" algn="l">
+            <a:pPr marL="457200" lvl="0" indent="-298450" algn="l" rtl="0">
               <a:spcBef>
                 <a:spcPts val="0"/>
               </a:spcBef>
@@ -9379,7 +9874,7 @@
             </a:endParaRPr>
           </a:p>
           <a:p>
-            <a:pPr indent="-298450" lvl="0" marL="457200" rtl="0" algn="l">
+            <a:pPr marL="457200" lvl="0" indent="-298450" algn="l" rtl="0">
               <a:spcBef>
                 <a:spcPts val="0"/>
               </a:spcBef>
@@ -9413,11 +9908,11 @@
 </file>
 
 <file path=ppt/slides/slide2.xml><?xml version="1.0" encoding="utf-8"?>
-<p:sld xmlns:a="http://schemas.openxmlformats.org/drawingml/2006/main" xmlns:r="http://schemas.openxmlformats.org/officeDocument/2006/relationships" xmlns:mc="http://schemas.openxmlformats.org/markup-compatibility/2006" xmlns:mv="urn:schemas-microsoft-com:mac:vml" xmlns:p="http://schemas.openxmlformats.org/presentationml/2006/main" xmlns:c="http://schemas.openxmlformats.org/drawingml/2006/chart" xmlns:dgm="http://schemas.openxmlformats.org/drawingml/2006/diagram" xmlns:o="urn:schemas-microsoft-com:office:office" xmlns:v="urn:schemas-microsoft-com:vml" xmlns:pvml="urn:schemas-microsoft-com:office:powerpoint" xmlns:com="http://schemas.openxmlformats.org/drawingml/2006/compatibility" xmlns:p14="http://schemas.microsoft.com/office/powerpoint/2010/main" xmlns:p15="http://schemas.microsoft.com/office/powerpoint/2012/main" xmlns:ahyp="http://schemas.microsoft.com/office/drawing/2018/hyperlinkcolor">
+<p:sld xmlns:a="http://schemas.openxmlformats.org/drawingml/2006/main" xmlns:r="http://schemas.openxmlformats.org/officeDocument/2006/relationships" xmlns:p="http://schemas.openxmlformats.org/presentationml/2006/main">
   <p:cSld>
     <p:spTree>
       <p:nvGrpSpPr>
-        <p:cNvPr id="60" name="Shape 60"/>
+        <p:cNvPr id="1" name="Shape 60"/>
         <p:cNvGrpSpPr/>
         <p:nvPr/>
       </p:nvGrpSpPr>
@@ -9432,7 +9927,9 @@
       <p:sp>
         <p:nvSpPr>
           <p:cNvPr id="61" name="Google Shape;61;p14"/>
-          <p:cNvSpPr txBox="1"/>
+          <p:cNvSpPr txBox="1">
+            <a:spLocks noGrp="1"/>
+          </p:cNvSpPr>
           <p:nvPr>
             <p:ph type="title"/>
           </p:nvPr>
@@ -9447,12 +9944,12 @@
           </a:prstGeom>
         </p:spPr>
         <p:txBody>
-          <a:bodyPr anchorCtr="0" anchor="t" bIns="91425" lIns="91425" spcFirstLastPara="1" rIns="91425" wrap="square" tIns="91425">
+          <a:bodyPr spcFirstLastPara="1" wrap="square" lIns="91425" tIns="91425" rIns="91425" bIns="91425" anchor="t" anchorCtr="0">
             <a:normAutofit fontScale="90000"/>
           </a:bodyPr>
           <a:lstStyle/>
           <a:p>
-            <a:pPr indent="0" lvl="0" marL="0" rtl="0" algn="l">
+            <a:pPr marL="0" lvl="0" indent="0" algn="l" rtl="0">
               <a:spcBef>
                 <a:spcPts val="0"/>
               </a:spcBef>
@@ -9482,9 +9979,11 @@
       <p:sp>
         <p:nvSpPr>
           <p:cNvPr id="62" name="Google Shape;62;p14"/>
-          <p:cNvSpPr txBox="1"/>
+          <p:cNvSpPr txBox="1">
+            <a:spLocks noGrp="1"/>
+          </p:cNvSpPr>
           <p:nvPr>
-            <p:ph idx="1" type="body"/>
+            <p:ph type="body" idx="1"/>
           </p:nvPr>
         </p:nvSpPr>
         <p:spPr>
@@ -9497,12 +9996,12 @@
           </a:prstGeom>
         </p:spPr>
         <p:txBody>
-          <a:bodyPr anchorCtr="0" anchor="t" bIns="91425" lIns="91425" spcFirstLastPara="1" rIns="91425" wrap="square" tIns="91425">
-            <a:normAutofit fontScale="70000" lnSpcReduction="10000"/>
+          <a:bodyPr spcFirstLastPara="1" wrap="square" lIns="91425" tIns="91425" rIns="91425" bIns="91425" anchor="t" anchorCtr="0">
+            <a:normAutofit fontScale="70000" lnSpcReduction="20000"/>
           </a:bodyPr>
           <a:lstStyle/>
           <a:p>
-            <a:pPr indent="-308610" lvl="0" marL="457200" rtl="0" algn="l">
+            <a:pPr marL="457200" lvl="0" indent="-308610" algn="l" rtl="0">
               <a:lnSpc>
                 <a:spcPct val="150000"/>
               </a:lnSpc>
@@ -9517,7 +10016,7 @@
               <a:buChar char="●"/>
             </a:pPr>
             <a:r>
-              <a:rPr lang="en">
+              <a:rPr lang="en" dirty="0">
                 <a:latin typeface="Open Sans"/>
                 <a:ea typeface="Open Sans"/>
                 <a:cs typeface="Open Sans"/>
@@ -9525,7 +10024,7 @@
               </a:rPr>
               <a:t>Airflow Architecture Overview</a:t>
             </a:r>
-            <a:endParaRPr>
+            <a:endParaRPr dirty="0">
               <a:latin typeface="Open Sans"/>
               <a:ea typeface="Open Sans"/>
               <a:cs typeface="Open Sans"/>
@@ -9533,7 +10032,7 @@
             </a:endParaRPr>
           </a:p>
           <a:p>
-            <a:pPr indent="-308610" lvl="0" marL="457200" rtl="0" algn="l">
+            <a:pPr marL="457200" lvl="0" indent="-308610" algn="l" rtl="0">
               <a:lnSpc>
                 <a:spcPct val="150000"/>
               </a:lnSpc>
@@ -9548,15 +10047,15 @@
               <a:buChar char="●"/>
             </a:pPr>
             <a:r>
-              <a:rPr lang="en">
+              <a:rPr lang="en" dirty="0">
                 <a:latin typeface="Open Sans"/>
                 <a:ea typeface="Open Sans"/>
                 <a:cs typeface="Open Sans"/>
                 <a:sym typeface="Open Sans"/>
               </a:rPr>
-              <a:t>Talk About PDILL DAG</a:t>
-            </a:r>
-            <a:endParaRPr>
+              <a:t>Talk About PDILL DAG -- PDILL DAG Airflow</a:t>
+            </a:r>
+            <a:endParaRPr dirty="0">
               <a:latin typeface="Open Sans"/>
               <a:ea typeface="Open Sans"/>
               <a:cs typeface="Open Sans"/>
@@ -9564,7 +10063,7 @@
             </a:endParaRPr>
           </a:p>
           <a:p>
-            <a:pPr indent="-308610" lvl="0" marL="457200" rtl="0" algn="l">
+            <a:pPr marL="457200" lvl="0" indent="-308610" algn="l" rtl="0">
               <a:lnSpc>
                 <a:spcPct val="150000"/>
               </a:lnSpc>
@@ -9579,15 +10078,15 @@
               <a:buChar char="●"/>
             </a:pPr>
             <a:r>
-              <a:rPr lang="en">
+              <a:rPr lang="en" dirty="0">
                 <a:latin typeface="Open Sans"/>
                 <a:ea typeface="Open Sans"/>
                 <a:cs typeface="Open Sans"/>
                 <a:sym typeface="Open Sans"/>
               </a:rPr>
-              <a:t>Talk About Code Part </a:t>
-            </a:r>
-            <a:endParaRPr>
+              <a:t>Talk About Code Part -- Airflow Code Example</a:t>
+            </a:r>
+            <a:endParaRPr dirty="0">
               <a:latin typeface="Open Sans"/>
               <a:ea typeface="Open Sans"/>
               <a:cs typeface="Open Sans"/>
@@ -9595,7 +10094,7 @@
             </a:endParaRPr>
           </a:p>
           <a:p>
-            <a:pPr indent="-308610" lvl="0" marL="457200" rtl="0" algn="l">
+            <a:pPr marL="457200" lvl="0" indent="-308610" algn="l" rtl="0">
               <a:lnSpc>
                 <a:spcPct val="150000"/>
               </a:lnSpc>
@@ -9610,7 +10109,7 @@
               <a:buChar char="●"/>
             </a:pPr>
             <a:r>
-              <a:rPr lang="en">
+              <a:rPr lang="en" dirty="0">
                 <a:latin typeface="Open Sans"/>
                 <a:ea typeface="Open Sans"/>
                 <a:cs typeface="Open Sans"/>
@@ -9618,7 +10117,7 @@
               </a:rPr>
               <a:t>Deployment Strategy</a:t>
             </a:r>
-            <a:endParaRPr>
+            <a:endParaRPr dirty="0">
               <a:latin typeface="Open Sans"/>
               <a:ea typeface="Open Sans"/>
               <a:cs typeface="Open Sans"/>
@@ -9626,7 +10125,7 @@
             </a:endParaRPr>
           </a:p>
           <a:p>
-            <a:pPr indent="-308610" lvl="0" marL="457200" rtl="0" algn="l">
+            <a:pPr marL="457200" lvl="0" indent="-308610" algn="l" rtl="0">
               <a:lnSpc>
                 <a:spcPct val="150000"/>
               </a:lnSpc>
@@ -9641,15 +10140,15 @@
               <a:buChar char="●"/>
             </a:pPr>
             <a:r>
-              <a:rPr lang="en">
+              <a:rPr lang="en" dirty="0">
                 <a:latin typeface="Open Sans"/>
                 <a:ea typeface="Open Sans"/>
                 <a:cs typeface="Open Sans"/>
                 <a:sym typeface="Open Sans"/>
               </a:rPr>
-              <a:t>Talk about celery executor</a:t>
-            </a:r>
-            <a:endParaRPr>
+              <a:t>About Celery Executor</a:t>
+            </a:r>
+            <a:endParaRPr dirty="0">
               <a:latin typeface="Open Sans"/>
               <a:ea typeface="Open Sans"/>
               <a:cs typeface="Open Sans"/>
@@ -9657,7 +10156,7 @@
             </a:endParaRPr>
           </a:p>
           <a:p>
-            <a:pPr indent="-308610" lvl="0" marL="457200" rtl="0" algn="l">
+            <a:pPr marL="457200" lvl="0" indent="-308610" algn="l" rtl="0">
               <a:lnSpc>
                 <a:spcPct val="150000"/>
               </a:lnSpc>
@@ -9672,7 +10171,7 @@
               <a:buChar char="●"/>
             </a:pPr>
             <a:r>
-              <a:rPr lang="en">
+              <a:rPr lang="en" dirty="0">
                 <a:latin typeface="Open Sans"/>
                 <a:ea typeface="Open Sans"/>
                 <a:cs typeface="Open Sans"/>
@@ -9680,7 +10179,7 @@
               </a:rPr>
               <a:t>Data Masking Functional Use Case</a:t>
             </a:r>
-            <a:endParaRPr>
+            <a:endParaRPr dirty="0">
               <a:latin typeface="Open Sans"/>
               <a:ea typeface="Open Sans"/>
               <a:cs typeface="Open Sans"/>
@@ -9688,7 +10187,7 @@
             </a:endParaRPr>
           </a:p>
           <a:p>
-            <a:pPr indent="-308610" lvl="0" marL="457200" rtl="0" algn="l">
+            <a:pPr marL="457200" lvl="0" indent="-308610" algn="l" rtl="0">
               <a:lnSpc>
                 <a:spcPct val="150000"/>
               </a:lnSpc>
@@ -9703,7 +10202,7 @@
               <a:buChar char="●"/>
             </a:pPr>
             <a:r>
-              <a:rPr lang="en">
+              <a:rPr lang="en" dirty="0">
                 <a:latin typeface="Open Sans"/>
                 <a:ea typeface="Open Sans"/>
                 <a:cs typeface="Open Sans"/>
@@ -9711,7 +10210,7 @@
               </a:rPr>
               <a:t>Non Function Use Case</a:t>
             </a:r>
-            <a:endParaRPr>
+            <a:endParaRPr dirty="0">
               <a:latin typeface="Open Sans"/>
               <a:ea typeface="Open Sans"/>
               <a:cs typeface="Open Sans"/>
@@ -9719,7 +10218,7 @@
             </a:endParaRPr>
           </a:p>
           <a:p>
-            <a:pPr indent="-308610" lvl="0" marL="457200" rtl="0" algn="l">
+            <a:pPr marL="457200" lvl="0" indent="-308610" algn="l" rtl="0">
               <a:lnSpc>
                 <a:spcPct val="150000"/>
               </a:lnSpc>
@@ -9734,7 +10233,7 @@
               <a:buChar char="●"/>
             </a:pPr>
             <a:r>
-              <a:rPr lang="en">
+              <a:rPr lang="en" dirty="0">
                 <a:latin typeface="Open Sans"/>
                 <a:ea typeface="Open Sans"/>
                 <a:cs typeface="Open Sans"/>
@@ -9742,7 +10241,7 @@
               </a:rPr>
               <a:t>Success Criteria</a:t>
             </a:r>
-            <a:endParaRPr>
+            <a:endParaRPr dirty="0">
               <a:latin typeface="Open Sans"/>
               <a:ea typeface="Open Sans"/>
               <a:cs typeface="Open Sans"/>
@@ -9750,7 +10249,7 @@
             </a:endParaRPr>
           </a:p>
           <a:p>
-            <a:pPr indent="-308610" lvl="0" marL="457200" rtl="0" algn="l">
+            <a:pPr marL="457200" lvl="0" indent="-308610" algn="l" rtl="0">
               <a:lnSpc>
                 <a:spcPct val="150000"/>
               </a:lnSpc>
@@ -9765,7 +10264,7 @@
               <a:buChar char="●"/>
             </a:pPr>
             <a:r>
-              <a:rPr lang="en">
+              <a:rPr lang="en" dirty="0">
                 <a:latin typeface="Open Sans"/>
                 <a:ea typeface="Open Sans"/>
                 <a:cs typeface="Open Sans"/>
@@ -9773,7 +10272,7 @@
               </a:rPr>
               <a:t>Test Cases and Results</a:t>
             </a:r>
-            <a:endParaRPr>
+            <a:endParaRPr dirty="0">
               <a:latin typeface="Open Sans"/>
               <a:ea typeface="Open Sans"/>
               <a:cs typeface="Open Sans"/>
@@ -9781,7 +10280,7 @@
             </a:endParaRPr>
           </a:p>
           <a:p>
-            <a:pPr indent="-308610" lvl="0" marL="457200" rtl="0" algn="l">
+            <a:pPr marL="457200" lvl="0" indent="-308610" algn="l" rtl="0">
               <a:lnSpc>
                 <a:spcPct val="150000"/>
               </a:lnSpc>
@@ -9796,7 +10295,7 @@
               <a:buChar char="●"/>
             </a:pPr>
             <a:r>
-              <a:rPr lang="en">
+              <a:rPr lang="en" dirty="0">
                 <a:latin typeface="Open Sans"/>
                 <a:ea typeface="Open Sans"/>
                 <a:cs typeface="Open Sans"/>
@@ -9804,7 +10303,7 @@
               </a:rPr>
               <a:t>Roles and Responsibilities</a:t>
             </a:r>
-            <a:endParaRPr>
+            <a:endParaRPr dirty="0">
               <a:latin typeface="Open Sans"/>
               <a:ea typeface="Open Sans"/>
               <a:cs typeface="Open Sans"/>
@@ -9812,7 +10311,7 @@
             </a:endParaRPr>
           </a:p>
           <a:p>
-            <a:pPr indent="-308610" lvl="0" marL="457200" rtl="0" algn="l">
+            <a:pPr marL="457200" lvl="0" indent="-308610" algn="l" rtl="0">
               <a:lnSpc>
                 <a:spcPct val="150000"/>
               </a:lnSpc>
@@ -9827,7 +10326,7 @@
               <a:buChar char="●"/>
             </a:pPr>
             <a:r>
-              <a:rPr lang="en">
+              <a:rPr lang="en" dirty="0">
                 <a:latin typeface="Open Sans"/>
                 <a:ea typeface="Open Sans"/>
                 <a:cs typeface="Open Sans"/>
@@ -9835,7 +10334,7 @@
               </a:rPr>
               <a:t>Questions regarding Git Repository Creation</a:t>
             </a:r>
-            <a:endParaRPr>
+            <a:endParaRPr dirty="0">
               <a:latin typeface="Open Sans"/>
               <a:ea typeface="Open Sans"/>
               <a:cs typeface="Open Sans"/>
@@ -9843,7 +10342,7 @@
             </a:endParaRPr>
           </a:p>
           <a:p>
-            <a:pPr indent="-308610" lvl="0" marL="457200" rtl="0" algn="l">
+            <a:pPr marL="457200" lvl="0" indent="-308610" algn="l" rtl="0">
               <a:lnSpc>
                 <a:spcPct val="150000"/>
               </a:lnSpc>
@@ -9858,7 +10357,7 @@
               <a:buChar char="●"/>
             </a:pPr>
             <a:r>
-              <a:rPr lang="en">
+              <a:rPr lang="en" dirty="0">
                 <a:latin typeface="Open Sans"/>
                 <a:ea typeface="Open Sans"/>
                 <a:cs typeface="Open Sans"/>
@@ -9866,7 +10365,7 @@
               </a:rPr>
               <a:t>Celery and Rabbit MQ Installation</a:t>
             </a:r>
-            <a:endParaRPr>
+            <a:endParaRPr dirty="0">
               <a:latin typeface="Open Sans"/>
               <a:ea typeface="Open Sans"/>
               <a:cs typeface="Open Sans"/>
@@ -9884,11 +10383,11 @@
 </file>
 
 <file path=ppt/slides/slide3.xml><?xml version="1.0" encoding="utf-8"?>
-<p:sld xmlns:a="http://schemas.openxmlformats.org/drawingml/2006/main" xmlns:r="http://schemas.openxmlformats.org/officeDocument/2006/relationships" xmlns:mc="http://schemas.openxmlformats.org/markup-compatibility/2006" xmlns:mv="urn:schemas-microsoft-com:mac:vml" xmlns:p="http://schemas.openxmlformats.org/presentationml/2006/main" xmlns:c="http://schemas.openxmlformats.org/drawingml/2006/chart" xmlns:dgm="http://schemas.openxmlformats.org/drawingml/2006/diagram" xmlns:o="urn:schemas-microsoft-com:office:office" xmlns:v="urn:schemas-microsoft-com:vml" xmlns:pvml="urn:schemas-microsoft-com:office:powerpoint" xmlns:com="http://schemas.openxmlformats.org/drawingml/2006/compatibility" xmlns:p14="http://schemas.microsoft.com/office/powerpoint/2010/main" xmlns:p15="http://schemas.microsoft.com/office/powerpoint/2012/main" xmlns:ahyp="http://schemas.microsoft.com/office/drawing/2018/hyperlinkcolor">
+<p:sld xmlns:a="http://schemas.openxmlformats.org/drawingml/2006/main" xmlns:r="http://schemas.openxmlformats.org/officeDocument/2006/relationships" xmlns:p="http://schemas.openxmlformats.org/presentationml/2006/main">
   <p:cSld>
     <p:spTree>
       <p:nvGrpSpPr>
-        <p:cNvPr id="66" name="Shape 66"/>
+        <p:cNvPr id="1" name="Shape 66"/>
         <p:cNvGrpSpPr/>
         <p:nvPr/>
       </p:nvGrpSpPr>
@@ -9903,7 +10402,9 @@
       <p:sp>
         <p:nvSpPr>
           <p:cNvPr id="67" name="Google Shape;67;p15"/>
-          <p:cNvSpPr txBox="1"/>
+          <p:cNvSpPr txBox="1">
+            <a:spLocks noGrp="1"/>
+          </p:cNvSpPr>
           <p:nvPr>
             <p:ph type="title"/>
           </p:nvPr>
@@ -9918,12 +10419,12 @@
           </a:prstGeom>
         </p:spPr>
         <p:txBody>
-          <a:bodyPr anchorCtr="0" anchor="t" bIns="91425" lIns="91425" spcFirstLastPara="1" rIns="91425" wrap="square" tIns="91425">
+          <a:bodyPr spcFirstLastPara="1" wrap="square" lIns="91425" tIns="91425" rIns="91425" bIns="91425" anchor="t" anchorCtr="0">
             <a:normAutofit fontScale="90000"/>
           </a:bodyPr>
           <a:lstStyle/>
           <a:p>
-            <a:pPr indent="0" lvl="0" marL="0" rtl="0" algn="l">
+            <a:pPr marL="0" lvl="0" indent="0" algn="l" rtl="0">
               <a:spcBef>
                 <a:spcPts val="0"/>
               </a:spcBef>
@@ -9943,9 +10444,11 @@
       <p:sp>
         <p:nvSpPr>
           <p:cNvPr id="68" name="Google Shape;68;p15"/>
-          <p:cNvSpPr txBox="1"/>
+          <p:cNvSpPr txBox="1">
+            <a:spLocks noGrp="1"/>
+          </p:cNvSpPr>
           <p:nvPr>
-            <p:ph idx="1" type="body"/>
+            <p:ph type="body" idx="1"/>
           </p:nvPr>
         </p:nvSpPr>
         <p:spPr>
@@ -9958,12 +10461,12 @@
           </a:prstGeom>
         </p:spPr>
         <p:txBody>
-          <a:bodyPr anchorCtr="0" anchor="t" bIns="91425" lIns="91425" spcFirstLastPara="1" rIns="91425" wrap="square" tIns="91425">
+          <a:bodyPr spcFirstLastPara="1" wrap="square" lIns="91425" tIns="91425" rIns="91425" bIns="91425" anchor="t" anchorCtr="0">
             <a:normAutofit/>
           </a:bodyPr>
           <a:lstStyle/>
           <a:p>
-            <a:pPr indent="0" lvl="0" marL="0" rtl="0" algn="l">
+            <a:pPr marL="0" lvl="0" indent="0" algn="l" rtl="0">
               <a:spcBef>
                 <a:spcPts val="0"/>
               </a:spcBef>
@@ -10001,7 +10504,7 @@
             </a:endParaRPr>
           </a:p>
           <a:p>
-            <a:pPr indent="0" lvl="0" marL="0" rtl="0" algn="l">
+            <a:pPr marL="0" lvl="0" indent="0" algn="l" rtl="0">
               <a:spcBef>
                 <a:spcPts val="1200"/>
               </a:spcBef>
@@ -10039,7 +10542,7 @@
             </a:endParaRPr>
           </a:p>
           <a:p>
-            <a:pPr indent="0" lvl="0" marL="0" rtl="0" algn="l">
+            <a:pPr marL="0" lvl="0" indent="0" algn="l" rtl="0">
               <a:spcBef>
                 <a:spcPts val="1200"/>
               </a:spcBef>
@@ -10077,7 +10580,7 @@
             </a:endParaRPr>
           </a:p>
           <a:p>
-            <a:pPr indent="0" lvl="0" marL="0" rtl="0" algn="l">
+            <a:pPr marL="0" lvl="0" indent="0" algn="l" rtl="0">
               <a:spcBef>
                 <a:spcPts val="1200"/>
               </a:spcBef>
@@ -10181,11 +10684,11 @@
 </file>
 
 <file path=ppt/slides/slide4.xml><?xml version="1.0" encoding="utf-8"?>
-<p:sld xmlns:a="http://schemas.openxmlformats.org/drawingml/2006/main" xmlns:r="http://schemas.openxmlformats.org/officeDocument/2006/relationships" xmlns:mc="http://schemas.openxmlformats.org/markup-compatibility/2006" xmlns:mv="urn:schemas-microsoft-com:mac:vml" xmlns:p="http://schemas.openxmlformats.org/presentationml/2006/main" xmlns:c="http://schemas.openxmlformats.org/drawingml/2006/chart" xmlns:dgm="http://schemas.openxmlformats.org/drawingml/2006/diagram" xmlns:o="urn:schemas-microsoft-com:office:office" xmlns:v="urn:schemas-microsoft-com:vml" xmlns:pvml="urn:schemas-microsoft-com:office:powerpoint" xmlns:com="http://schemas.openxmlformats.org/drawingml/2006/compatibility" xmlns:p14="http://schemas.microsoft.com/office/powerpoint/2010/main" xmlns:p15="http://schemas.microsoft.com/office/powerpoint/2012/main" xmlns:ahyp="http://schemas.microsoft.com/office/drawing/2018/hyperlinkcolor">
+<p:sld xmlns:a="http://schemas.openxmlformats.org/drawingml/2006/main" xmlns:r="http://schemas.openxmlformats.org/officeDocument/2006/relationships" xmlns:p="http://schemas.openxmlformats.org/presentationml/2006/main">
   <p:cSld>
     <p:spTree>
       <p:nvGrpSpPr>
-        <p:cNvPr id="74" name="Shape 74"/>
+        <p:cNvPr id="1" name="Shape 74"/>
         <p:cNvGrpSpPr/>
         <p:nvPr/>
       </p:nvGrpSpPr>
@@ -10200,7 +10703,9 @@
       <p:sp>
         <p:nvSpPr>
           <p:cNvPr id="75" name="Google Shape;75;p16"/>
-          <p:cNvSpPr txBox="1"/>
+          <p:cNvSpPr txBox="1">
+            <a:spLocks noGrp="1"/>
+          </p:cNvSpPr>
           <p:nvPr>
             <p:ph type="title"/>
           </p:nvPr>
@@ -10215,12 +10720,12 @@
           </a:prstGeom>
         </p:spPr>
         <p:txBody>
-          <a:bodyPr anchorCtr="0" anchor="t" bIns="91425" lIns="91425" spcFirstLastPara="1" rIns="91425" wrap="square" tIns="91425">
+          <a:bodyPr spcFirstLastPara="1" wrap="square" lIns="91425" tIns="91425" rIns="91425" bIns="91425" anchor="t" anchorCtr="0">
             <a:normAutofit fontScale="90000"/>
           </a:bodyPr>
           <a:lstStyle/>
           <a:p>
-            <a:pPr indent="0" lvl="0" marL="0" rtl="0" algn="l">
+            <a:pPr marL="0" lvl="0" indent="0" algn="l" rtl="0">
               <a:spcBef>
                 <a:spcPts val="0"/>
               </a:spcBef>
@@ -10240,9 +10745,11 @@
       <p:sp>
         <p:nvSpPr>
           <p:cNvPr id="76" name="Google Shape;76;p16"/>
-          <p:cNvSpPr txBox="1"/>
+          <p:cNvSpPr txBox="1">
+            <a:spLocks noGrp="1"/>
+          </p:cNvSpPr>
           <p:nvPr>
-            <p:ph idx="1" type="body"/>
+            <p:ph type="body" idx="1"/>
           </p:nvPr>
         </p:nvSpPr>
         <p:spPr>
@@ -10255,12 +10762,12 @@
           </a:prstGeom>
         </p:spPr>
         <p:txBody>
-          <a:bodyPr anchorCtr="0" anchor="t" bIns="91425" lIns="91425" spcFirstLastPara="1" rIns="91425" wrap="square" tIns="91425">
+          <a:bodyPr spcFirstLastPara="1" wrap="square" lIns="91425" tIns="91425" rIns="91425" bIns="91425" anchor="t" anchorCtr="0">
             <a:normAutofit/>
           </a:bodyPr>
           <a:lstStyle/>
           <a:p>
-            <a:pPr indent="-304800" lvl="0" marL="457200" rtl="0" algn="l">
+            <a:pPr marL="457200" lvl="0" indent="-304800" algn="l" rtl="0">
               <a:spcBef>
                 <a:spcPts val="0"/>
               </a:spcBef>
@@ -10307,7 +10814,7 @@
                 <a:hlinkClick r:id="rId3">
                   <a:extLst>
                     <a:ext uri="{A12FA001-AC4F-418D-AE19-62706E023703}">
-                      <ahyp:hlinkClr val="tx"/>
+                      <ahyp:hlinkClr xmlns:ahyp="http://schemas.microsoft.com/office/drawing/2018/hyperlinkcolor" val="tx"/>
                     </a:ext>
                   </a:extLst>
                 </a:hlinkClick>
@@ -10347,7 +10854,7 @@
                 <a:hlinkClick r:id="rId4">
                   <a:extLst>
                     <a:ext uri="{A12FA001-AC4F-418D-AE19-62706E023703}">
-                      <ahyp:hlinkClr val="tx"/>
+                      <ahyp:hlinkClr xmlns:ahyp="http://schemas.microsoft.com/office/drawing/2018/hyperlinkcolor" val="tx"/>
                     </a:ext>
                   </a:extLst>
                 </a:hlinkClick>
@@ -10383,7 +10890,7 @@
             </a:endParaRPr>
           </a:p>
           <a:p>
-            <a:pPr indent="-304800" lvl="0" marL="457200" rtl="0" algn="l">
+            <a:pPr marL="457200" lvl="0" indent="-304800" algn="l" rtl="0">
               <a:spcBef>
                 <a:spcPts val="0"/>
               </a:spcBef>
@@ -10430,7 +10937,7 @@
                 <a:hlinkClick r:id="rId5">
                   <a:extLst>
                     <a:ext uri="{A12FA001-AC4F-418D-AE19-62706E023703}">
-                      <ahyp:hlinkClr val="tx"/>
+                      <ahyp:hlinkClr xmlns:ahyp="http://schemas.microsoft.com/office/drawing/2018/hyperlinkcolor" val="tx"/>
                     </a:ext>
                   </a:extLst>
                 </a:hlinkClick>
@@ -10453,7 +10960,7 @@
               <a:t>, which handles running tasks. In the default Airflow installation, this runs everything </a:t>
             </a:r>
             <a:r>
-              <a:rPr i="1" lang="en" sz="1200">
+              <a:rPr lang="en" sz="1200" i="1">
                 <a:solidFill>
                   <a:srgbClr val="707070"/>
                 </a:solidFill>
@@ -10483,7 +10990,7 @@
               <a:t> the scheduler, but most production-suitable executors actually push task execution out to </a:t>
             </a:r>
             <a:r>
-              <a:rPr i="1" lang="en" sz="1200">
+              <a:rPr lang="en" sz="1200" i="1">
                 <a:solidFill>
                   <a:srgbClr val="707070"/>
                 </a:solidFill>
@@ -10526,7 +11033,7 @@
             </a:endParaRPr>
           </a:p>
           <a:p>
-            <a:pPr indent="-304800" lvl="0" marL="457200" rtl="0" algn="l">
+            <a:pPr marL="457200" lvl="0" indent="-304800" algn="l" rtl="0">
               <a:spcBef>
                 <a:spcPts val="0"/>
               </a:spcBef>
@@ -10556,7 +11063,7 @@
               <a:t>A </a:t>
             </a:r>
             <a:r>
-              <a:rPr i="1" lang="en" sz="1200">
+              <a:rPr lang="en" sz="1200" i="1">
                 <a:solidFill>
                   <a:srgbClr val="707070"/>
                 </a:solidFill>
@@ -10599,7 +11106,7 @@
             </a:endParaRPr>
           </a:p>
           <a:p>
-            <a:pPr indent="-304800" lvl="0" marL="457200" rtl="0" algn="l">
+            <a:pPr marL="457200" lvl="0" indent="-304800" algn="l" rtl="0">
               <a:spcBef>
                 <a:spcPts val="0"/>
               </a:spcBef>
@@ -10629,7 +11136,7 @@
               <a:t>A folder of </a:t>
             </a:r>
             <a:r>
-              <a:rPr i="1" lang="en" sz="1200">
+              <a:rPr lang="en" sz="1200" i="1">
                 <a:solidFill>
                   <a:srgbClr val="707070"/>
                 </a:solidFill>
@@ -10672,7 +11179,7 @@
             </a:endParaRPr>
           </a:p>
           <a:p>
-            <a:pPr indent="-304800" lvl="0" marL="457200" rtl="0" algn="l">
+            <a:pPr marL="457200" lvl="0" indent="-304800" algn="l" rtl="0">
               <a:spcBef>
                 <a:spcPts val="0"/>
               </a:spcBef>
@@ -10702,7 +11209,7 @@
               <a:t>A </a:t>
             </a:r>
             <a:r>
-              <a:rPr i="1" lang="en" sz="1200">
+              <a:rPr lang="en" sz="1200" i="1">
                 <a:solidFill>
                   <a:srgbClr val="707070"/>
                 </a:solidFill>
@@ -10772,11 +11279,11 @@
 </file>
 
 <file path=ppt/slides/slide5.xml><?xml version="1.0" encoding="utf-8"?>
-<p:sld xmlns:a="http://schemas.openxmlformats.org/drawingml/2006/main" xmlns:r="http://schemas.openxmlformats.org/officeDocument/2006/relationships" xmlns:mc="http://schemas.openxmlformats.org/markup-compatibility/2006" xmlns:mv="urn:schemas-microsoft-com:mac:vml" xmlns:p="http://schemas.openxmlformats.org/presentationml/2006/main" xmlns:c="http://schemas.openxmlformats.org/drawingml/2006/chart" xmlns:dgm="http://schemas.openxmlformats.org/drawingml/2006/diagram" xmlns:o="urn:schemas-microsoft-com:office:office" xmlns:v="urn:schemas-microsoft-com:vml" xmlns:pvml="urn:schemas-microsoft-com:office:powerpoint" xmlns:com="http://schemas.openxmlformats.org/drawingml/2006/compatibility" xmlns:p14="http://schemas.microsoft.com/office/powerpoint/2010/main" xmlns:p15="http://schemas.microsoft.com/office/powerpoint/2012/main" xmlns:ahyp="http://schemas.microsoft.com/office/drawing/2018/hyperlinkcolor">
+<p:sld xmlns:a="http://schemas.openxmlformats.org/drawingml/2006/main" xmlns:r="http://schemas.openxmlformats.org/officeDocument/2006/relationships" xmlns:p="http://schemas.openxmlformats.org/presentationml/2006/main">
   <p:cSld>
     <p:spTree>
       <p:nvGrpSpPr>
-        <p:cNvPr id="81" name="Shape 81"/>
+        <p:cNvPr id="1" name="Shape 81"/>
         <p:cNvGrpSpPr/>
         <p:nvPr/>
       </p:nvGrpSpPr>
@@ -10791,7 +11298,9 @@
       <p:sp>
         <p:nvSpPr>
           <p:cNvPr id="82" name="Google Shape;82;p17"/>
-          <p:cNvSpPr txBox="1"/>
+          <p:cNvSpPr txBox="1">
+            <a:spLocks noGrp="1"/>
+          </p:cNvSpPr>
           <p:nvPr>
             <p:ph type="title"/>
           </p:nvPr>
@@ -10806,12 +11315,12 @@
           </a:prstGeom>
         </p:spPr>
         <p:txBody>
-          <a:bodyPr anchorCtr="0" anchor="t" bIns="91425" lIns="91425" spcFirstLastPara="1" rIns="91425" wrap="square" tIns="91425">
+          <a:bodyPr spcFirstLastPara="1" wrap="square" lIns="91425" tIns="91425" rIns="91425" bIns="91425" anchor="t" anchorCtr="0">
             <a:normAutofit fontScale="90000"/>
           </a:bodyPr>
           <a:lstStyle/>
           <a:p>
-            <a:pPr indent="0" lvl="0" marL="0" rtl="0" algn="l">
+            <a:pPr marL="0" lvl="0" indent="0" algn="l" rtl="0">
               <a:spcBef>
                 <a:spcPts val="0"/>
               </a:spcBef>
@@ -10831,9 +11340,11 @@
       <p:sp>
         <p:nvSpPr>
           <p:cNvPr id="83" name="Google Shape;83;p17"/>
-          <p:cNvSpPr txBox="1"/>
+          <p:cNvSpPr txBox="1">
+            <a:spLocks noGrp="1"/>
+          </p:cNvSpPr>
           <p:nvPr>
-            <p:ph idx="1" type="body"/>
+            <p:ph type="body" idx="1"/>
           </p:nvPr>
         </p:nvSpPr>
         <p:spPr>
@@ -10846,12 +11357,12 @@
           </a:prstGeom>
         </p:spPr>
         <p:txBody>
-          <a:bodyPr anchorCtr="0" anchor="t" bIns="91425" lIns="91425" spcFirstLastPara="1" rIns="91425" wrap="square" tIns="91425">
+          <a:bodyPr spcFirstLastPara="1" wrap="square" lIns="91425" tIns="91425" rIns="91425" bIns="91425" anchor="t" anchorCtr="0">
             <a:normAutofit/>
           </a:bodyPr>
           <a:lstStyle/>
           <a:p>
-            <a:pPr indent="0" lvl="0" marL="0" rtl="0" algn="l">
+            <a:pPr marL="0" lvl="0" indent="0" algn="l" rtl="0">
               <a:spcBef>
                 <a:spcPts val="0"/>
               </a:spcBef>
@@ -10889,7 +11400,7 @@
             </a:endParaRPr>
           </a:p>
           <a:p>
-            <a:pPr indent="0" lvl="0" marL="0" rtl="0" algn="l">
+            <a:pPr marL="0" lvl="0" indent="0" algn="l" rtl="0">
               <a:spcBef>
                 <a:spcPts val="1200"/>
               </a:spcBef>
@@ -10965,11 +11476,11 @@
 </file>
 
 <file path=ppt/slides/slide6.xml><?xml version="1.0" encoding="utf-8"?>
-<p:sld xmlns:a="http://schemas.openxmlformats.org/drawingml/2006/main" xmlns:r="http://schemas.openxmlformats.org/officeDocument/2006/relationships" xmlns:mc="http://schemas.openxmlformats.org/markup-compatibility/2006" xmlns:mv="urn:schemas-microsoft-com:mac:vml" xmlns:p="http://schemas.openxmlformats.org/presentationml/2006/main" xmlns:c="http://schemas.openxmlformats.org/drawingml/2006/chart" xmlns:dgm="http://schemas.openxmlformats.org/drawingml/2006/diagram" xmlns:o="urn:schemas-microsoft-com:office:office" xmlns:v="urn:schemas-microsoft-com:vml" xmlns:pvml="urn:schemas-microsoft-com:office:powerpoint" xmlns:com="http://schemas.openxmlformats.org/drawingml/2006/compatibility" xmlns:p14="http://schemas.microsoft.com/office/powerpoint/2010/main" xmlns:p15="http://schemas.microsoft.com/office/powerpoint/2012/main" xmlns:ahyp="http://schemas.microsoft.com/office/drawing/2018/hyperlinkcolor">
+<p:sld xmlns:a="http://schemas.openxmlformats.org/drawingml/2006/main" xmlns:r="http://schemas.openxmlformats.org/officeDocument/2006/relationships" xmlns:p="http://schemas.openxmlformats.org/presentationml/2006/main">
   <p:cSld>
     <p:spTree>
       <p:nvGrpSpPr>
-        <p:cNvPr id="88" name="Shape 88"/>
+        <p:cNvPr id="1" name="Shape 88"/>
         <p:cNvGrpSpPr/>
         <p:nvPr/>
       </p:nvGrpSpPr>
@@ -10984,14 +11495,16 @@
       <p:sp>
         <p:nvSpPr>
           <p:cNvPr id="89" name="Google Shape;89;p18"/>
-          <p:cNvSpPr txBox="1"/>
+          <p:cNvSpPr txBox="1">
+            <a:spLocks noGrp="1"/>
+          </p:cNvSpPr>
           <p:nvPr>
             <p:ph type="title"/>
           </p:nvPr>
         </p:nvSpPr>
         <p:spPr>
           <a:xfrm>
-            <a:off x="311700" y="445025"/>
+            <a:off x="311700" y="204892"/>
             <a:ext cx="8520600" cy="572700"/>
           </a:xfrm>
           <a:prstGeom prst="rect">
@@ -10999,12 +11512,12 @@
           </a:prstGeom>
         </p:spPr>
         <p:txBody>
-          <a:bodyPr anchorCtr="0" anchor="t" bIns="91425" lIns="91425" spcFirstLastPara="1" rIns="91425" wrap="square" tIns="91425">
+          <a:bodyPr spcFirstLastPara="1" wrap="square" lIns="91425" tIns="91425" rIns="91425" bIns="91425" anchor="t" anchorCtr="0">
             <a:normAutofit fontScale="90000"/>
           </a:bodyPr>
           <a:lstStyle/>
           <a:p>
-            <a:pPr indent="0" lvl="0" marL="0" rtl="0" algn="l">
+            <a:pPr marL="0" lvl="0" indent="0" algn="l" rtl="0">
               <a:spcBef>
                 <a:spcPts val="0"/>
               </a:spcBef>
@@ -11019,39 +11532,38 @@
               <a:buNone/>
             </a:pPr>
             <a:r>
-              <a:rPr lang="en"/>
+              <a:rPr lang="en" dirty="0"/>
               <a:t>Airflow With Celery Executor</a:t>
             </a:r>
-            <a:endParaRPr/>
-          </a:p>
-          <a:p>
-            <a:pPr indent="0" lvl="0" marL="0" rtl="0" algn="l">
-              <a:spcBef>
-                <a:spcPts val="0"/>
-              </a:spcBef>
-              <a:spcAft>
-                <a:spcPts val="0"/>
-              </a:spcAft>
-              <a:buNone/>
-            </a:pPr>
-            <a:r>
-              <a:t/>
-            </a:r>
-            <a:endParaRPr/>
+            <a:endParaRPr dirty="0"/>
+          </a:p>
+          <a:p>
+            <a:pPr marL="0" lvl="0" indent="0" algn="l" rtl="0">
+              <a:spcBef>
+                <a:spcPts val="0"/>
+              </a:spcBef>
+              <a:spcAft>
+                <a:spcPts val="0"/>
+              </a:spcAft>
+              <a:buNone/>
+            </a:pPr>
+            <a:endParaRPr dirty="0"/>
           </a:p>
         </p:txBody>
       </p:sp>
       <p:sp>
         <p:nvSpPr>
           <p:cNvPr id="90" name="Google Shape;90;p18"/>
-          <p:cNvSpPr txBox="1"/>
+          <p:cNvSpPr txBox="1">
+            <a:spLocks noGrp="1"/>
+          </p:cNvSpPr>
           <p:nvPr>
-            <p:ph idx="1" type="body"/>
+            <p:ph type="body" idx="1"/>
           </p:nvPr>
         </p:nvSpPr>
         <p:spPr>
           <a:xfrm>
-            <a:off x="210600" y="1152475"/>
+            <a:off x="304800" y="863550"/>
             <a:ext cx="4267200" cy="3416400"/>
           </a:xfrm>
           <a:prstGeom prst="rect">
@@ -11059,12 +11571,12 @@
           </a:prstGeom>
         </p:spPr>
         <p:txBody>
-          <a:bodyPr anchorCtr="0" anchor="t" bIns="91425" lIns="91425" spcFirstLastPara="1" rIns="91425" wrap="square" tIns="91425">
-            <a:normAutofit fontScale="70000" lnSpcReduction="10000"/>
+          <a:bodyPr spcFirstLastPara="1" wrap="square" lIns="91425" tIns="91425" rIns="91425" bIns="91425" anchor="t" anchorCtr="0">
+            <a:normAutofit fontScale="62500" lnSpcReduction="20000"/>
           </a:bodyPr>
           <a:lstStyle/>
           <a:p>
-            <a:pPr indent="-308610" lvl="0" marL="457200" rtl="0" algn="l">
+            <a:pPr marL="457200" lvl="0" indent="-308610" algn="l" rtl="0">
               <a:lnSpc>
                 <a:spcPct val="150000"/>
               </a:lnSpc>
@@ -11078,13 +11590,13 @@
               <a:buChar char="●"/>
             </a:pPr>
             <a:r>
-              <a:rPr lang="en"/>
+              <a:rPr lang="en" dirty="0"/>
               <a:t>Horizontal scaling possible due to Celery Executor</a:t>
             </a:r>
-            <a:endParaRPr/>
-          </a:p>
-          <a:p>
-            <a:pPr indent="-308610" lvl="0" marL="457200" rtl="0" algn="l">
+            <a:endParaRPr dirty="0"/>
+          </a:p>
+          <a:p>
+            <a:pPr marL="457200" lvl="0" indent="-308610" algn="l" rtl="0">
               <a:lnSpc>
                 <a:spcPct val="150000"/>
               </a:lnSpc>
@@ -11098,13 +11610,13 @@
               <a:buChar char="●"/>
             </a:pPr>
             <a:r>
-              <a:rPr lang="en"/>
+              <a:rPr lang="en" dirty="0"/>
               <a:t>Possible to handle spikes in workload by adding more edge nodes</a:t>
             </a:r>
-            <a:endParaRPr/>
-          </a:p>
-          <a:p>
-            <a:pPr indent="-308610" lvl="0" marL="457200" rtl="0" algn="l">
+            <a:endParaRPr dirty="0"/>
+          </a:p>
+          <a:p>
+            <a:pPr marL="457200" lvl="0" indent="-308610" algn="l" rtl="0">
               <a:lnSpc>
                 <a:spcPct val="150000"/>
               </a:lnSpc>
@@ -11118,13 +11630,13 @@
               <a:buChar char="●"/>
             </a:pPr>
             <a:r>
-              <a:rPr lang="en"/>
+              <a:rPr lang="en" dirty="0"/>
               <a:t>It uses Message Queues Such as RabbitMQ or Redis to serve tasks to the workers on edge nodes</a:t>
             </a:r>
-            <a:endParaRPr/>
-          </a:p>
-          <a:p>
-            <a:pPr indent="-308610" lvl="0" marL="457200" rtl="0" algn="l">
+            <a:endParaRPr dirty="0"/>
+          </a:p>
+          <a:p>
+            <a:pPr marL="457200" lvl="0" indent="-308610" algn="l" rtl="0">
               <a:lnSpc>
                 <a:spcPct val="150000"/>
               </a:lnSpc>
@@ -11138,13 +11650,13 @@
               <a:buChar char="●"/>
             </a:pPr>
             <a:r>
-              <a:rPr lang="en"/>
+              <a:rPr lang="en" dirty="0"/>
               <a:t>Each node Needs to connect to the Database as well  as the DAGs folder</a:t>
             </a:r>
-            <a:endParaRPr/>
-          </a:p>
-          <a:p>
-            <a:pPr indent="-308610" lvl="0" marL="457200" rtl="0" algn="l">
+            <a:endParaRPr dirty="0"/>
+          </a:p>
+          <a:p>
+            <a:pPr marL="457200" lvl="0" indent="-308610" algn="l" rtl="0">
               <a:lnSpc>
                 <a:spcPct val="150000"/>
               </a:lnSpc>
@@ -11158,13 +11670,13 @@
               <a:buChar char="●"/>
             </a:pPr>
             <a:r>
-              <a:rPr lang="en"/>
+              <a:rPr lang="en" dirty="0"/>
               <a:t>Database is connected through a client in each node</a:t>
             </a:r>
-            <a:endParaRPr/>
-          </a:p>
-          <a:p>
-            <a:pPr indent="-308610" lvl="0" marL="457200" rtl="0" algn="l">
+            <a:endParaRPr dirty="0"/>
+          </a:p>
+          <a:p>
+            <a:pPr marL="457200" lvl="0" indent="-308610" algn="l" rtl="0">
               <a:lnSpc>
                 <a:spcPct val="150000"/>
               </a:lnSpc>
@@ -11178,10 +11690,10 @@
               <a:buChar char="●"/>
             </a:pPr>
             <a:r>
-              <a:rPr lang="en"/>
-              <a:t>DAGs are served through a shared filesystem or Container Images (Needs Redeployment everytime there are changes to the DAGs)</a:t>
-            </a:r>
-            <a:endParaRPr/>
+              <a:rPr lang="en" dirty="0"/>
+              <a:t>DAGs are served through a shared filesystem or Container Images (Needs Redeployment every time there are changes to the DAGs)</a:t>
+            </a:r>
+            <a:endParaRPr dirty="0"/>
           </a:p>
         </p:txBody>
       </p:sp>
@@ -11222,11 +11734,11 @@
 </file>
 
 <file path=ppt/slides/slide7.xml><?xml version="1.0" encoding="utf-8"?>
-<p:sld xmlns:a="http://schemas.openxmlformats.org/drawingml/2006/main" xmlns:r="http://schemas.openxmlformats.org/officeDocument/2006/relationships" xmlns:mc="http://schemas.openxmlformats.org/markup-compatibility/2006" xmlns:mv="urn:schemas-microsoft-com:mac:vml" xmlns:p="http://schemas.openxmlformats.org/presentationml/2006/main" xmlns:c="http://schemas.openxmlformats.org/drawingml/2006/chart" xmlns:dgm="http://schemas.openxmlformats.org/drawingml/2006/diagram" xmlns:o="urn:schemas-microsoft-com:office:office" xmlns:v="urn:schemas-microsoft-com:vml" xmlns:pvml="urn:schemas-microsoft-com:office:powerpoint" xmlns:com="http://schemas.openxmlformats.org/drawingml/2006/compatibility" xmlns:p14="http://schemas.microsoft.com/office/powerpoint/2010/main" xmlns:p15="http://schemas.microsoft.com/office/powerpoint/2012/main" xmlns:ahyp="http://schemas.microsoft.com/office/drawing/2018/hyperlinkcolor">
+<p:sld xmlns:a="http://schemas.openxmlformats.org/drawingml/2006/main" xmlns:r="http://schemas.openxmlformats.org/officeDocument/2006/relationships" xmlns:p="http://schemas.openxmlformats.org/presentationml/2006/main">
   <p:cSld>
     <p:spTree>
       <p:nvGrpSpPr>
-        <p:cNvPr id="95" name="Shape 95"/>
+        <p:cNvPr id="1" name="Shape 95"/>
         <p:cNvGrpSpPr/>
         <p:nvPr/>
       </p:nvGrpSpPr>
@@ -11241,7 +11753,9 @@
       <p:sp>
         <p:nvSpPr>
           <p:cNvPr id="96" name="Google Shape;96;p19"/>
-          <p:cNvSpPr txBox="1"/>
+          <p:cNvSpPr txBox="1">
+            <a:spLocks noGrp="1"/>
+          </p:cNvSpPr>
           <p:nvPr>
             <p:ph type="title"/>
           </p:nvPr>
@@ -11256,12 +11770,12 @@
           </a:prstGeom>
         </p:spPr>
         <p:txBody>
-          <a:bodyPr anchorCtr="0" anchor="t" bIns="91425" lIns="91425" spcFirstLastPara="1" rIns="91425" wrap="square" tIns="91425">
+          <a:bodyPr spcFirstLastPara="1" wrap="square" lIns="91425" tIns="91425" rIns="91425" bIns="91425" anchor="t" anchorCtr="0">
             <a:normAutofit fontScale="90000"/>
           </a:bodyPr>
           <a:lstStyle/>
           <a:p>
-            <a:pPr indent="0" lvl="0" marL="0" rtl="0" algn="l">
+            <a:pPr marL="0" lvl="0" indent="0" algn="l" rtl="0">
               <a:spcBef>
                 <a:spcPts val="0"/>
               </a:spcBef>
@@ -11281,9 +11795,11 @@
       <p:sp>
         <p:nvSpPr>
           <p:cNvPr id="97" name="Google Shape;97;p19"/>
-          <p:cNvSpPr txBox="1"/>
+          <p:cNvSpPr txBox="1">
+            <a:spLocks noGrp="1"/>
+          </p:cNvSpPr>
           <p:nvPr>
-            <p:ph idx="1" type="body"/>
+            <p:ph type="body" idx="1"/>
           </p:nvPr>
         </p:nvSpPr>
         <p:spPr>
@@ -11296,22 +11812,22 @@
           </a:prstGeom>
         </p:spPr>
         <p:txBody>
-          <a:bodyPr anchorCtr="0" anchor="t" bIns="91425" lIns="91425" spcFirstLastPara="1" rIns="91425" wrap="square" tIns="91425">
+          <a:bodyPr spcFirstLastPara="1" wrap="square" lIns="91425" tIns="91425" rIns="91425" bIns="91425" anchor="t" anchorCtr="0">
             <a:normAutofit/>
           </a:bodyPr>
           <a:lstStyle/>
           <a:p>
-            <a:pPr indent="0" lvl="0" marL="0" rtl="0" algn="l">
-              <a:spcBef>
-                <a:spcPts val="0"/>
-              </a:spcBef>
-              <a:spcAft>
-                <a:spcPts val="0"/>
-              </a:spcAft>
-              <a:buNone/>
-            </a:pPr>
-            <a:r>
-              <a:rPr lang="en" sz="1100">
+            <a:pPr marL="0" lvl="0" indent="0" algn="l" rtl="0">
+              <a:spcBef>
+                <a:spcPts val="0"/>
+              </a:spcBef>
+              <a:spcAft>
+                <a:spcPts val="0"/>
+              </a:spcAft>
+              <a:buNone/>
+            </a:pPr>
+            <a:r>
+              <a:rPr lang="en" sz="1100" dirty="0">
                 <a:latin typeface="Open Sans"/>
                 <a:ea typeface="Open Sans"/>
                 <a:cs typeface="Open Sans"/>
@@ -11319,7 +11835,7 @@
               </a:rPr>
               <a:t>RabbitMQ is a message broker. Its job is to manage communication between multiple services by operating message queues. It provides an API for other services to publish and to subscribe to the queues.</a:t>
             </a:r>
-            <a:endParaRPr sz="1100">
+            <a:endParaRPr sz="1100" dirty="0">
               <a:latin typeface="Open Sans"/>
               <a:ea typeface="Open Sans"/>
               <a:cs typeface="Open Sans"/>
@@ -11327,7 +11843,7 @@
             </a:endParaRPr>
           </a:p>
           <a:p>
-            <a:pPr indent="0" lvl="0" marL="0" rtl="0" algn="l">
+            <a:pPr marL="0" lvl="0" indent="0" algn="l" rtl="0">
               <a:spcBef>
                 <a:spcPts val="1200"/>
               </a:spcBef>
@@ -11337,7 +11853,7 @@
               <a:buNone/>
             </a:pPr>
             <a:r>
-              <a:rPr lang="en" sz="1100">
+              <a:rPr lang="en" sz="1100" dirty="0">
                 <a:latin typeface="Open Sans"/>
                 <a:ea typeface="Open Sans"/>
                 <a:cs typeface="Open Sans"/>
@@ -11345,7 +11861,7 @@
               </a:rPr>
               <a:t>Celery is a task queue. It can distribute tasks on multiple workers by using a protocol to transfer jobs from the main application to Celery workers. It relies on a message broker to transfer the messages.</a:t>
             </a:r>
-            <a:endParaRPr sz="1100">
+            <a:endParaRPr sz="1100" dirty="0">
               <a:latin typeface="Open Sans"/>
               <a:ea typeface="Open Sans"/>
               <a:cs typeface="Open Sans"/>
@@ -11353,7 +11869,7 @@
             </a:endParaRPr>
           </a:p>
           <a:p>
-            <a:pPr indent="0" lvl="0" marL="0" rtl="0" algn="l">
+            <a:pPr marL="0" lvl="0" indent="0" algn="l" rtl="0">
               <a:spcBef>
                 <a:spcPts val="1200"/>
               </a:spcBef>
@@ -11362,13 +11878,10 @@
               </a:spcAft>
               <a:buNone/>
             </a:pPr>
-            <a:r>
-              <a:t/>
-            </a:r>
-            <a:endParaRPr/>
-          </a:p>
-          <a:p>
-            <a:pPr indent="0" lvl="0" marL="0" rtl="0" algn="l">
+            <a:endParaRPr dirty="0"/>
+          </a:p>
+          <a:p>
+            <a:pPr marL="0" lvl="0" indent="0" algn="l" rtl="0">
               <a:spcBef>
                 <a:spcPts val="1200"/>
               </a:spcBef>
@@ -11377,10 +11890,7 @@
               </a:spcAft>
               <a:buNone/>
             </a:pPr>
-            <a:r>
-              <a:t/>
-            </a:r>
-            <a:endParaRPr/>
+            <a:endParaRPr dirty="0"/>
           </a:p>
         </p:txBody>
       </p:sp>
@@ -11421,11 +11931,11 @@
 </file>
 
 <file path=ppt/slides/slide8.xml><?xml version="1.0" encoding="utf-8"?>
-<p:sld xmlns:a="http://schemas.openxmlformats.org/drawingml/2006/main" xmlns:r="http://schemas.openxmlformats.org/officeDocument/2006/relationships" xmlns:mc="http://schemas.openxmlformats.org/markup-compatibility/2006" xmlns:mv="urn:schemas-microsoft-com:mac:vml" xmlns:p="http://schemas.openxmlformats.org/presentationml/2006/main" xmlns:c="http://schemas.openxmlformats.org/drawingml/2006/chart" xmlns:dgm="http://schemas.openxmlformats.org/drawingml/2006/diagram" xmlns:o="urn:schemas-microsoft-com:office:office" xmlns:v="urn:schemas-microsoft-com:vml" xmlns:pvml="urn:schemas-microsoft-com:office:powerpoint" xmlns:com="http://schemas.openxmlformats.org/drawingml/2006/compatibility" xmlns:p14="http://schemas.microsoft.com/office/powerpoint/2010/main" xmlns:p15="http://schemas.microsoft.com/office/powerpoint/2012/main" xmlns:ahyp="http://schemas.microsoft.com/office/drawing/2018/hyperlinkcolor">
+<p:sld xmlns:a="http://schemas.openxmlformats.org/drawingml/2006/main" xmlns:r="http://schemas.openxmlformats.org/officeDocument/2006/relationships" xmlns:p="http://schemas.openxmlformats.org/presentationml/2006/main">
   <p:cSld>
     <p:spTree>
       <p:nvGrpSpPr>
-        <p:cNvPr id="102" name="Shape 102"/>
+        <p:cNvPr id="1" name="Shape 102"/>
         <p:cNvGrpSpPr/>
         <p:nvPr/>
       </p:nvGrpSpPr>
@@ -11440,7 +11950,9 @@
       <p:sp>
         <p:nvSpPr>
           <p:cNvPr id="103" name="Google Shape;103;p20"/>
-          <p:cNvSpPr txBox="1"/>
+          <p:cNvSpPr txBox="1">
+            <a:spLocks noGrp="1"/>
+          </p:cNvSpPr>
           <p:nvPr>
             <p:ph type="title"/>
           </p:nvPr>
@@ -11455,12 +11967,12 @@
           </a:prstGeom>
         </p:spPr>
         <p:txBody>
-          <a:bodyPr anchorCtr="0" anchor="t" bIns="91425" lIns="91425" spcFirstLastPara="1" rIns="91425" wrap="square" tIns="91425">
+          <a:bodyPr spcFirstLastPara="1" wrap="square" lIns="91425" tIns="91425" rIns="91425" bIns="91425" anchor="t" anchorCtr="0">
             <a:normAutofit fontScale="90000"/>
           </a:bodyPr>
           <a:lstStyle/>
           <a:p>
-            <a:pPr indent="0" lvl="0" marL="0" rtl="0" algn="l">
+            <a:pPr marL="0" lvl="0" indent="0" algn="l" rtl="0">
               <a:spcBef>
                 <a:spcPts val="0"/>
               </a:spcBef>
@@ -11481,18 +11993,15 @@
             <a:endParaRPr/>
           </a:p>
           <a:p>
-            <a:pPr indent="0" lvl="0" marL="0" rtl="0" algn="l">
-              <a:spcBef>
-                <a:spcPts val="0"/>
-              </a:spcBef>
-              <a:spcAft>
-                <a:spcPts val="0"/>
-              </a:spcAft>
-              <a:buNone/>
-            </a:pPr>
-            <a:r>
-              <a:t/>
-            </a:r>
+            <a:pPr marL="0" lvl="0" indent="0" algn="l" rtl="0">
+              <a:spcBef>
+                <a:spcPts val="0"/>
+              </a:spcBef>
+              <a:spcAft>
+                <a:spcPts val="0"/>
+              </a:spcAft>
+              <a:buNone/>
+            </a:pPr>
             <a:endParaRPr/>
           </a:p>
         </p:txBody>
@@ -11500,9 +12009,11 @@
       <p:sp>
         <p:nvSpPr>
           <p:cNvPr id="104" name="Google Shape;104;p20"/>
-          <p:cNvSpPr txBox="1"/>
+          <p:cNvSpPr txBox="1">
+            <a:spLocks noGrp="1"/>
+          </p:cNvSpPr>
           <p:nvPr>
-            <p:ph idx="1" type="body"/>
+            <p:ph type="body" idx="1"/>
           </p:nvPr>
         </p:nvSpPr>
         <p:spPr>
@@ -11515,12 +12026,12 @@
           </a:prstGeom>
         </p:spPr>
         <p:txBody>
-          <a:bodyPr anchorCtr="0" anchor="t" bIns="91425" lIns="91425" spcFirstLastPara="1" rIns="91425" wrap="square" tIns="91425">
+          <a:bodyPr spcFirstLastPara="1" wrap="square" lIns="91425" tIns="91425" rIns="91425" bIns="91425" anchor="t" anchorCtr="0">
             <a:normAutofit/>
           </a:bodyPr>
           <a:lstStyle/>
           <a:p>
-            <a:pPr indent="-304800" lvl="0" marL="457200" rtl="0" algn="l">
+            <a:pPr marL="457200" lvl="0" indent="-304800" algn="l" rtl="0">
               <a:spcBef>
                 <a:spcPts val="0"/>
               </a:spcBef>
@@ -11537,7 +12048,7 @@
             <a:endParaRPr sz="1200"/>
           </a:p>
           <a:p>
-            <a:pPr indent="-304800" lvl="0" marL="457200" rtl="0" algn="l">
+            <a:pPr marL="457200" lvl="0" indent="-304800" algn="l" rtl="0">
               <a:spcBef>
                 <a:spcPts val="0"/>
               </a:spcBef>
@@ -11554,7 +12065,7 @@
             <a:endParaRPr sz="1200"/>
           </a:p>
           <a:p>
-            <a:pPr indent="-304800" lvl="1" marL="914400" rtl="0" algn="l">
+            <a:pPr marL="914400" lvl="1" indent="-304800" algn="l" rtl="0">
               <a:spcBef>
                 <a:spcPts val="0"/>
               </a:spcBef>
@@ -11571,7 +12082,7 @@
             <a:endParaRPr sz="1200"/>
           </a:p>
           <a:p>
-            <a:pPr indent="-304800" lvl="0" marL="457200" rtl="0" algn="l">
+            <a:pPr marL="457200" lvl="0" indent="-304800" algn="l" rtl="0">
               <a:spcBef>
                 <a:spcPts val="0"/>
               </a:spcBef>
@@ -11588,7 +12099,7 @@
             <a:endParaRPr sz="1200"/>
           </a:p>
           <a:p>
-            <a:pPr indent="-304800" lvl="0" marL="457200" rtl="0" algn="l">
+            <a:pPr marL="457200" lvl="0" indent="-304800" algn="l" rtl="0">
               <a:spcBef>
                 <a:spcPts val="0"/>
               </a:spcBef>
@@ -11671,11 +12182,11 @@
 </file>
 
 <file path=ppt/slides/slide9.xml><?xml version="1.0" encoding="utf-8"?>
-<p:sld xmlns:a="http://schemas.openxmlformats.org/drawingml/2006/main" xmlns:r="http://schemas.openxmlformats.org/officeDocument/2006/relationships" xmlns:mc="http://schemas.openxmlformats.org/markup-compatibility/2006" xmlns:mv="urn:schemas-microsoft-com:mac:vml" xmlns:p="http://schemas.openxmlformats.org/presentationml/2006/main" xmlns:c="http://schemas.openxmlformats.org/drawingml/2006/chart" xmlns:dgm="http://schemas.openxmlformats.org/drawingml/2006/diagram" xmlns:o="urn:schemas-microsoft-com:office:office" xmlns:v="urn:schemas-microsoft-com:vml" xmlns:pvml="urn:schemas-microsoft-com:office:powerpoint" xmlns:com="http://schemas.openxmlformats.org/drawingml/2006/compatibility" xmlns:p14="http://schemas.microsoft.com/office/powerpoint/2010/main" xmlns:p15="http://schemas.microsoft.com/office/powerpoint/2012/main" xmlns:ahyp="http://schemas.microsoft.com/office/drawing/2018/hyperlinkcolor">
+<p:sld xmlns:a="http://schemas.openxmlformats.org/drawingml/2006/main" xmlns:r="http://schemas.openxmlformats.org/officeDocument/2006/relationships" xmlns:p="http://schemas.openxmlformats.org/presentationml/2006/main">
   <p:cSld>
     <p:spTree>
       <p:nvGrpSpPr>
-        <p:cNvPr id="110" name="Shape 110"/>
+        <p:cNvPr id="1" name="Shape 110"/>
         <p:cNvGrpSpPr/>
         <p:nvPr/>
       </p:nvGrpSpPr>
@@ -11690,7 +12201,9 @@
       <p:sp>
         <p:nvSpPr>
           <p:cNvPr id="111" name="Google Shape;111;p21"/>
-          <p:cNvSpPr txBox="1"/>
+          <p:cNvSpPr txBox="1">
+            <a:spLocks noGrp="1"/>
+          </p:cNvSpPr>
           <p:nvPr>
             <p:ph type="title"/>
           </p:nvPr>
@@ -11705,12 +12218,12 @@
           </a:prstGeom>
         </p:spPr>
         <p:txBody>
-          <a:bodyPr anchorCtr="0" anchor="t" bIns="91425" lIns="91425" spcFirstLastPara="1" rIns="91425" wrap="square" tIns="91425">
+          <a:bodyPr spcFirstLastPara="1" wrap="square" lIns="91425" tIns="91425" rIns="91425" bIns="91425" anchor="t" anchorCtr="0">
             <a:normAutofit fontScale="90000"/>
           </a:bodyPr>
           <a:lstStyle/>
           <a:p>
-            <a:pPr indent="0" lvl="0" marL="0" rtl="0" algn="l">
+            <a:pPr marL="0" lvl="0" indent="0" algn="l" rtl="0">
               <a:spcBef>
                 <a:spcPts val="0"/>
               </a:spcBef>
@@ -11735,9 +12248,11 @@
       <p:sp>
         <p:nvSpPr>
           <p:cNvPr id="112" name="Google Shape;112;p21"/>
-          <p:cNvSpPr txBox="1"/>
+          <p:cNvSpPr txBox="1">
+            <a:spLocks noGrp="1"/>
+          </p:cNvSpPr>
           <p:nvPr>
-            <p:ph idx="1" type="body"/>
+            <p:ph type="body" idx="1"/>
           </p:nvPr>
         </p:nvSpPr>
         <p:spPr>
@@ -11750,12 +12265,12 @@
           </a:prstGeom>
         </p:spPr>
         <p:txBody>
-          <a:bodyPr anchorCtr="0" anchor="t" bIns="91425" lIns="91425" spcFirstLastPara="1" rIns="91425" wrap="square" tIns="91425">
+          <a:bodyPr spcFirstLastPara="1" wrap="square" lIns="91425" tIns="91425" rIns="91425" bIns="91425" anchor="t" anchorCtr="0">
             <a:normAutofit/>
           </a:bodyPr>
           <a:lstStyle/>
           <a:p>
-            <a:pPr indent="0" lvl="0" marL="0" rtl="0" algn="l">
+            <a:pPr marL="0" lvl="0" indent="0" algn="l" rtl="0">
               <a:spcBef>
                 <a:spcPts val="0"/>
               </a:spcBef>
@@ -11781,7 +12296,7 @@
             </a:endParaRPr>
           </a:p>
           <a:p>
-            <a:pPr indent="0" lvl="0" marL="0" rtl="0" algn="l">
+            <a:pPr marL="0" lvl="0" indent="0" algn="l" rtl="0">
               <a:spcBef>
                 <a:spcPts val="1200"/>
               </a:spcBef>
@@ -11810,7 +12325,7 @@
       </p:sp>
       <p:pic>
         <p:nvPicPr>
-          <p:cNvPr id="113" name="Google Shape;113;p21"/>
+          <p:cNvPr id="115" name="Google Shape;115;p21"/>
           <p:cNvPicPr preferRelativeResize="0"/>
           <p:nvPr/>
         </p:nvPicPr>
@@ -11824,77 +12339,7 @@
         </p:blipFill>
         <p:spPr>
           <a:xfrm>
-            <a:off x="5282125" y="1152475"/>
-            <a:ext cx="3550176" cy="1500498"/>
-          </a:xfrm>
-          <a:prstGeom prst="rect">
-            <a:avLst/>
-          </a:prstGeom>
-          <a:noFill/>
-          <a:ln>
-            <a:noFill/>
-          </a:ln>
-        </p:spPr>
-      </p:pic>
-      <p:sp>
-        <p:nvSpPr>
-          <p:cNvPr id="114" name="Google Shape;114;p21"/>
-          <p:cNvSpPr txBox="1"/>
-          <p:nvPr/>
-        </p:nvSpPr>
-        <p:spPr>
-          <a:xfrm>
-            <a:off x="5796538" y="1995525"/>
-            <a:ext cx="2753400" cy="400200"/>
-          </a:xfrm>
-          <a:prstGeom prst="rect">
-            <a:avLst/>
-          </a:prstGeom>
-          <a:noFill/>
-          <a:ln>
-            <a:noFill/>
-          </a:ln>
-        </p:spPr>
-        <p:txBody>
-          <a:bodyPr anchorCtr="0" anchor="t" bIns="91425" lIns="91425" spcFirstLastPara="1" rIns="91425" wrap="square" tIns="91425">
-            <a:spAutoFit/>
-          </a:bodyPr>
-          <a:lstStyle/>
-          <a:p>
-            <a:pPr indent="0" lvl="0" marL="0" rtl="0" algn="l">
-              <a:spcBef>
-                <a:spcPts val="0"/>
-              </a:spcBef>
-              <a:spcAft>
-                <a:spcPts val="0"/>
-              </a:spcAft>
-              <a:buNone/>
-            </a:pPr>
-            <a:r>
-              <a:rPr lang="en"/>
-              <a:t>Actual Flower UI Image</a:t>
-            </a:r>
-            <a:endParaRPr/>
-          </a:p>
-        </p:txBody>
-      </p:sp>
-      <p:pic>
-        <p:nvPicPr>
-          <p:cNvPr id="115" name="Google Shape;115;p21"/>
-          <p:cNvPicPr preferRelativeResize="0"/>
-          <p:nvPr/>
-        </p:nvPicPr>
-        <p:blipFill>
-          <a:blip r:embed="rId4">
-            <a:alphaModFix/>
-          </a:blip>
-          <a:stretch>
-            <a:fillRect/>
-          </a:stretch>
-        </p:blipFill>
-        <p:spPr>
-          <a:xfrm>
-            <a:off x="5282125" y="2787723"/>
+            <a:off x="5647885" y="1017725"/>
             <a:ext cx="3052693" cy="2185728"/>
           </a:xfrm>
           <a:prstGeom prst="rect">
@@ -11915,7 +12360,7 @@
 </file>
 
 <file path=ppt/theme/theme1.xml><?xml version="1.0" encoding="utf-8"?>
-<a:theme xmlns:a="http://schemas.openxmlformats.org/drawingml/2006/main" xmlns:r="http://schemas.openxmlformats.org/officeDocument/2006/relationships" name="Simple Light">
+<a:theme xmlns:a="http://schemas.openxmlformats.org/drawingml/2006/main" name="Simple Light">
   <a:themeElements>
     <a:clrScheme name="Simple Light">
       <a:dk1>
@@ -12190,11 +12635,13 @@
       </a:bgFillStyleLst>
     </a:fmtScheme>
   </a:themeElements>
+  <a:objectDefaults/>
+  <a:extraClrSchemeLst/>
 </a:theme>
 </file>
 
 <file path=ppt/theme/theme2.xml><?xml version="1.0" encoding="utf-8"?>
-<a:theme xmlns:a="http://schemas.openxmlformats.org/drawingml/2006/main" xmlns:r="http://schemas.openxmlformats.org/officeDocument/2006/relationships">
+<a:theme xmlns:a="http://schemas.openxmlformats.org/drawingml/2006/main">
   <a:themeElements>
     <a:clrScheme name="Default">
       <a:dk1>
@@ -12469,5 +12916,7 @@
       </a:bgFillStyleLst>
     </a:fmtScheme>
   </a:themeElements>
+  <a:objectDefaults/>
+  <a:extraClrSchemeLst/>
 </a:theme>
 </file>